--- a/Presentation/TDD By Example.pptx
+++ b/Presentation/TDD By Example.pptx
@@ -148,15 +148,15 @@
 </file>
 
 <file path=ppt/diagrams/colors1.xml><?xml version="1.0" encoding="utf-8"?>
-<dgm:colorsDef xmlns:dgm="http://schemas.openxmlformats.org/drawingml/2006/diagram" xmlns:a="http://schemas.openxmlformats.org/drawingml/2006/main" uniqueId="urn:microsoft.com/office/officeart/2005/8/colors/accent2_2">
+<dgm:colorsDef xmlns:dgm="http://schemas.openxmlformats.org/drawingml/2006/diagram" xmlns:a="http://schemas.openxmlformats.org/drawingml/2006/main" uniqueId="urn:microsoft.com/office/officeart/2005/8/colors/accent1_2">
   <dgm:title val=""/>
   <dgm:desc val=""/>
   <dgm:catLst>
-    <dgm:cat type="accent2" pri="11200"/>
+    <dgm:cat type="accent1" pri="11200"/>
   </dgm:catLst>
   <dgm:styleLbl name="node0">
     <dgm:fillClrLst meth="repeat">
-      <a:schemeClr val="accent2"/>
+      <a:schemeClr val="accent1"/>
     </dgm:fillClrLst>
     <dgm:linClrLst meth="repeat">
       <a:schemeClr val="lt1"/>
@@ -166,9 +166,21 @@
     <dgm:txFillClrLst/>
     <dgm:txEffectClrLst/>
   </dgm:styleLbl>
+  <dgm:styleLbl name="alignNode1">
+    <dgm:fillClrLst meth="repeat">
+      <a:schemeClr val="accent1"/>
+    </dgm:fillClrLst>
+    <dgm:linClrLst meth="repeat">
+      <a:schemeClr val="accent1"/>
+    </dgm:linClrLst>
+    <dgm:effectClrLst/>
+    <dgm:txLinClrLst/>
+    <dgm:txFillClrLst/>
+    <dgm:txEffectClrLst/>
+  </dgm:styleLbl>
   <dgm:styleLbl name="node1">
     <dgm:fillClrLst meth="repeat">
-      <a:schemeClr val="accent2"/>
+      <a:schemeClr val="accent1"/>
     </dgm:fillClrLst>
     <dgm:linClrLst meth="repeat">
       <a:schemeClr val="lt1"/>
@@ -178,21 +190,9 @@
     <dgm:txFillClrLst/>
     <dgm:txEffectClrLst/>
   </dgm:styleLbl>
-  <dgm:styleLbl name="alignNode1">
-    <dgm:fillClrLst meth="repeat">
-      <a:schemeClr val="accent2"/>
-    </dgm:fillClrLst>
-    <dgm:linClrLst meth="repeat">
-      <a:schemeClr val="accent2"/>
-    </dgm:linClrLst>
-    <dgm:effectClrLst/>
-    <dgm:txLinClrLst/>
-    <dgm:txFillClrLst/>
-    <dgm:txEffectClrLst/>
-  </dgm:styleLbl>
   <dgm:styleLbl name="lnNode1">
     <dgm:fillClrLst meth="repeat">
-      <a:schemeClr val="accent2"/>
+      <a:schemeClr val="accent1"/>
     </dgm:fillClrLst>
     <dgm:linClrLst meth="repeat">
       <a:schemeClr val="lt1"/>
@@ -204,7 +204,7 @@
   </dgm:styleLbl>
   <dgm:styleLbl name="vennNode1">
     <dgm:fillClrLst meth="repeat">
-      <a:schemeClr val="accent2">
+      <a:schemeClr val="accent1">
         <a:alpha val="50000"/>
       </a:schemeClr>
     </dgm:fillClrLst>
@@ -218,7 +218,7 @@
   </dgm:styleLbl>
   <dgm:styleLbl name="node2">
     <dgm:fillClrLst meth="repeat">
-      <a:schemeClr val="accent2"/>
+      <a:schemeClr val="accent1"/>
     </dgm:fillClrLst>
     <dgm:linClrLst meth="repeat">
       <a:schemeClr val="lt1"/>
@@ -230,7 +230,7 @@
   </dgm:styleLbl>
   <dgm:styleLbl name="node3">
     <dgm:fillClrLst meth="repeat">
-      <a:schemeClr val="accent2"/>
+      <a:schemeClr val="accent1"/>
     </dgm:fillClrLst>
     <dgm:linClrLst meth="repeat">
       <a:schemeClr val="lt1"/>
@@ -242,7 +242,7 @@
   </dgm:styleLbl>
   <dgm:styleLbl name="node4">
     <dgm:fillClrLst meth="repeat">
-      <a:schemeClr val="accent2"/>
+      <a:schemeClr val="accent1"/>
     </dgm:fillClrLst>
     <dgm:linClrLst meth="repeat">
       <a:schemeClr val="lt1"/>
@@ -254,7 +254,7 @@
   </dgm:styleLbl>
   <dgm:styleLbl name="fgImgPlace1">
     <dgm:fillClrLst meth="repeat">
-      <a:schemeClr val="accent2">
+      <a:schemeClr val="accent1">
         <a:tint val="50000"/>
       </a:schemeClr>
     </dgm:fillClrLst>
@@ -270,7 +270,7 @@
   </dgm:styleLbl>
   <dgm:styleLbl name="alignImgPlace1">
     <dgm:fillClrLst meth="repeat">
-      <a:schemeClr val="accent2">
+      <a:schemeClr val="accent1">
         <a:tint val="50000"/>
       </a:schemeClr>
     </dgm:fillClrLst>
@@ -286,7 +286,7 @@
   </dgm:styleLbl>
   <dgm:styleLbl name="bgImgPlace1">
     <dgm:fillClrLst meth="repeat">
-      <a:schemeClr val="accent2">
+      <a:schemeClr val="accent1">
         <a:tint val="50000"/>
       </a:schemeClr>
     </dgm:fillClrLst>
@@ -302,12 +302,12 @@
   </dgm:styleLbl>
   <dgm:styleLbl name="sibTrans2D1">
     <dgm:fillClrLst meth="repeat">
-      <a:schemeClr val="accent2">
+      <a:schemeClr val="accent1">
         <a:tint val="60000"/>
       </a:schemeClr>
     </dgm:fillClrLst>
     <dgm:linClrLst meth="repeat">
-      <a:schemeClr val="accent2">
+      <a:schemeClr val="accent1">
         <a:tint val="60000"/>
       </a:schemeClr>
     </dgm:linClrLst>
@@ -318,12 +318,12 @@
   </dgm:styleLbl>
   <dgm:styleLbl name="fgSibTrans2D1">
     <dgm:fillClrLst meth="repeat">
-      <a:schemeClr val="accent2">
+      <a:schemeClr val="accent1">
         <a:tint val="60000"/>
       </a:schemeClr>
     </dgm:fillClrLst>
     <dgm:linClrLst meth="repeat">
-      <a:schemeClr val="accent2">
+      <a:schemeClr val="accent1">
         <a:tint val="60000"/>
       </a:schemeClr>
     </dgm:linClrLst>
@@ -334,12 +334,12 @@
   </dgm:styleLbl>
   <dgm:styleLbl name="bgSibTrans2D1">
     <dgm:fillClrLst meth="repeat">
-      <a:schemeClr val="accent2">
+      <a:schemeClr val="accent1">
         <a:tint val="60000"/>
       </a:schemeClr>
     </dgm:fillClrLst>
     <dgm:linClrLst meth="repeat">
-      <a:schemeClr val="accent2">
+      <a:schemeClr val="accent1">
         <a:tint val="60000"/>
       </a:schemeClr>
     </dgm:linClrLst>
@@ -350,10 +350,10 @@
   </dgm:styleLbl>
   <dgm:styleLbl name="sibTrans1D1">
     <dgm:fillClrLst meth="repeat">
-      <a:schemeClr val="accent2"/>
+      <a:schemeClr val="accent1"/>
     </dgm:fillClrLst>
     <dgm:linClrLst meth="repeat">
-      <a:schemeClr val="accent2"/>
+      <a:schemeClr val="accent1"/>
     </dgm:linClrLst>
     <dgm:effectClrLst/>
     <dgm:txLinClrLst/>
@@ -364,10 +364,10 @@
   </dgm:styleLbl>
   <dgm:styleLbl name="callout">
     <dgm:fillClrLst meth="repeat">
-      <a:schemeClr val="accent2"/>
+      <a:schemeClr val="accent1"/>
     </dgm:fillClrLst>
     <dgm:linClrLst meth="repeat">
-      <a:schemeClr val="accent2">
+      <a:schemeClr val="accent1">
         <a:tint val="50000"/>
       </a:schemeClr>
     </dgm:linClrLst>
@@ -380,7 +380,7 @@
   </dgm:styleLbl>
   <dgm:styleLbl name="asst0">
     <dgm:fillClrLst meth="repeat">
-      <a:schemeClr val="accent2"/>
+      <a:schemeClr val="accent1"/>
     </dgm:fillClrLst>
     <dgm:linClrLst meth="repeat">
       <a:schemeClr val="lt1"/>
@@ -392,7 +392,7 @@
   </dgm:styleLbl>
   <dgm:styleLbl name="asst1">
     <dgm:fillClrLst meth="repeat">
-      <a:schemeClr val="accent2"/>
+      <a:schemeClr val="accent1"/>
     </dgm:fillClrLst>
     <dgm:linClrLst meth="repeat">
       <a:schemeClr val="lt1"/>
@@ -404,7 +404,7 @@
   </dgm:styleLbl>
   <dgm:styleLbl name="asst2">
     <dgm:fillClrLst meth="repeat">
-      <a:schemeClr val="accent2"/>
+      <a:schemeClr val="accent1"/>
     </dgm:fillClrLst>
     <dgm:linClrLst meth="repeat">
       <a:schemeClr val="lt1"/>
@@ -416,7 +416,7 @@
   </dgm:styleLbl>
   <dgm:styleLbl name="asst3">
     <dgm:fillClrLst meth="repeat">
-      <a:schemeClr val="accent2"/>
+      <a:schemeClr val="accent1"/>
     </dgm:fillClrLst>
     <dgm:linClrLst meth="repeat">
       <a:schemeClr val="lt1"/>
@@ -428,7 +428,7 @@
   </dgm:styleLbl>
   <dgm:styleLbl name="asst4">
     <dgm:fillClrLst meth="repeat">
-      <a:schemeClr val="accent2"/>
+      <a:schemeClr val="accent1"/>
     </dgm:fillClrLst>
     <dgm:linClrLst meth="repeat">
       <a:schemeClr val="lt1"/>
@@ -440,12 +440,12 @@
   </dgm:styleLbl>
   <dgm:styleLbl name="parChTrans2D1">
     <dgm:fillClrLst meth="repeat">
-      <a:schemeClr val="accent2">
+      <a:schemeClr val="accent1">
         <a:tint val="60000"/>
       </a:schemeClr>
     </dgm:fillClrLst>
     <dgm:linClrLst meth="repeat">
-      <a:schemeClr val="accent2">
+      <a:schemeClr val="accent1">
         <a:tint val="60000"/>
       </a:schemeClr>
     </dgm:linClrLst>
@@ -458,10 +458,10 @@
   </dgm:styleLbl>
   <dgm:styleLbl name="parChTrans2D2">
     <dgm:fillClrLst meth="repeat">
-      <a:schemeClr val="accent2"/>
+      <a:schemeClr val="accent1"/>
     </dgm:fillClrLst>
     <dgm:linClrLst meth="repeat">
-      <a:schemeClr val="accent2"/>
+      <a:schemeClr val="accent1"/>
     </dgm:linClrLst>
     <dgm:effectClrLst/>
     <dgm:txLinClrLst/>
@@ -472,10 +472,10 @@
   </dgm:styleLbl>
   <dgm:styleLbl name="parChTrans2D3">
     <dgm:fillClrLst meth="repeat">
-      <a:schemeClr val="accent2"/>
+      <a:schemeClr val="accent1"/>
     </dgm:fillClrLst>
     <dgm:linClrLst meth="repeat">
-      <a:schemeClr val="accent2"/>
+      <a:schemeClr val="accent1"/>
     </dgm:linClrLst>
     <dgm:effectClrLst/>
     <dgm:txLinClrLst/>
@@ -486,10 +486,10 @@
   </dgm:styleLbl>
   <dgm:styleLbl name="parChTrans2D4">
     <dgm:fillClrLst meth="repeat">
-      <a:schemeClr val="accent2"/>
+      <a:schemeClr val="accent1"/>
     </dgm:fillClrLst>
     <dgm:linClrLst meth="repeat">
-      <a:schemeClr val="accent2"/>
+      <a:schemeClr val="accent1"/>
     </dgm:linClrLst>
     <dgm:effectClrLst/>
     <dgm:txLinClrLst/>
@@ -500,10 +500,10 @@
   </dgm:styleLbl>
   <dgm:styleLbl name="parChTrans1D1">
     <dgm:fillClrLst meth="repeat">
-      <a:schemeClr val="accent2"/>
+      <a:schemeClr val="accent1"/>
     </dgm:fillClrLst>
     <dgm:linClrLst meth="repeat">
-      <a:schemeClr val="accent2">
+      <a:schemeClr val="accent1">
         <a:shade val="60000"/>
       </a:schemeClr>
     </dgm:linClrLst>
@@ -516,10 +516,10 @@
   </dgm:styleLbl>
   <dgm:styleLbl name="parChTrans1D2">
     <dgm:fillClrLst meth="repeat">
-      <a:schemeClr val="accent2"/>
+      <a:schemeClr val="accent1"/>
     </dgm:fillClrLst>
     <dgm:linClrLst meth="repeat">
-      <a:schemeClr val="accent2">
+      <a:schemeClr val="accent1">
         <a:shade val="60000"/>
       </a:schemeClr>
     </dgm:linClrLst>
@@ -532,10 +532,10 @@
   </dgm:styleLbl>
   <dgm:styleLbl name="parChTrans1D3">
     <dgm:fillClrLst meth="repeat">
-      <a:schemeClr val="accent2"/>
+      <a:schemeClr val="accent1"/>
     </dgm:fillClrLst>
     <dgm:linClrLst meth="repeat">
-      <a:schemeClr val="accent2">
+      <a:schemeClr val="accent1">
         <a:shade val="80000"/>
       </a:schemeClr>
     </dgm:linClrLst>
@@ -548,10 +548,10 @@
   </dgm:styleLbl>
   <dgm:styleLbl name="parChTrans1D4">
     <dgm:fillClrLst meth="repeat">
-      <a:schemeClr val="accent2"/>
+      <a:schemeClr val="accent1"/>
     </dgm:fillClrLst>
     <dgm:linClrLst meth="repeat">
-      <a:schemeClr val="accent2">
+      <a:schemeClr val="accent1">
         <a:shade val="80000"/>
       </a:schemeClr>
     </dgm:linClrLst>
@@ -569,7 +569,7 @@
       </a:schemeClr>
     </dgm:fillClrLst>
     <dgm:linClrLst meth="repeat">
-      <a:schemeClr val="accent2"/>
+      <a:schemeClr val="accent1"/>
     </dgm:linClrLst>
     <dgm:effectClrLst/>
     <dgm:txLinClrLst/>
@@ -585,7 +585,7 @@
       </a:schemeClr>
     </dgm:fillClrLst>
     <dgm:linClrLst meth="repeat">
-      <a:schemeClr val="accent2"/>
+      <a:schemeClr val="accent1"/>
     </dgm:linClrLst>
     <dgm:effectClrLst/>
     <dgm:txLinClrLst/>
@@ -601,7 +601,7 @@
       </a:schemeClr>
     </dgm:fillClrLst>
     <dgm:linClrLst meth="repeat">
-      <a:schemeClr val="accent2"/>
+      <a:schemeClr val="accent1"/>
     </dgm:linClrLst>
     <dgm:effectClrLst/>
     <dgm:txLinClrLst/>
@@ -617,7 +617,7 @@
       </a:schemeClr>
     </dgm:fillClrLst>
     <dgm:linClrLst meth="repeat">
-      <a:schemeClr val="accent2"/>
+      <a:schemeClr val="accent1"/>
     </dgm:linClrLst>
     <dgm:effectClrLst/>
     <dgm:txLinClrLst/>
@@ -633,7 +633,7 @@
       </a:schemeClr>
     </dgm:fillClrLst>
     <dgm:linClrLst meth="repeat">
-      <a:schemeClr val="accent2"/>
+      <a:schemeClr val="accent1"/>
     </dgm:linClrLst>
     <dgm:effectClrLst/>
     <dgm:txLinClrLst/>
@@ -647,7 +647,7 @@
       <a:schemeClr val="lt1"/>
     </dgm:fillClrLst>
     <dgm:linClrLst meth="repeat">
-      <a:schemeClr val="accent2"/>
+      <a:schemeClr val="accent1"/>
     </dgm:linClrLst>
     <dgm:effectClrLst/>
     <dgm:txLinClrLst/>
@@ -661,7 +661,7 @@
       <a:schemeClr val="lt1"/>
     </dgm:fillClrLst>
     <dgm:linClrLst meth="repeat">
-      <a:schemeClr val="accent2"/>
+      <a:schemeClr val="accent1"/>
     </dgm:linClrLst>
     <dgm:effectClrLst/>
     <dgm:txLinClrLst/>
@@ -675,7 +675,7 @@
       <a:schemeClr val="lt1"/>
     </dgm:fillClrLst>
     <dgm:linClrLst meth="repeat">
-      <a:schemeClr val="accent2"/>
+      <a:schemeClr val="accent1"/>
     </dgm:linClrLst>
     <dgm:effectClrLst/>
     <dgm:txLinClrLst/>
@@ -686,13 +686,13 @@
   </dgm:styleLbl>
   <dgm:styleLbl name="fgAccFollowNode1">
     <dgm:fillClrLst meth="repeat">
-      <a:schemeClr val="accent2">
+      <a:schemeClr val="accent1">
         <a:alpha val="90000"/>
         <a:tint val="40000"/>
       </a:schemeClr>
     </dgm:fillClrLst>
     <dgm:linClrLst meth="repeat">
-      <a:schemeClr val="accent2">
+      <a:schemeClr val="accent1">
         <a:alpha val="90000"/>
         <a:tint val="40000"/>
       </a:schemeClr>
@@ -706,13 +706,13 @@
   </dgm:styleLbl>
   <dgm:styleLbl name="alignAccFollowNode1">
     <dgm:fillClrLst meth="repeat">
-      <a:schemeClr val="accent2">
+      <a:schemeClr val="accent1">
         <a:alpha val="90000"/>
         <a:tint val="40000"/>
       </a:schemeClr>
     </dgm:fillClrLst>
     <dgm:linClrLst meth="repeat">
-      <a:schemeClr val="accent2">
+      <a:schemeClr val="accent1">
         <a:alpha val="90000"/>
         <a:tint val="40000"/>
       </a:schemeClr>
@@ -726,13 +726,13 @@
   </dgm:styleLbl>
   <dgm:styleLbl name="bgAccFollowNode1">
     <dgm:fillClrLst meth="repeat">
-      <a:schemeClr val="accent2">
+      <a:schemeClr val="accent1">
         <a:alpha val="90000"/>
         <a:tint val="40000"/>
       </a:schemeClr>
     </dgm:fillClrLst>
     <dgm:linClrLst meth="repeat">
-      <a:schemeClr val="accent2">
+      <a:schemeClr val="accent1">
         <a:alpha val="90000"/>
         <a:tint val="40000"/>
       </a:schemeClr>
@@ -751,7 +751,7 @@
       </a:schemeClr>
     </dgm:fillClrLst>
     <dgm:linClrLst meth="repeat">
-      <a:schemeClr val="accent2"/>
+      <a:schemeClr val="accent1"/>
     </dgm:linClrLst>
     <dgm:effectClrLst/>
     <dgm:txLinClrLst/>
@@ -767,7 +767,7 @@
       </a:schemeClr>
     </dgm:fillClrLst>
     <dgm:linClrLst meth="repeat">
-      <a:schemeClr val="accent2"/>
+      <a:schemeClr val="accent1"/>
     </dgm:linClrLst>
     <dgm:effectClrLst/>
     <dgm:txLinClrLst/>
@@ -783,7 +783,7 @@
       </a:schemeClr>
     </dgm:fillClrLst>
     <dgm:linClrLst meth="repeat">
-      <a:schemeClr val="accent2"/>
+      <a:schemeClr val="accent1"/>
     </dgm:linClrLst>
     <dgm:effectClrLst/>
     <dgm:txLinClrLst/>
@@ -799,7 +799,7 @@
       </a:schemeClr>
     </dgm:fillClrLst>
     <dgm:linClrLst meth="repeat">
-      <a:schemeClr val="accent2"/>
+      <a:schemeClr val="accent1"/>
     </dgm:linClrLst>
     <dgm:effectClrLst/>
     <dgm:txLinClrLst/>
@@ -810,12 +810,12 @@
   </dgm:styleLbl>
   <dgm:styleLbl name="bgShp">
     <dgm:fillClrLst meth="repeat">
-      <a:schemeClr val="accent2">
+      <a:schemeClr val="accent1">
         <a:tint val="40000"/>
       </a:schemeClr>
     </dgm:fillClrLst>
     <dgm:linClrLst meth="repeat">
-      <a:schemeClr val="accent2"/>
+      <a:schemeClr val="accent1"/>
     </dgm:linClrLst>
     <dgm:effectClrLst/>
     <dgm:txLinClrLst/>
@@ -826,12 +826,12 @@
   </dgm:styleLbl>
   <dgm:styleLbl name="dkBgShp">
     <dgm:fillClrLst meth="repeat">
-      <a:schemeClr val="accent2">
+      <a:schemeClr val="accent1">
         <a:shade val="80000"/>
       </a:schemeClr>
     </dgm:fillClrLst>
     <dgm:linClrLst meth="repeat">
-      <a:schemeClr val="accent2"/>
+      <a:schemeClr val="accent1"/>
     </dgm:linClrLst>
     <dgm:effectClrLst/>
     <dgm:txLinClrLst/>
@@ -842,13 +842,13 @@
   </dgm:styleLbl>
   <dgm:styleLbl name="trBgShp">
     <dgm:fillClrLst meth="repeat">
-      <a:schemeClr val="accent2">
+      <a:schemeClr val="accent1">
         <a:tint val="50000"/>
         <a:alpha val="40000"/>
       </a:schemeClr>
     </dgm:fillClrLst>
     <dgm:linClrLst meth="repeat">
-      <a:schemeClr val="accent2"/>
+      <a:schemeClr val="accent1"/>
     </dgm:linClrLst>
     <dgm:effectClrLst/>
     <dgm:txLinClrLst/>
@@ -859,7 +859,7 @@
   </dgm:styleLbl>
   <dgm:styleLbl name="fgShp">
     <dgm:fillClrLst meth="repeat">
-      <a:schemeClr val="accent2">
+      <a:schemeClr val="accent1">
         <a:tint val="60000"/>
       </a:schemeClr>
     </dgm:fillClrLst>
@@ -3882,1572 +3882,7 @@
 </dgm:colorsDef>
 </file>
 
-<file path=ppt/diagrams/colors6.xml><?xml version="1.0" encoding="utf-8"?>
-<dgm:colorsDef xmlns:dgm="http://schemas.openxmlformats.org/drawingml/2006/diagram" xmlns:a="http://schemas.openxmlformats.org/drawingml/2006/main" uniqueId="urn:microsoft.com/office/officeart/2005/8/colors/accent1_2">
-  <dgm:title val=""/>
-  <dgm:desc val=""/>
-  <dgm:catLst>
-    <dgm:cat type="accent1" pri="11200"/>
-  </dgm:catLst>
-  <dgm:styleLbl name="node0">
-    <dgm:fillClrLst meth="repeat">
-      <a:schemeClr val="accent1"/>
-    </dgm:fillClrLst>
-    <dgm:linClrLst meth="repeat">
-      <a:schemeClr val="lt1"/>
-    </dgm:linClrLst>
-    <dgm:effectClrLst/>
-    <dgm:txLinClrLst/>
-    <dgm:txFillClrLst/>
-    <dgm:txEffectClrLst/>
-  </dgm:styleLbl>
-  <dgm:styleLbl name="alignNode1">
-    <dgm:fillClrLst meth="repeat">
-      <a:schemeClr val="accent1"/>
-    </dgm:fillClrLst>
-    <dgm:linClrLst meth="repeat">
-      <a:schemeClr val="accent1"/>
-    </dgm:linClrLst>
-    <dgm:effectClrLst/>
-    <dgm:txLinClrLst/>
-    <dgm:txFillClrLst/>
-    <dgm:txEffectClrLst/>
-  </dgm:styleLbl>
-  <dgm:styleLbl name="node1">
-    <dgm:fillClrLst meth="repeat">
-      <a:schemeClr val="accent1"/>
-    </dgm:fillClrLst>
-    <dgm:linClrLst meth="repeat">
-      <a:schemeClr val="lt1"/>
-    </dgm:linClrLst>
-    <dgm:effectClrLst/>
-    <dgm:txLinClrLst/>
-    <dgm:txFillClrLst/>
-    <dgm:txEffectClrLst/>
-  </dgm:styleLbl>
-  <dgm:styleLbl name="lnNode1">
-    <dgm:fillClrLst meth="repeat">
-      <a:schemeClr val="accent1"/>
-    </dgm:fillClrLst>
-    <dgm:linClrLst meth="repeat">
-      <a:schemeClr val="lt1"/>
-    </dgm:linClrLst>
-    <dgm:effectClrLst/>
-    <dgm:txLinClrLst/>
-    <dgm:txFillClrLst/>
-    <dgm:txEffectClrLst/>
-  </dgm:styleLbl>
-  <dgm:styleLbl name="vennNode1">
-    <dgm:fillClrLst meth="repeat">
-      <a:schemeClr val="accent1">
-        <a:alpha val="50000"/>
-      </a:schemeClr>
-    </dgm:fillClrLst>
-    <dgm:linClrLst meth="repeat">
-      <a:schemeClr val="lt1"/>
-    </dgm:linClrLst>
-    <dgm:effectClrLst/>
-    <dgm:txLinClrLst/>
-    <dgm:txFillClrLst/>
-    <dgm:txEffectClrLst/>
-  </dgm:styleLbl>
-  <dgm:styleLbl name="node2">
-    <dgm:fillClrLst meth="repeat">
-      <a:schemeClr val="accent1"/>
-    </dgm:fillClrLst>
-    <dgm:linClrLst meth="repeat">
-      <a:schemeClr val="lt1"/>
-    </dgm:linClrLst>
-    <dgm:effectClrLst/>
-    <dgm:txLinClrLst/>
-    <dgm:txFillClrLst/>
-    <dgm:txEffectClrLst/>
-  </dgm:styleLbl>
-  <dgm:styleLbl name="node3">
-    <dgm:fillClrLst meth="repeat">
-      <a:schemeClr val="accent1"/>
-    </dgm:fillClrLst>
-    <dgm:linClrLst meth="repeat">
-      <a:schemeClr val="lt1"/>
-    </dgm:linClrLst>
-    <dgm:effectClrLst/>
-    <dgm:txLinClrLst/>
-    <dgm:txFillClrLst/>
-    <dgm:txEffectClrLst/>
-  </dgm:styleLbl>
-  <dgm:styleLbl name="node4">
-    <dgm:fillClrLst meth="repeat">
-      <a:schemeClr val="accent1"/>
-    </dgm:fillClrLst>
-    <dgm:linClrLst meth="repeat">
-      <a:schemeClr val="lt1"/>
-    </dgm:linClrLst>
-    <dgm:effectClrLst/>
-    <dgm:txLinClrLst/>
-    <dgm:txFillClrLst/>
-    <dgm:txEffectClrLst/>
-  </dgm:styleLbl>
-  <dgm:styleLbl name="fgImgPlace1">
-    <dgm:fillClrLst meth="repeat">
-      <a:schemeClr val="accent1">
-        <a:tint val="50000"/>
-      </a:schemeClr>
-    </dgm:fillClrLst>
-    <dgm:linClrLst meth="repeat">
-      <a:schemeClr val="lt1"/>
-    </dgm:linClrLst>
-    <dgm:effectClrLst/>
-    <dgm:txLinClrLst/>
-    <dgm:txFillClrLst meth="repeat">
-      <a:schemeClr val="lt1"/>
-    </dgm:txFillClrLst>
-    <dgm:txEffectClrLst/>
-  </dgm:styleLbl>
-  <dgm:styleLbl name="alignImgPlace1">
-    <dgm:fillClrLst meth="repeat">
-      <a:schemeClr val="accent1">
-        <a:tint val="50000"/>
-      </a:schemeClr>
-    </dgm:fillClrLst>
-    <dgm:linClrLst meth="repeat">
-      <a:schemeClr val="lt1"/>
-    </dgm:linClrLst>
-    <dgm:effectClrLst/>
-    <dgm:txLinClrLst/>
-    <dgm:txFillClrLst meth="repeat">
-      <a:schemeClr val="lt1"/>
-    </dgm:txFillClrLst>
-    <dgm:txEffectClrLst/>
-  </dgm:styleLbl>
-  <dgm:styleLbl name="bgImgPlace1">
-    <dgm:fillClrLst meth="repeat">
-      <a:schemeClr val="accent1">
-        <a:tint val="50000"/>
-      </a:schemeClr>
-    </dgm:fillClrLst>
-    <dgm:linClrLst meth="repeat">
-      <a:schemeClr val="lt1"/>
-    </dgm:linClrLst>
-    <dgm:effectClrLst/>
-    <dgm:txLinClrLst/>
-    <dgm:txFillClrLst meth="repeat">
-      <a:schemeClr val="lt1"/>
-    </dgm:txFillClrLst>
-    <dgm:txEffectClrLst/>
-  </dgm:styleLbl>
-  <dgm:styleLbl name="sibTrans2D1">
-    <dgm:fillClrLst meth="repeat">
-      <a:schemeClr val="accent1">
-        <a:tint val="60000"/>
-      </a:schemeClr>
-    </dgm:fillClrLst>
-    <dgm:linClrLst meth="repeat">
-      <a:schemeClr val="accent1">
-        <a:tint val="60000"/>
-      </a:schemeClr>
-    </dgm:linClrLst>
-    <dgm:effectClrLst/>
-    <dgm:txLinClrLst/>
-    <dgm:txFillClrLst/>
-    <dgm:txEffectClrLst/>
-  </dgm:styleLbl>
-  <dgm:styleLbl name="fgSibTrans2D1">
-    <dgm:fillClrLst meth="repeat">
-      <a:schemeClr val="accent1">
-        <a:tint val="60000"/>
-      </a:schemeClr>
-    </dgm:fillClrLst>
-    <dgm:linClrLst meth="repeat">
-      <a:schemeClr val="accent1">
-        <a:tint val="60000"/>
-      </a:schemeClr>
-    </dgm:linClrLst>
-    <dgm:effectClrLst/>
-    <dgm:txLinClrLst/>
-    <dgm:txFillClrLst/>
-    <dgm:txEffectClrLst/>
-  </dgm:styleLbl>
-  <dgm:styleLbl name="bgSibTrans2D1">
-    <dgm:fillClrLst meth="repeat">
-      <a:schemeClr val="accent1">
-        <a:tint val="60000"/>
-      </a:schemeClr>
-    </dgm:fillClrLst>
-    <dgm:linClrLst meth="repeat">
-      <a:schemeClr val="accent1">
-        <a:tint val="60000"/>
-      </a:schemeClr>
-    </dgm:linClrLst>
-    <dgm:effectClrLst/>
-    <dgm:txLinClrLst/>
-    <dgm:txFillClrLst/>
-    <dgm:txEffectClrLst/>
-  </dgm:styleLbl>
-  <dgm:styleLbl name="sibTrans1D1">
-    <dgm:fillClrLst meth="repeat">
-      <a:schemeClr val="accent1"/>
-    </dgm:fillClrLst>
-    <dgm:linClrLst meth="repeat">
-      <a:schemeClr val="accent1"/>
-    </dgm:linClrLst>
-    <dgm:effectClrLst/>
-    <dgm:txLinClrLst/>
-    <dgm:txFillClrLst meth="repeat">
-      <a:schemeClr val="tx1"/>
-    </dgm:txFillClrLst>
-    <dgm:txEffectClrLst/>
-  </dgm:styleLbl>
-  <dgm:styleLbl name="callout">
-    <dgm:fillClrLst meth="repeat">
-      <a:schemeClr val="accent1"/>
-    </dgm:fillClrLst>
-    <dgm:linClrLst meth="repeat">
-      <a:schemeClr val="accent1">
-        <a:tint val="50000"/>
-      </a:schemeClr>
-    </dgm:linClrLst>
-    <dgm:effectClrLst/>
-    <dgm:txLinClrLst/>
-    <dgm:txFillClrLst meth="repeat">
-      <a:schemeClr val="tx1"/>
-    </dgm:txFillClrLst>
-    <dgm:txEffectClrLst/>
-  </dgm:styleLbl>
-  <dgm:styleLbl name="asst0">
-    <dgm:fillClrLst meth="repeat">
-      <a:schemeClr val="accent1"/>
-    </dgm:fillClrLst>
-    <dgm:linClrLst meth="repeat">
-      <a:schemeClr val="lt1"/>
-    </dgm:linClrLst>
-    <dgm:effectClrLst/>
-    <dgm:txLinClrLst/>
-    <dgm:txFillClrLst/>
-    <dgm:txEffectClrLst/>
-  </dgm:styleLbl>
-  <dgm:styleLbl name="asst1">
-    <dgm:fillClrLst meth="repeat">
-      <a:schemeClr val="accent1"/>
-    </dgm:fillClrLst>
-    <dgm:linClrLst meth="repeat">
-      <a:schemeClr val="lt1"/>
-    </dgm:linClrLst>
-    <dgm:effectClrLst/>
-    <dgm:txLinClrLst/>
-    <dgm:txFillClrLst/>
-    <dgm:txEffectClrLst/>
-  </dgm:styleLbl>
-  <dgm:styleLbl name="asst2">
-    <dgm:fillClrLst meth="repeat">
-      <a:schemeClr val="accent1"/>
-    </dgm:fillClrLst>
-    <dgm:linClrLst meth="repeat">
-      <a:schemeClr val="lt1"/>
-    </dgm:linClrLst>
-    <dgm:effectClrLst/>
-    <dgm:txLinClrLst/>
-    <dgm:txFillClrLst/>
-    <dgm:txEffectClrLst/>
-  </dgm:styleLbl>
-  <dgm:styleLbl name="asst3">
-    <dgm:fillClrLst meth="repeat">
-      <a:schemeClr val="accent1"/>
-    </dgm:fillClrLst>
-    <dgm:linClrLst meth="repeat">
-      <a:schemeClr val="lt1"/>
-    </dgm:linClrLst>
-    <dgm:effectClrLst/>
-    <dgm:txLinClrLst/>
-    <dgm:txFillClrLst/>
-    <dgm:txEffectClrLst/>
-  </dgm:styleLbl>
-  <dgm:styleLbl name="asst4">
-    <dgm:fillClrLst meth="repeat">
-      <a:schemeClr val="accent1"/>
-    </dgm:fillClrLst>
-    <dgm:linClrLst meth="repeat">
-      <a:schemeClr val="lt1"/>
-    </dgm:linClrLst>
-    <dgm:effectClrLst/>
-    <dgm:txLinClrLst/>
-    <dgm:txFillClrLst/>
-    <dgm:txEffectClrLst/>
-  </dgm:styleLbl>
-  <dgm:styleLbl name="parChTrans2D1">
-    <dgm:fillClrLst meth="repeat">
-      <a:schemeClr val="accent1">
-        <a:tint val="60000"/>
-      </a:schemeClr>
-    </dgm:fillClrLst>
-    <dgm:linClrLst meth="repeat">
-      <a:schemeClr val="accent1">
-        <a:tint val="60000"/>
-      </a:schemeClr>
-    </dgm:linClrLst>
-    <dgm:effectClrLst/>
-    <dgm:txLinClrLst/>
-    <dgm:txFillClrLst meth="repeat">
-      <a:schemeClr val="lt1"/>
-    </dgm:txFillClrLst>
-    <dgm:txEffectClrLst/>
-  </dgm:styleLbl>
-  <dgm:styleLbl name="parChTrans2D2">
-    <dgm:fillClrLst meth="repeat">
-      <a:schemeClr val="accent1"/>
-    </dgm:fillClrLst>
-    <dgm:linClrLst meth="repeat">
-      <a:schemeClr val="accent1"/>
-    </dgm:linClrLst>
-    <dgm:effectClrLst/>
-    <dgm:txLinClrLst/>
-    <dgm:txFillClrLst meth="repeat">
-      <a:schemeClr val="lt1"/>
-    </dgm:txFillClrLst>
-    <dgm:txEffectClrLst/>
-  </dgm:styleLbl>
-  <dgm:styleLbl name="parChTrans2D3">
-    <dgm:fillClrLst meth="repeat">
-      <a:schemeClr val="accent1"/>
-    </dgm:fillClrLst>
-    <dgm:linClrLst meth="repeat">
-      <a:schemeClr val="accent1"/>
-    </dgm:linClrLst>
-    <dgm:effectClrLst/>
-    <dgm:txLinClrLst/>
-    <dgm:txFillClrLst meth="repeat">
-      <a:schemeClr val="lt1"/>
-    </dgm:txFillClrLst>
-    <dgm:txEffectClrLst/>
-  </dgm:styleLbl>
-  <dgm:styleLbl name="parChTrans2D4">
-    <dgm:fillClrLst meth="repeat">
-      <a:schemeClr val="accent1"/>
-    </dgm:fillClrLst>
-    <dgm:linClrLst meth="repeat">
-      <a:schemeClr val="accent1"/>
-    </dgm:linClrLst>
-    <dgm:effectClrLst/>
-    <dgm:txLinClrLst/>
-    <dgm:txFillClrLst meth="repeat">
-      <a:schemeClr val="lt1"/>
-    </dgm:txFillClrLst>
-    <dgm:txEffectClrLst/>
-  </dgm:styleLbl>
-  <dgm:styleLbl name="parChTrans1D1">
-    <dgm:fillClrLst meth="repeat">
-      <a:schemeClr val="accent1"/>
-    </dgm:fillClrLst>
-    <dgm:linClrLst meth="repeat">
-      <a:schemeClr val="accent1">
-        <a:shade val="60000"/>
-      </a:schemeClr>
-    </dgm:linClrLst>
-    <dgm:effectClrLst/>
-    <dgm:txLinClrLst/>
-    <dgm:txFillClrLst meth="repeat">
-      <a:schemeClr val="tx1"/>
-    </dgm:txFillClrLst>
-    <dgm:txEffectClrLst/>
-  </dgm:styleLbl>
-  <dgm:styleLbl name="parChTrans1D2">
-    <dgm:fillClrLst meth="repeat">
-      <a:schemeClr val="accent1"/>
-    </dgm:fillClrLst>
-    <dgm:linClrLst meth="repeat">
-      <a:schemeClr val="accent1">
-        <a:shade val="60000"/>
-      </a:schemeClr>
-    </dgm:linClrLst>
-    <dgm:effectClrLst/>
-    <dgm:txLinClrLst/>
-    <dgm:txFillClrLst meth="repeat">
-      <a:schemeClr val="tx1"/>
-    </dgm:txFillClrLst>
-    <dgm:txEffectClrLst/>
-  </dgm:styleLbl>
-  <dgm:styleLbl name="parChTrans1D3">
-    <dgm:fillClrLst meth="repeat">
-      <a:schemeClr val="accent1"/>
-    </dgm:fillClrLst>
-    <dgm:linClrLst meth="repeat">
-      <a:schemeClr val="accent1">
-        <a:shade val="80000"/>
-      </a:schemeClr>
-    </dgm:linClrLst>
-    <dgm:effectClrLst/>
-    <dgm:txLinClrLst/>
-    <dgm:txFillClrLst meth="repeat">
-      <a:schemeClr val="tx1"/>
-    </dgm:txFillClrLst>
-    <dgm:txEffectClrLst/>
-  </dgm:styleLbl>
-  <dgm:styleLbl name="parChTrans1D4">
-    <dgm:fillClrLst meth="repeat">
-      <a:schemeClr val="accent1"/>
-    </dgm:fillClrLst>
-    <dgm:linClrLst meth="repeat">
-      <a:schemeClr val="accent1">
-        <a:shade val="80000"/>
-      </a:schemeClr>
-    </dgm:linClrLst>
-    <dgm:effectClrLst/>
-    <dgm:txLinClrLst/>
-    <dgm:txFillClrLst meth="repeat">
-      <a:schemeClr val="tx1"/>
-    </dgm:txFillClrLst>
-    <dgm:txEffectClrLst/>
-  </dgm:styleLbl>
-  <dgm:styleLbl name="fgAcc1">
-    <dgm:fillClrLst meth="repeat">
-      <a:schemeClr val="lt1">
-        <a:alpha val="90000"/>
-      </a:schemeClr>
-    </dgm:fillClrLst>
-    <dgm:linClrLst meth="repeat">
-      <a:schemeClr val="accent1"/>
-    </dgm:linClrLst>
-    <dgm:effectClrLst/>
-    <dgm:txLinClrLst/>
-    <dgm:txFillClrLst meth="repeat">
-      <a:schemeClr val="dk1"/>
-    </dgm:txFillClrLst>
-    <dgm:txEffectClrLst/>
-  </dgm:styleLbl>
-  <dgm:styleLbl name="conFgAcc1">
-    <dgm:fillClrLst meth="repeat">
-      <a:schemeClr val="lt1">
-        <a:alpha val="90000"/>
-      </a:schemeClr>
-    </dgm:fillClrLst>
-    <dgm:linClrLst meth="repeat">
-      <a:schemeClr val="accent1"/>
-    </dgm:linClrLst>
-    <dgm:effectClrLst/>
-    <dgm:txLinClrLst/>
-    <dgm:txFillClrLst meth="repeat">
-      <a:schemeClr val="dk1"/>
-    </dgm:txFillClrLst>
-    <dgm:txEffectClrLst/>
-  </dgm:styleLbl>
-  <dgm:styleLbl name="alignAcc1">
-    <dgm:fillClrLst meth="repeat">
-      <a:schemeClr val="lt1">
-        <a:alpha val="90000"/>
-      </a:schemeClr>
-    </dgm:fillClrLst>
-    <dgm:linClrLst meth="repeat">
-      <a:schemeClr val="accent1"/>
-    </dgm:linClrLst>
-    <dgm:effectClrLst/>
-    <dgm:txLinClrLst/>
-    <dgm:txFillClrLst meth="repeat">
-      <a:schemeClr val="dk1"/>
-    </dgm:txFillClrLst>
-    <dgm:txEffectClrLst/>
-  </dgm:styleLbl>
-  <dgm:styleLbl name="trAlignAcc1">
-    <dgm:fillClrLst meth="repeat">
-      <a:schemeClr val="lt1">
-        <a:alpha val="40000"/>
-      </a:schemeClr>
-    </dgm:fillClrLst>
-    <dgm:linClrLst meth="repeat">
-      <a:schemeClr val="accent1"/>
-    </dgm:linClrLst>
-    <dgm:effectClrLst/>
-    <dgm:txLinClrLst/>
-    <dgm:txFillClrLst meth="repeat">
-      <a:schemeClr val="dk1"/>
-    </dgm:txFillClrLst>
-    <dgm:txEffectClrLst/>
-  </dgm:styleLbl>
-  <dgm:styleLbl name="bgAcc1">
-    <dgm:fillClrLst meth="repeat">
-      <a:schemeClr val="lt1">
-        <a:alpha val="90000"/>
-      </a:schemeClr>
-    </dgm:fillClrLst>
-    <dgm:linClrLst meth="repeat">
-      <a:schemeClr val="accent1"/>
-    </dgm:linClrLst>
-    <dgm:effectClrLst/>
-    <dgm:txLinClrLst/>
-    <dgm:txFillClrLst meth="repeat">
-      <a:schemeClr val="dk1"/>
-    </dgm:txFillClrLst>
-    <dgm:txEffectClrLst/>
-  </dgm:styleLbl>
-  <dgm:styleLbl name="solidFgAcc1">
-    <dgm:fillClrLst meth="repeat">
-      <a:schemeClr val="lt1"/>
-    </dgm:fillClrLst>
-    <dgm:linClrLst meth="repeat">
-      <a:schemeClr val="accent1"/>
-    </dgm:linClrLst>
-    <dgm:effectClrLst/>
-    <dgm:txLinClrLst/>
-    <dgm:txFillClrLst meth="repeat">
-      <a:schemeClr val="dk1"/>
-    </dgm:txFillClrLst>
-    <dgm:txEffectClrLst/>
-  </dgm:styleLbl>
-  <dgm:styleLbl name="solidAlignAcc1">
-    <dgm:fillClrLst meth="repeat">
-      <a:schemeClr val="lt1"/>
-    </dgm:fillClrLst>
-    <dgm:linClrLst meth="repeat">
-      <a:schemeClr val="accent1"/>
-    </dgm:linClrLst>
-    <dgm:effectClrLst/>
-    <dgm:txLinClrLst/>
-    <dgm:txFillClrLst meth="repeat">
-      <a:schemeClr val="dk1"/>
-    </dgm:txFillClrLst>
-    <dgm:txEffectClrLst/>
-  </dgm:styleLbl>
-  <dgm:styleLbl name="solidBgAcc1">
-    <dgm:fillClrLst meth="repeat">
-      <a:schemeClr val="lt1"/>
-    </dgm:fillClrLst>
-    <dgm:linClrLst meth="repeat">
-      <a:schemeClr val="accent1"/>
-    </dgm:linClrLst>
-    <dgm:effectClrLst/>
-    <dgm:txLinClrLst/>
-    <dgm:txFillClrLst meth="repeat">
-      <a:schemeClr val="dk1"/>
-    </dgm:txFillClrLst>
-    <dgm:txEffectClrLst/>
-  </dgm:styleLbl>
-  <dgm:styleLbl name="fgAccFollowNode1">
-    <dgm:fillClrLst meth="repeat">
-      <a:schemeClr val="accent1">
-        <a:alpha val="90000"/>
-        <a:tint val="40000"/>
-      </a:schemeClr>
-    </dgm:fillClrLst>
-    <dgm:linClrLst meth="repeat">
-      <a:schemeClr val="accent1">
-        <a:alpha val="90000"/>
-        <a:tint val="40000"/>
-      </a:schemeClr>
-    </dgm:linClrLst>
-    <dgm:effectClrLst/>
-    <dgm:txLinClrLst/>
-    <dgm:txFillClrLst meth="repeat">
-      <a:schemeClr val="dk1"/>
-    </dgm:txFillClrLst>
-    <dgm:txEffectClrLst/>
-  </dgm:styleLbl>
-  <dgm:styleLbl name="alignAccFollowNode1">
-    <dgm:fillClrLst meth="repeat">
-      <a:schemeClr val="accent1">
-        <a:alpha val="90000"/>
-        <a:tint val="40000"/>
-      </a:schemeClr>
-    </dgm:fillClrLst>
-    <dgm:linClrLst meth="repeat">
-      <a:schemeClr val="accent1">
-        <a:alpha val="90000"/>
-        <a:tint val="40000"/>
-      </a:schemeClr>
-    </dgm:linClrLst>
-    <dgm:effectClrLst/>
-    <dgm:txLinClrLst/>
-    <dgm:txFillClrLst meth="repeat">
-      <a:schemeClr val="dk1"/>
-    </dgm:txFillClrLst>
-    <dgm:txEffectClrLst/>
-  </dgm:styleLbl>
-  <dgm:styleLbl name="bgAccFollowNode1">
-    <dgm:fillClrLst meth="repeat">
-      <a:schemeClr val="accent1">
-        <a:alpha val="90000"/>
-        <a:tint val="40000"/>
-      </a:schemeClr>
-    </dgm:fillClrLst>
-    <dgm:linClrLst meth="repeat">
-      <a:schemeClr val="accent1">
-        <a:alpha val="90000"/>
-        <a:tint val="40000"/>
-      </a:schemeClr>
-    </dgm:linClrLst>
-    <dgm:effectClrLst/>
-    <dgm:txLinClrLst/>
-    <dgm:txFillClrLst meth="repeat">
-      <a:schemeClr val="dk1"/>
-    </dgm:txFillClrLst>
-    <dgm:txEffectClrLst/>
-  </dgm:styleLbl>
-  <dgm:styleLbl name="fgAcc0">
-    <dgm:fillClrLst meth="repeat">
-      <a:schemeClr val="lt1">
-        <a:alpha val="90000"/>
-      </a:schemeClr>
-    </dgm:fillClrLst>
-    <dgm:linClrLst meth="repeat">
-      <a:schemeClr val="accent1"/>
-    </dgm:linClrLst>
-    <dgm:effectClrLst/>
-    <dgm:txLinClrLst/>
-    <dgm:txFillClrLst meth="repeat">
-      <a:schemeClr val="dk1"/>
-    </dgm:txFillClrLst>
-    <dgm:txEffectClrLst/>
-  </dgm:styleLbl>
-  <dgm:styleLbl name="fgAcc2">
-    <dgm:fillClrLst meth="repeat">
-      <a:schemeClr val="lt1">
-        <a:alpha val="90000"/>
-      </a:schemeClr>
-    </dgm:fillClrLst>
-    <dgm:linClrLst meth="repeat">
-      <a:schemeClr val="accent1"/>
-    </dgm:linClrLst>
-    <dgm:effectClrLst/>
-    <dgm:txLinClrLst/>
-    <dgm:txFillClrLst meth="repeat">
-      <a:schemeClr val="dk1"/>
-    </dgm:txFillClrLst>
-    <dgm:txEffectClrLst/>
-  </dgm:styleLbl>
-  <dgm:styleLbl name="fgAcc3">
-    <dgm:fillClrLst meth="repeat">
-      <a:schemeClr val="lt1">
-        <a:alpha val="90000"/>
-      </a:schemeClr>
-    </dgm:fillClrLst>
-    <dgm:linClrLst meth="repeat">
-      <a:schemeClr val="accent1"/>
-    </dgm:linClrLst>
-    <dgm:effectClrLst/>
-    <dgm:txLinClrLst/>
-    <dgm:txFillClrLst meth="repeat">
-      <a:schemeClr val="dk1"/>
-    </dgm:txFillClrLst>
-    <dgm:txEffectClrLst/>
-  </dgm:styleLbl>
-  <dgm:styleLbl name="fgAcc4">
-    <dgm:fillClrLst meth="repeat">
-      <a:schemeClr val="lt1">
-        <a:alpha val="90000"/>
-      </a:schemeClr>
-    </dgm:fillClrLst>
-    <dgm:linClrLst meth="repeat">
-      <a:schemeClr val="accent1"/>
-    </dgm:linClrLst>
-    <dgm:effectClrLst/>
-    <dgm:txLinClrLst/>
-    <dgm:txFillClrLst meth="repeat">
-      <a:schemeClr val="dk1"/>
-    </dgm:txFillClrLst>
-    <dgm:txEffectClrLst/>
-  </dgm:styleLbl>
-  <dgm:styleLbl name="bgShp">
-    <dgm:fillClrLst meth="repeat">
-      <a:schemeClr val="accent1">
-        <a:tint val="40000"/>
-      </a:schemeClr>
-    </dgm:fillClrLst>
-    <dgm:linClrLst meth="repeat">
-      <a:schemeClr val="accent1"/>
-    </dgm:linClrLst>
-    <dgm:effectClrLst/>
-    <dgm:txLinClrLst/>
-    <dgm:txFillClrLst meth="repeat">
-      <a:schemeClr val="dk1"/>
-    </dgm:txFillClrLst>
-    <dgm:txEffectClrLst/>
-  </dgm:styleLbl>
-  <dgm:styleLbl name="dkBgShp">
-    <dgm:fillClrLst meth="repeat">
-      <a:schemeClr val="accent1">
-        <a:shade val="80000"/>
-      </a:schemeClr>
-    </dgm:fillClrLst>
-    <dgm:linClrLst meth="repeat">
-      <a:schemeClr val="accent1"/>
-    </dgm:linClrLst>
-    <dgm:effectClrLst/>
-    <dgm:txLinClrLst/>
-    <dgm:txFillClrLst meth="repeat">
-      <a:schemeClr val="lt1"/>
-    </dgm:txFillClrLst>
-    <dgm:txEffectClrLst/>
-  </dgm:styleLbl>
-  <dgm:styleLbl name="trBgShp">
-    <dgm:fillClrLst meth="repeat">
-      <a:schemeClr val="accent1">
-        <a:tint val="50000"/>
-        <a:alpha val="40000"/>
-      </a:schemeClr>
-    </dgm:fillClrLst>
-    <dgm:linClrLst meth="repeat">
-      <a:schemeClr val="accent1"/>
-    </dgm:linClrLst>
-    <dgm:effectClrLst/>
-    <dgm:txLinClrLst/>
-    <dgm:txFillClrLst meth="repeat">
-      <a:schemeClr val="lt1"/>
-    </dgm:txFillClrLst>
-    <dgm:txEffectClrLst/>
-  </dgm:styleLbl>
-  <dgm:styleLbl name="fgShp">
-    <dgm:fillClrLst meth="repeat">
-      <a:schemeClr val="accent1">
-        <a:tint val="60000"/>
-      </a:schemeClr>
-    </dgm:fillClrLst>
-    <dgm:linClrLst meth="repeat">
-      <a:schemeClr val="lt1"/>
-    </dgm:linClrLst>
-    <dgm:effectClrLst/>
-    <dgm:txLinClrLst/>
-    <dgm:txFillClrLst meth="repeat">
-      <a:schemeClr val="dk1"/>
-    </dgm:txFillClrLst>
-    <dgm:txEffectClrLst/>
-  </dgm:styleLbl>
-  <dgm:styleLbl name="revTx">
-    <dgm:fillClrLst meth="repeat">
-      <a:schemeClr val="lt1">
-        <a:alpha val="0"/>
-      </a:schemeClr>
-    </dgm:fillClrLst>
-    <dgm:linClrLst meth="repeat">
-      <a:schemeClr val="dk1">
-        <a:alpha val="0"/>
-      </a:schemeClr>
-    </dgm:linClrLst>
-    <dgm:effectClrLst/>
-    <dgm:txLinClrLst/>
-    <dgm:txFillClrLst meth="repeat">
-      <a:schemeClr val="tx1"/>
-    </dgm:txFillClrLst>
-    <dgm:txEffectClrLst/>
-  </dgm:styleLbl>
-</dgm:colorsDef>
-</file>
-
 <file path=ppt/diagrams/data1.xml><?xml version="1.0" encoding="utf-8"?>
-<dgm:dataModel xmlns:dgm="http://schemas.openxmlformats.org/drawingml/2006/diagram" xmlns:a="http://schemas.openxmlformats.org/drawingml/2006/main">
-  <dgm:ptLst>
-    <dgm:pt modelId="{49186BC5-4227-468B-9D1D-B902B56306B8}" type="doc">
-      <dgm:prSet loTypeId="urn:diagrams.loki3.com/BracketList" loCatId="list" qsTypeId="urn:microsoft.com/office/officeart/2005/8/quickstyle/simple2" qsCatId="simple" csTypeId="urn:microsoft.com/office/officeart/2005/8/colors/accent2_2" csCatId="accent2" phldr="1"/>
-      <dgm:spPr/>
-      <dgm:t>
-        <a:bodyPr/>
-        <a:lstStyle/>
-        <a:p>
-          <a:endParaRPr lang="en-US"/>
-        </a:p>
-      </dgm:t>
-    </dgm:pt>
-    <dgm:pt modelId="{C599B8D9-B3CC-40FF-AB3B-8B85BAA4B69F}">
-      <dgm:prSet/>
-      <dgm:spPr/>
-      <dgm:t>
-        <a:bodyPr/>
-        <a:lstStyle/>
-        <a:p>
-          <a:r>
-            <a:rPr lang="en-US"/>
-            <a:t>Athletics</a:t>
-          </a:r>
-        </a:p>
-      </dgm:t>
-    </dgm:pt>
-    <dgm:pt modelId="{48C84256-CDD3-4DBC-B953-BF9550A55549}" type="parTrans" cxnId="{780144CE-F026-44D2-A808-C7445C83F49B}">
-      <dgm:prSet/>
-      <dgm:spPr/>
-      <dgm:t>
-        <a:bodyPr/>
-        <a:lstStyle/>
-        <a:p>
-          <a:endParaRPr lang="en-US"/>
-        </a:p>
-      </dgm:t>
-    </dgm:pt>
-    <dgm:pt modelId="{6EACFD5A-48DC-435A-AA71-3D343431DB5A}" type="sibTrans" cxnId="{780144CE-F026-44D2-A808-C7445C83F49B}">
-      <dgm:prSet/>
-      <dgm:spPr/>
-      <dgm:t>
-        <a:bodyPr/>
-        <a:lstStyle/>
-        <a:p>
-          <a:endParaRPr lang="en-US"/>
-        </a:p>
-      </dgm:t>
-    </dgm:pt>
-    <dgm:pt modelId="{6CB1286D-8EFD-4D21-977A-01E75077F731}">
-      <dgm:prSet/>
-      <dgm:spPr>
-        <a:solidFill>
-          <a:schemeClr val="accent2">
-            <a:hueOff val="0"/>
-            <a:satOff val="0"/>
-            <a:lumOff val="0"/>
-            <a:alpha val="75000"/>
-          </a:schemeClr>
-        </a:solidFill>
-      </dgm:spPr>
-      <dgm:t>
-        <a:bodyPr/>
-        <a:lstStyle/>
-        <a:p>
-          <a:r>
-            <a:rPr lang="en-US" dirty="0"/>
-            <a:t>Used to race motorcycles, but ran out of talent doing 80 with his knee down.</a:t>
-          </a:r>
-        </a:p>
-      </dgm:t>
-    </dgm:pt>
-    <dgm:pt modelId="{C8847812-873D-44C1-B0B9-EE96096BA82F}" type="parTrans" cxnId="{030B44F6-0B83-44C8-BC6E-C9961B653012}">
-      <dgm:prSet/>
-      <dgm:spPr/>
-      <dgm:t>
-        <a:bodyPr/>
-        <a:lstStyle/>
-        <a:p>
-          <a:endParaRPr lang="en-US"/>
-        </a:p>
-      </dgm:t>
-    </dgm:pt>
-    <dgm:pt modelId="{40ECB9AB-4FA7-4677-A753-75C29B2637A1}" type="sibTrans" cxnId="{030B44F6-0B83-44C8-BC6E-C9961B653012}">
-      <dgm:prSet/>
-      <dgm:spPr/>
-      <dgm:t>
-        <a:bodyPr/>
-        <a:lstStyle/>
-        <a:p>
-          <a:endParaRPr lang="en-US"/>
-        </a:p>
-      </dgm:t>
-    </dgm:pt>
-    <dgm:pt modelId="{272E7B19-155B-45A4-9191-F5A82EFD6C01}">
-      <dgm:prSet/>
-      <dgm:spPr>
-        <a:solidFill>
-          <a:schemeClr val="accent2">
-            <a:hueOff val="0"/>
-            <a:satOff val="0"/>
-            <a:lumOff val="0"/>
-            <a:alpha val="75000"/>
-          </a:schemeClr>
-        </a:solidFill>
-      </dgm:spPr>
-      <dgm:t>
-        <a:bodyPr/>
-        <a:lstStyle/>
-        <a:p>
-          <a:r>
-            <a:rPr lang="en-US" dirty="0"/>
-            <a:t>Can pilot bicycles down severe inclines with unflagging speed.</a:t>
-          </a:r>
-        </a:p>
-      </dgm:t>
-    </dgm:pt>
-    <dgm:pt modelId="{CF8B6905-EEB7-4EC7-B5BE-7EE42B30856F}" type="parTrans" cxnId="{7E94E2B1-7032-47CE-93EE-154504607B7C}">
-      <dgm:prSet/>
-      <dgm:spPr/>
-      <dgm:t>
-        <a:bodyPr/>
-        <a:lstStyle/>
-        <a:p>
-          <a:endParaRPr lang="en-US"/>
-        </a:p>
-      </dgm:t>
-    </dgm:pt>
-    <dgm:pt modelId="{A3252372-004F-46C7-980D-AABD4B2C35A1}" type="sibTrans" cxnId="{7E94E2B1-7032-47CE-93EE-154504607B7C}">
-      <dgm:prSet/>
-      <dgm:spPr/>
-      <dgm:t>
-        <a:bodyPr/>
-        <a:lstStyle/>
-        <a:p>
-          <a:endParaRPr lang="en-US"/>
-        </a:p>
-      </dgm:t>
-    </dgm:pt>
-    <dgm:pt modelId="{67FA5382-FD62-4E89-84BC-1F1978004548}">
-      <dgm:prSet/>
-      <dgm:spPr/>
-      <dgm:t>
-        <a:bodyPr/>
-        <a:lstStyle/>
-        <a:p>
-          <a:r>
-            <a:rPr lang="en-US"/>
-            <a:t>Humor</a:t>
-          </a:r>
-        </a:p>
-      </dgm:t>
-    </dgm:pt>
-    <dgm:pt modelId="{91E59B69-126A-4D47-81CC-B25F3B6271F6}" type="parTrans" cxnId="{C0D9D457-C3EF-4D3B-A3F5-702FA7F8B900}">
-      <dgm:prSet/>
-      <dgm:spPr/>
-      <dgm:t>
-        <a:bodyPr/>
-        <a:lstStyle/>
-        <a:p>
-          <a:endParaRPr lang="en-US"/>
-        </a:p>
-      </dgm:t>
-    </dgm:pt>
-    <dgm:pt modelId="{DF9AC383-3E8E-4DB8-871D-17B739DAF028}" type="sibTrans" cxnId="{C0D9D457-C3EF-4D3B-A3F5-702FA7F8B900}">
-      <dgm:prSet/>
-      <dgm:spPr/>
-      <dgm:t>
-        <a:bodyPr/>
-        <a:lstStyle/>
-        <a:p>
-          <a:endParaRPr lang="en-US"/>
-        </a:p>
-      </dgm:t>
-    </dgm:pt>
-    <dgm:pt modelId="{10B939B6-DF89-4731-9AA4-7B42B440AEFA}">
-      <dgm:prSet/>
-      <dgm:spPr>
-        <a:solidFill>
-          <a:schemeClr val="accent2">
-            <a:hueOff val="0"/>
-            <a:satOff val="0"/>
-            <a:lumOff val="0"/>
-            <a:alpha val="75000"/>
-          </a:schemeClr>
-        </a:solidFill>
-      </dgm:spPr>
-      <dgm:t>
-        <a:bodyPr/>
-        <a:lstStyle/>
-        <a:p>
-          <a:r>
-            <a:rPr lang="en-US"/>
-            <a:t>Tells bad (OK, Awful) jokes.</a:t>
-          </a:r>
-        </a:p>
-      </dgm:t>
-    </dgm:pt>
-    <dgm:pt modelId="{F5752921-5BA0-4329-9A5E-0B36C3493B43}" type="parTrans" cxnId="{F7711129-1D6F-4F42-B8B0-31542F14E3AF}">
-      <dgm:prSet/>
-      <dgm:spPr/>
-      <dgm:t>
-        <a:bodyPr/>
-        <a:lstStyle/>
-        <a:p>
-          <a:endParaRPr lang="en-US"/>
-        </a:p>
-      </dgm:t>
-    </dgm:pt>
-    <dgm:pt modelId="{108C883D-9B6F-43AE-843C-9CABF72F8042}" type="sibTrans" cxnId="{F7711129-1D6F-4F42-B8B0-31542F14E3AF}">
-      <dgm:prSet/>
-      <dgm:spPr/>
-      <dgm:t>
-        <a:bodyPr/>
-        <a:lstStyle/>
-        <a:p>
-          <a:endParaRPr lang="en-US"/>
-        </a:p>
-      </dgm:t>
-    </dgm:pt>
-    <dgm:pt modelId="{44BBBA82-B816-4E0D-946C-BEB162E5A886}">
-      <dgm:prSet/>
-      <dgm:spPr>
-        <a:solidFill>
-          <a:schemeClr val="accent2">
-            <a:hueOff val="0"/>
-            <a:satOff val="0"/>
-            <a:lumOff val="0"/>
-            <a:alpha val="75000"/>
-          </a:schemeClr>
-        </a:solidFill>
-      </dgm:spPr>
-      <dgm:t>
-        <a:bodyPr/>
-        <a:lstStyle/>
-        <a:p>
-          <a:r>
-            <a:rPr lang="en-US"/>
-            <a:t>Cribs classic college entrance letters from the internet.</a:t>
-          </a:r>
-        </a:p>
-      </dgm:t>
-    </dgm:pt>
-    <dgm:pt modelId="{1C888B9C-9923-4830-A017-862B6E389323}" type="parTrans" cxnId="{51EA7143-055D-4B5B-BE6D-4185D8D26DFE}">
-      <dgm:prSet/>
-      <dgm:spPr/>
-      <dgm:t>
-        <a:bodyPr/>
-        <a:lstStyle/>
-        <a:p>
-          <a:endParaRPr lang="en-US"/>
-        </a:p>
-      </dgm:t>
-    </dgm:pt>
-    <dgm:pt modelId="{8B2058AB-8C35-4905-B051-FBAE83136D60}" type="sibTrans" cxnId="{51EA7143-055D-4B5B-BE6D-4185D8D26DFE}">
-      <dgm:prSet/>
-      <dgm:spPr/>
-      <dgm:t>
-        <a:bodyPr/>
-        <a:lstStyle/>
-        <a:p>
-          <a:endParaRPr lang="en-US"/>
-        </a:p>
-      </dgm:t>
-    </dgm:pt>
-    <dgm:pt modelId="{78753B49-BCA6-499C-BA1C-B44702003021}">
-      <dgm:prSet/>
-      <dgm:spPr/>
-      <dgm:t>
-        <a:bodyPr/>
-        <a:lstStyle/>
-        <a:p>
-          <a:r>
-            <a:rPr lang="en-US"/>
-            <a:t>Culinary</a:t>
-          </a:r>
-        </a:p>
-      </dgm:t>
-    </dgm:pt>
-    <dgm:pt modelId="{6B76FF7A-F835-4956-AE48-1D2877080D3A}" type="parTrans" cxnId="{97D371C6-3C2A-47DA-91B1-4869628D251A}">
-      <dgm:prSet/>
-      <dgm:spPr/>
-      <dgm:t>
-        <a:bodyPr/>
-        <a:lstStyle/>
-        <a:p>
-          <a:endParaRPr lang="en-US"/>
-        </a:p>
-      </dgm:t>
-    </dgm:pt>
-    <dgm:pt modelId="{1C4A901E-3982-450C-BE80-1731DC6C3884}" type="sibTrans" cxnId="{97D371C6-3C2A-47DA-91B1-4869628D251A}">
-      <dgm:prSet/>
-      <dgm:spPr/>
-      <dgm:t>
-        <a:bodyPr/>
-        <a:lstStyle/>
-        <a:p>
-          <a:endParaRPr lang="en-US"/>
-        </a:p>
-      </dgm:t>
-    </dgm:pt>
-    <dgm:pt modelId="{73A778AB-C3C1-4DD5-8BCD-BC93B8E687FC}">
-      <dgm:prSet/>
-      <dgm:spPr>
-        <a:solidFill>
-          <a:schemeClr val="accent2">
-            <a:hueOff val="0"/>
-            <a:satOff val="0"/>
-            <a:lumOff val="0"/>
-            <a:alpha val="75000"/>
-          </a:schemeClr>
-        </a:solidFill>
-      </dgm:spPr>
-      <dgm:t>
-        <a:bodyPr/>
-        <a:lstStyle/>
-        <a:p>
-          <a:r>
-            <a:rPr lang="en-US" dirty="0"/>
-            <a:t>Cooks a great steak.  Really.</a:t>
-          </a:r>
-        </a:p>
-      </dgm:t>
-    </dgm:pt>
-    <dgm:pt modelId="{AA9FE19C-8694-4A20-845F-9A96F734FCD0}" type="parTrans" cxnId="{A68BDCDB-62BD-4802-A1EF-6D68E2703944}">
-      <dgm:prSet/>
-      <dgm:spPr/>
-      <dgm:t>
-        <a:bodyPr/>
-        <a:lstStyle/>
-        <a:p>
-          <a:endParaRPr lang="en-US"/>
-        </a:p>
-      </dgm:t>
-    </dgm:pt>
-    <dgm:pt modelId="{2D4C0AC2-58FC-4D85-A78C-BE94A36C3BB1}" type="sibTrans" cxnId="{A68BDCDB-62BD-4802-A1EF-6D68E2703944}">
-      <dgm:prSet/>
-      <dgm:spPr/>
-      <dgm:t>
-        <a:bodyPr/>
-        <a:lstStyle/>
-        <a:p>
-          <a:endParaRPr lang="en-US"/>
-        </a:p>
-      </dgm:t>
-    </dgm:pt>
-    <dgm:pt modelId="{1ECEB8BB-C873-4E23-BEC4-13559C423FB1}">
-      <dgm:prSet/>
-      <dgm:spPr/>
-      <dgm:t>
-        <a:bodyPr/>
-        <a:lstStyle/>
-        <a:p>
-          <a:r>
-            <a:rPr lang="en-US"/>
-            <a:t>Technology</a:t>
-          </a:r>
-        </a:p>
-      </dgm:t>
-    </dgm:pt>
-    <dgm:pt modelId="{6DD0AABB-8B05-485D-80B9-8A58394E3990}" type="parTrans" cxnId="{A0B751F5-FBAB-4E91-9638-A688C9D67425}">
-      <dgm:prSet/>
-      <dgm:spPr/>
-      <dgm:t>
-        <a:bodyPr/>
-        <a:lstStyle/>
-        <a:p>
-          <a:endParaRPr lang="en-US"/>
-        </a:p>
-      </dgm:t>
-    </dgm:pt>
-    <dgm:pt modelId="{81001624-818C-47E1-833D-FB1D90AB5276}" type="sibTrans" cxnId="{A0B751F5-FBAB-4E91-9638-A688C9D67425}">
-      <dgm:prSet/>
-      <dgm:spPr/>
-      <dgm:t>
-        <a:bodyPr/>
-        <a:lstStyle/>
-        <a:p>
-          <a:endParaRPr lang="en-US"/>
-        </a:p>
-      </dgm:t>
-    </dgm:pt>
-    <dgm:pt modelId="{7D3BF743-BC36-4D97-9AE7-44CEB90CBE42}">
-      <dgm:prSet/>
-      <dgm:spPr>
-        <a:solidFill>
-          <a:schemeClr val="accent2">
-            <a:hueOff val="0"/>
-            <a:satOff val="0"/>
-            <a:lumOff val="0"/>
-            <a:alpha val="75000"/>
-          </a:schemeClr>
-        </a:solidFill>
-      </dgm:spPr>
-      <dgm:t>
-        <a:bodyPr/>
-        <a:lstStyle/>
-        <a:p>
-          <a:r>
-            <a:rPr lang="en-US" sz="2200" dirty="0"/>
-            <a:t>Coding for a living 24 years.</a:t>
-          </a:r>
-        </a:p>
-      </dgm:t>
-    </dgm:pt>
-    <dgm:pt modelId="{16B9103F-A1A1-4840-AC91-32E7F79B11E1}" type="parTrans" cxnId="{DBC63966-DE6D-475A-906E-27E0D36E80C8}">
-      <dgm:prSet/>
-      <dgm:spPr/>
-      <dgm:t>
-        <a:bodyPr/>
-        <a:lstStyle/>
-        <a:p>
-          <a:endParaRPr lang="en-US"/>
-        </a:p>
-      </dgm:t>
-    </dgm:pt>
-    <dgm:pt modelId="{1FD92C30-E8A7-4362-BEC3-A39EFDB3A913}" type="sibTrans" cxnId="{DBC63966-DE6D-475A-906E-27E0D36E80C8}">
-      <dgm:prSet/>
-      <dgm:spPr/>
-      <dgm:t>
-        <a:bodyPr/>
-        <a:lstStyle/>
-        <a:p>
-          <a:endParaRPr lang="en-US"/>
-        </a:p>
-      </dgm:t>
-    </dgm:pt>
-    <dgm:pt modelId="{BACB9168-6B5E-4E74-B112-D31506C4AAB5}">
-      <dgm:prSet custT="1"/>
-      <dgm:spPr>
-        <a:solidFill>
-          <a:schemeClr val="accent2">
-            <a:hueOff val="0"/>
-            <a:satOff val="0"/>
-            <a:lumOff val="0"/>
-            <a:alpha val="75000"/>
-          </a:schemeClr>
-        </a:solidFill>
-      </dgm:spPr>
-      <dgm:t>
-        <a:bodyPr/>
-        <a:lstStyle/>
-        <a:p>
-          <a:r>
-            <a:rPr lang="en-US" sz="2200" dirty="0"/>
-            <a:t>Full stack developer.</a:t>
-          </a:r>
-          <a:br>
-            <a:rPr lang="en-US" sz="2200" dirty="0"/>
-          </a:br>
-          <a:r>
-            <a:rPr lang="en-US" sz="1600" dirty="0"/>
-            <a:t>(Unless when you said “front-end developer” you meant “designer.”)</a:t>
-          </a:r>
-        </a:p>
-      </dgm:t>
-    </dgm:pt>
-    <dgm:pt modelId="{20A2FD51-258E-4FA0-A257-84E09506953C}" type="parTrans" cxnId="{3DA932F5-6C04-479B-B479-525ED1AF2125}">
-      <dgm:prSet/>
-      <dgm:spPr/>
-      <dgm:t>
-        <a:bodyPr/>
-        <a:lstStyle/>
-        <a:p>
-          <a:endParaRPr lang="en-US"/>
-        </a:p>
-      </dgm:t>
-    </dgm:pt>
-    <dgm:pt modelId="{EEC94FE9-86D2-48B0-958D-ADEF12D1C04D}" type="sibTrans" cxnId="{3DA932F5-6C04-479B-B479-525ED1AF2125}">
-      <dgm:prSet/>
-      <dgm:spPr/>
-      <dgm:t>
-        <a:bodyPr/>
-        <a:lstStyle/>
-        <a:p>
-          <a:endParaRPr lang="en-US"/>
-        </a:p>
-      </dgm:t>
-    </dgm:pt>
-    <dgm:pt modelId="{C39FF5E2-2784-44CF-B1C8-7050382872B8}">
-      <dgm:prSet/>
-      <dgm:spPr>
-        <a:solidFill>
-          <a:schemeClr val="accent2">
-            <a:hueOff val="0"/>
-            <a:satOff val="0"/>
-            <a:lumOff val="0"/>
-            <a:alpha val="75000"/>
-          </a:schemeClr>
-        </a:solidFill>
-      </dgm:spPr>
-      <dgm:t>
-        <a:bodyPr/>
-        <a:lstStyle/>
-        <a:p>
-          <a:r>
-            <a:rPr lang="en-US" sz="2200" dirty="0"/>
-            <a:t>2pɹ4ʍʞɔ48 pu4 uʍ0p 3pı5pdn 7331 37ıɹʍ u4ʞ</a:t>
-          </a:r>
-        </a:p>
-      </dgm:t>
-    </dgm:pt>
-    <dgm:pt modelId="{EABFE471-3B7A-4114-86E7-4854F6082118}" type="parTrans" cxnId="{FDDEF722-9D96-44C3-AF4D-C37B528B01E1}">
-      <dgm:prSet/>
-      <dgm:spPr/>
-      <dgm:t>
-        <a:bodyPr/>
-        <a:lstStyle/>
-        <a:p>
-          <a:endParaRPr lang="en-US"/>
-        </a:p>
-      </dgm:t>
-    </dgm:pt>
-    <dgm:pt modelId="{ECF26E8B-98ED-41E1-8194-EAB914BB59A9}" type="sibTrans" cxnId="{FDDEF722-9D96-44C3-AF4D-C37B528B01E1}">
-      <dgm:prSet/>
-      <dgm:spPr/>
-      <dgm:t>
-        <a:bodyPr/>
-        <a:lstStyle/>
-        <a:p>
-          <a:endParaRPr lang="en-US"/>
-        </a:p>
-      </dgm:t>
-    </dgm:pt>
-    <dgm:pt modelId="{1EAE6A44-A9DB-4957-9103-A75CFA15CA83}">
-      <dgm:prSet/>
-      <dgm:spPr>
-        <a:solidFill>
-          <a:schemeClr val="accent2">
-            <a:hueOff val="0"/>
-            <a:satOff val="0"/>
-            <a:lumOff val="0"/>
-            <a:alpha val="75000"/>
-          </a:schemeClr>
-        </a:solidFill>
-      </dgm:spPr>
-      <dgm:t>
-        <a:bodyPr/>
-        <a:lstStyle/>
-        <a:p>
-          <a:r>
-            <a:rPr lang="en-US" dirty="0"/>
-            <a:t>Makes pretty decent BBQ too.</a:t>
-          </a:r>
-        </a:p>
-      </dgm:t>
-    </dgm:pt>
-    <dgm:pt modelId="{9287D705-F291-4DA5-BCCD-97B9F0B9FE4F}" type="sibTrans" cxnId="{9ECD1472-14D8-4CA0-85B6-2DDB7C41671E}">
-      <dgm:prSet/>
-      <dgm:spPr/>
-      <dgm:t>
-        <a:bodyPr/>
-        <a:lstStyle/>
-        <a:p>
-          <a:endParaRPr lang="en-US"/>
-        </a:p>
-      </dgm:t>
-    </dgm:pt>
-    <dgm:pt modelId="{68C3C11E-0E5A-4A30-AD43-7B2C9B0AB975}" type="parTrans" cxnId="{9ECD1472-14D8-4CA0-85B6-2DDB7C41671E}">
-      <dgm:prSet/>
-      <dgm:spPr/>
-      <dgm:t>
-        <a:bodyPr/>
-        <a:lstStyle/>
-        <a:p>
-          <a:endParaRPr lang="en-US"/>
-        </a:p>
-      </dgm:t>
-    </dgm:pt>
-    <dgm:pt modelId="{F5935004-3DFC-4626-8717-8526FC0A8CE4}">
-      <dgm:prSet/>
-      <dgm:spPr>
-        <a:solidFill>
-          <a:schemeClr val="accent2">
-            <a:hueOff val="0"/>
-            <a:satOff val="0"/>
-            <a:lumOff val="0"/>
-            <a:alpha val="75000"/>
-          </a:schemeClr>
-        </a:solidFill>
-      </dgm:spPr>
-      <dgm:t>
-        <a:bodyPr/>
-        <a:lstStyle/>
-        <a:p>
-          <a:r>
-            <a:rPr lang="en-US" dirty="0"/>
-            <a:t>Ruins pretty much everything else.</a:t>
-          </a:r>
-        </a:p>
-      </dgm:t>
-    </dgm:pt>
-    <dgm:pt modelId="{BDA2C3FA-271F-4C73-8702-F302795023BF}" type="sibTrans" cxnId="{310559BF-2C3B-4369-B42D-DBD75A12BB34}">
-      <dgm:prSet/>
-      <dgm:spPr/>
-      <dgm:t>
-        <a:bodyPr/>
-        <a:lstStyle/>
-        <a:p>
-          <a:endParaRPr lang="en-US"/>
-        </a:p>
-      </dgm:t>
-    </dgm:pt>
-    <dgm:pt modelId="{5339214D-9207-4E8B-96BF-8FBF8C16F560}" type="parTrans" cxnId="{310559BF-2C3B-4369-B42D-DBD75A12BB34}">
-      <dgm:prSet/>
-      <dgm:spPr/>
-      <dgm:t>
-        <a:bodyPr/>
-        <a:lstStyle/>
-        <a:p>
-          <a:endParaRPr lang="en-US"/>
-        </a:p>
-      </dgm:t>
-    </dgm:pt>
-    <dgm:pt modelId="{B811010D-0FCB-4C8E-B66C-1676D9A57006}" type="pres">
-      <dgm:prSet presAssocID="{49186BC5-4227-468B-9D1D-B902B56306B8}" presName="Name0" presStyleCnt="0">
-        <dgm:presLayoutVars>
-          <dgm:dir/>
-          <dgm:animLvl val="lvl"/>
-          <dgm:resizeHandles val="exact"/>
-        </dgm:presLayoutVars>
-      </dgm:prSet>
-      <dgm:spPr/>
-    </dgm:pt>
-    <dgm:pt modelId="{489B62BC-0FD7-47A4-814A-D29578D4567F}" type="pres">
-      <dgm:prSet presAssocID="{C599B8D9-B3CC-40FF-AB3B-8B85BAA4B69F}" presName="linNode" presStyleCnt="0"/>
-      <dgm:spPr/>
-    </dgm:pt>
-    <dgm:pt modelId="{76B56F55-8C04-4D08-81E8-63107D682113}" type="pres">
-      <dgm:prSet presAssocID="{C599B8D9-B3CC-40FF-AB3B-8B85BAA4B69F}" presName="parTx" presStyleLbl="revTx" presStyleIdx="0" presStyleCnt="4">
-        <dgm:presLayoutVars>
-          <dgm:chMax val="1"/>
-          <dgm:bulletEnabled val="1"/>
-        </dgm:presLayoutVars>
-      </dgm:prSet>
-      <dgm:spPr/>
-    </dgm:pt>
-    <dgm:pt modelId="{4F01B87F-93CD-42B8-9762-DEAEADEEE6F8}" type="pres">
-      <dgm:prSet presAssocID="{C599B8D9-B3CC-40FF-AB3B-8B85BAA4B69F}" presName="bracket" presStyleLbl="parChTrans1D1" presStyleIdx="0" presStyleCnt="4"/>
-      <dgm:spPr/>
-    </dgm:pt>
-    <dgm:pt modelId="{20187DF7-BB1A-4C6A-898C-9A0689ECEFB5}" type="pres">
-      <dgm:prSet presAssocID="{C599B8D9-B3CC-40FF-AB3B-8B85BAA4B69F}" presName="spH" presStyleCnt="0"/>
-      <dgm:spPr/>
-    </dgm:pt>
-    <dgm:pt modelId="{2F35C529-5140-40CF-A395-3B8B5224B639}" type="pres">
-      <dgm:prSet presAssocID="{C599B8D9-B3CC-40FF-AB3B-8B85BAA4B69F}" presName="desTx" presStyleLbl="node1" presStyleIdx="0" presStyleCnt="4">
-        <dgm:presLayoutVars>
-          <dgm:bulletEnabled val="1"/>
-        </dgm:presLayoutVars>
-      </dgm:prSet>
-      <dgm:spPr/>
-    </dgm:pt>
-    <dgm:pt modelId="{B1AC19A2-E074-4457-B630-F8FE8DCD7E47}" type="pres">
-      <dgm:prSet presAssocID="{6EACFD5A-48DC-435A-AA71-3D343431DB5A}" presName="spV" presStyleCnt="0"/>
-      <dgm:spPr/>
-    </dgm:pt>
-    <dgm:pt modelId="{9B6D206D-5486-4E9D-A70A-C0844541B4B2}" type="pres">
-      <dgm:prSet presAssocID="{67FA5382-FD62-4E89-84BC-1F1978004548}" presName="linNode" presStyleCnt="0"/>
-      <dgm:spPr/>
-    </dgm:pt>
-    <dgm:pt modelId="{AC5BD883-8F0D-4F29-A24C-03E20BC96F82}" type="pres">
-      <dgm:prSet presAssocID="{67FA5382-FD62-4E89-84BC-1F1978004548}" presName="parTx" presStyleLbl="revTx" presStyleIdx="1" presStyleCnt="4">
-        <dgm:presLayoutVars>
-          <dgm:chMax val="1"/>
-          <dgm:bulletEnabled val="1"/>
-        </dgm:presLayoutVars>
-      </dgm:prSet>
-      <dgm:spPr/>
-    </dgm:pt>
-    <dgm:pt modelId="{DA10DC1B-48F1-4A8C-AE1E-EC3F3FB4C757}" type="pres">
-      <dgm:prSet presAssocID="{67FA5382-FD62-4E89-84BC-1F1978004548}" presName="bracket" presStyleLbl="parChTrans1D1" presStyleIdx="1" presStyleCnt="4"/>
-      <dgm:spPr/>
-    </dgm:pt>
-    <dgm:pt modelId="{B2CC6EBF-184A-43E5-9A44-6510A9566A90}" type="pres">
-      <dgm:prSet presAssocID="{67FA5382-FD62-4E89-84BC-1F1978004548}" presName="spH" presStyleCnt="0"/>
-      <dgm:spPr/>
-    </dgm:pt>
-    <dgm:pt modelId="{DDAD4675-F251-48D8-9E41-36ED68B87474}" type="pres">
-      <dgm:prSet presAssocID="{67FA5382-FD62-4E89-84BC-1F1978004548}" presName="desTx" presStyleLbl="node1" presStyleIdx="1" presStyleCnt="4">
-        <dgm:presLayoutVars>
-          <dgm:bulletEnabled val="1"/>
-        </dgm:presLayoutVars>
-      </dgm:prSet>
-      <dgm:spPr/>
-    </dgm:pt>
-    <dgm:pt modelId="{4EB2AAFF-E8A4-488F-866B-681B2C54AFF8}" type="pres">
-      <dgm:prSet presAssocID="{DF9AC383-3E8E-4DB8-871D-17B739DAF028}" presName="spV" presStyleCnt="0"/>
-      <dgm:spPr/>
-    </dgm:pt>
-    <dgm:pt modelId="{1887AAA6-D572-4E35-8A7C-C23FE23FFEC7}" type="pres">
-      <dgm:prSet presAssocID="{78753B49-BCA6-499C-BA1C-B44702003021}" presName="linNode" presStyleCnt="0"/>
-      <dgm:spPr/>
-    </dgm:pt>
-    <dgm:pt modelId="{1E1D8AE8-8819-4142-81DF-423CF4A4B367}" type="pres">
-      <dgm:prSet presAssocID="{78753B49-BCA6-499C-BA1C-B44702003021}" presName="parTx" presStyleLbl="revTx" presStyleIdx="2" presStyleCnt="4">
-        <dgm:presLayoutVars>
-          <dgm:chMax val="1"/>
-          <dgm:bulletEnabled val="1"/>
-        </dgm:presLayoutVars>
-      </dgm:prSet>
-      <dgm:spPr/>
-    </dgm:pt>
-    <dgm:pt modelId="{B7CF5B90-6CB2-4FE5-9AC6-846FFE42C289}" type="pres">
-      <dgm:prSet presAssocID="{78753B49-BCA6-499C-BA1C-B44702003021}" presName="bracket" presStyleLbl="parChTrans1D1" presStyleIdx="2" presStyleCnt="4"/>
-      <dgm:spPr/>
-    </dgm:pt>
-    <dgm:pt modelId="{83678AB2-FDA1-45C5-8B38-50624D50B50C}" type="pres">
-      <dgm:prSet presAssocID="{78753B49-BCA6-499C-BA1C-B44702003021}" presName="spH" presStyleCnt="0"/>
-      <dgm:spPr/>
-    </dgm:pt>
-    <dgm:pt modelId="{DB66BE1B-1574-4D7D-AD32-0E4755DCE5B6}" type="pres">
-      <dgm:prSet presAssocID="{78753B49-BCA6-499C-BA1C-B44702003021}" presName="desTx" presStyleLbl="node1" presStyleIdx="2" presStyleCnt="4">
-        <dgm:presLayoutVars>
-          <dgm:bulletEnabled val="1"/>
-        </dgm:presLayoutVars>
-      </dgm:prSet>
-      <dgm:spPr/>
-    </dgm:pt>
-    <dgm:pt modelId="{AD29C5FC-90E8-4F4A-9964-18305D22557B}" type="pres">
-      <dgm:prSet presAssocID="{1C4A901E-3982-450C-BE80-1731DC6C3884}" presName="spV" presStyleCnt="0"/>
-      <dgm:spPr/>
-    </dgm:pt>
-    <dgm:pt modelId="{D2C600F3-4AE5-4DC4-9415-0D6F5748C02C}" type="pres">
-      <dgm:prSet presAssocID="{1ECEB8BB-C873-4E23-BEC4-13559C423FB1}" presName="linNode" presStyleCnt="0"/>
-      <dgm:spPr/>
-    </dgm:pt>
-    <dgm:pt modelId="{B6AF5C79-9CCE-4B47-AAC5-A7F27331C73E}" type="pres">
-      <dgm:prSet presAssocID="{1ECEB8BB-C873-4E23-BEC4-13559C423FB1}" presName="parTx" presStyleLbl="revTx" presStyleIdx="3" presStyleCnt="4">
-        <dgm:presLayoutVars>
-          <dgm:chMax val="1"/>
-          <dgm:bulletEnabled val="1"/>
-        </dgm:presLayoutVars>
-      </dgm:prSet>
-      <dgm:spPr/>
-    </dgm:pt>
-    <dgm:pt modelId="{DA5B37A1-A724-422C-97C1-B411552ABA48}" type="pres">
-      <dgm:prSet presAssocID="{1ECEB8BB-C873-4E23-BEC4-13559C423FB1}" presName="bracket" presStyleLbl="parChTrans1D1" presStyleIdx="3" presStyleCnt="4"/>
-      <dgm:spPr/>
-    </dgm:pt>
-    <dgm:pt modelId="{CC80E23E-C1C2-4986-BE04-559641915C54}" type="pres">
-      <dgm:prSet presAssocID="{1ECEB8BB-C873-4E23-BEC4-13559C423FB1}" presName="spH" presStyleCnt="0"/>
-      <dgm:spPr/>
-    </dgm:pt>
-    <dgm:pt modelId="{8FB7ADF7-F3BE-4087-BD08-23C6ACCEB22A}" type="pres">
-      <dgm:prSet presAssocID="{1ECEB8BB-C873-4E23-BEC4-13559C423FB1}" presName="desTx" presStyleLbl="node1" presStyleIdx="3" presStyleCnt="4">
-        <dgm:presLayoutVars>
-          <dgm:bulletEnabled val="1"/>
-        </dgm:presLayoutVars>
-      </dgm:prSet>
-      <dgm:spPr/>
-    </dgm:pt>
-  </dgm:ptLst>
-  <dgm:cxnLst>
-    <dgm:cxn modelId="{3ED65503-826B-4CE5-B564-9EE140ED7557}" type="presOf" srcId="{1EAE6A44-A9DB-4957-9103-A75CFA15CA83}" destId="{DB66BE1B-1574-4D7D-AD32-0E4755DCE5B6}" srcOrd="0" destOrd="1" presId="urn:diagrams.loki3.com/BracketList"/>
-    <dgm:cxn modelId="{DC40A411-6B3B-4675-8170-52A52CF9BC31}" type="presOf" srcId="{44BBBA82-B816-4E0D-946C-BEB162E5A886}" destId="{DDAD4675-F251-48D8-9E41-36ED68B87474}" srcOrd="0" destOrd="1" presId="urn:diagrams.loki3.com/BracketList"/>
-    <dgm:cxn modelId="{40CC2D12-665A-466A-B8BC-B0487907ECDF}" type="presOf" srcId="{C599B8D9-B3CC-40FF-AB3B-8B85BAA4B69F}" destId="{76B56F55-8C04-4D08-81E8-63107D682113}" srcOrd="0" destOrd="0" presId="urn:diagrams.loki3.com/BracketList"/>
-    <dgm:cxn modelId="{9CD6241E-BD63-4E7B-976B-BF298F31C312}" type="presOf" srcId="{272E7B19-155B-45A4-9191-F5A82EFD6C01}" destId="{2F35C529-5140-40CF-A395-3B8B5224B639}" srcOrd="0" destOrd="1" presId="urn:diagrams.loki3.com/BracketList"/>
-    <dgm:cxn modelId="{FDDEF722-9D96-44C3-AF4D-C37B528B01E1}" srcId="{1ECEB8BB-C873-4E23-BEC4-13559C423FB1}" destId="{C39FF5E2-2784-44CF-B1C8-7050382872B8}" srcOrd="2" destOrd="0" parTransId="{EABFE471-3B7A-4114-86E7-4854F6082118}" sibTransId="{ECF26E8B-98ED-41E1-8194-EAB914BB59A9}"/>
-    <dgm:cxn modelId="{F7711129-1D6F-4F42-B8B0-31542F14E3AF}" srcId="{67FA5382-FD62-4E89-84BC-1F1978004548}" destId="{10B939B6-DF89-4731-9AA4-7B42B440AEFA}" srcOrd="0" destOrd="0" parTransId="{F5752921-5BA0-4329-9A5E-0B36C3493B43}" sibTransId="{108C883D-9B6F-43AE-843C-9CABF72F8042}"/>
-    <dgm:cxn modelId="{51EA7143-055D-4B5B-BE6D-4185D8D26DFE}" srcId="{67FA5382-FD62-4E89-84BC-1F1978004548}" destId="{44BBBA82-B816-4E0D-946C-BEB162E5A886}" srcOrd="1" destOrd="0" parTransId="{1C888B9C-9923-4830-A017-862B6E389323}" sibTransId="{8B2058AB-8C35-4905-B051-FBAE83136D60}"/>
-    <dgm:cxn modelId="{DBC63966-DE6D-475A-906E-27E0D36E80C8}" srcId="{1ECEB8BB-C873-4E23-BEC4-13559C423FB1}" destId="{7D3BF743-BC36-4D97-9AE7-44CEB90CBE42}" srcOrd="0" destOrd="0" parTransId="{16B9103F-A1A1-4840-AC91-32E7F79B11E1}" sibTransId="{1FD92C30-E8A7-4362-BEC3-A39EFDB3A913}"/>
-    <dgm:cxn modelId="{D52DA550-A0F9-41D9-8996-F2474474E0A0}" type="presOf" srcId="{C39FF5E2-2784-44CF-B1C8-7050382872B8}" destId="{8FB7ADF7-F3BE-4087-BD08-23C6ACCEB22A}" srcOrd="0" destOrd="2" presId="urn:diagrams.loki3.com/BracketList"/>
-    <dgm:cxn modelId="{9ECD1472-14D8-4CA0-85B6-2DDB7C41671E}" srcId="{78753B49-BCA6-499C-BA1C-B44702003021}" destId="{1EAE6A44-A9DB-4957-9103-A75CFA15CA83}" srcOrd="1" destOrd="0" parTransId="{68C3C11E-0E5A-4A30-AD43-7B2C9B0AB975}" sibTransId="{9287D705-F291-4DA5-BCCD-97B9F0B9FE4F}"/>
-    <dgm:cxn modelId="{C0D9D457-C3EF-4D3B-A3F5-702FA7F8B900}" srcId="{49186BC5-4227-468B-9D1D-B902B56306B8}" destId="{67FA5382-FD62-4E89-84BC-1F1978004548}" srcOrd="1" destOrd="0" parTransId="{91E59B69-126A-4D47-81CC-B25F3B6271F6}" sibTransId="{DF9AC383-3E8E-4DB8-871D-17B739DAF028}"/>
-    <dgm:cxn modelId="{1E147A86-4822-4B0A-9505-42E4B36E299B}" type="presOf" srcId="{78753B49-BCA6-499C-BA1C-B44702003021}" destId="{1E1D8AE8-8819-4142-81DF-423CF4A4B367}" srcOrd="0" destOrd="0" presId="urn:diagrams.loki3.com/BracketList"/>
-    <dgm:cxn modelId="{F9489394-82D6-4809-ABA5-48A8D76EA0F8}" type="presOf" srcId="{F5935004-3DFC-4626-8717-8526FC0A8CE4}" destId="{DB66BE1B-1574-4D7D-AD32-0E4755DCE5B6}" srcOrd="0" destOrd="2" presId="urn:diagrams.loki3.com/BracketList"/>
-    <dgm:cxn modelId="{6B595EA7-8B6D-4C9D-9EA0-AF7C110A7AB6}" type="presOf" srcId="{67FA5382-FD62-4E89-84BC-1F1978004548}" destId="{AC5BD883-8F0D-4F29-A24C-03E20BC96F82}" srcOrd="0" destOrd="0" presId="urn:diagrams.loki3.com/BracketList"/>
-    <dgm:cxn modelId="{7E94E2B1-7032-47CE-93EE-154504607B7C}" srcId="{C599B8D9-B3CC-40FF-AB3B-8B85BAA4B69F}" destId="{272E7B19-155B-45A4-9191-F5A82EFD6C01}" srcOrd="1" destOrd="0" parTransId="{CF8B6905-EEB7-4EC7-B5BE-7EE42B30856F}" sibTransId="{A3252372-004F-46C7-980D-AABD4B2C35A1}"/>
-    <dgm:cxn modelId="{99CFC6BE-0F6D-4A8E-8291-1096063B572A}" type="presOf" srcId="{7D3BF743-BC36-4D97-9AE7-44CEB90CBE42}" destId="{8FB7ADF7-F3BE-4087-BD08-23C6ACCEB22A}" srcOrd="0" destOrd="0" presId="urn:diagrams.loki3.com/BracketList"/>
-    <dgm:cxn modelId="{310559BF-2C3B-4369-B42D-DBD75A12BB34}" srcId="{78753B49-BCA6-499C-BA1C-B44702003021}" destId="{F5935004-3DFC-4626-8717-8526FC0A8CE4}" srcOrd="2" destOrd="0" parTransId="{5339214D-9207-4E8B-96BF-8FBF8C16F560}" sibTransId="{BDA2C3FA-271F-4C73-8702-F302795023BF}"/>
-    <dgm:cxn modelId="{97D371C6-3C2A-47DA-91B1-4869628D251A}" srcId="{49186BC5-4227-468B-9D1D-B902B56306B8}" destId="{78753B49-BCA6-499C-BA1C-B44702003021}" srcOrd="2" destOrd="0" parTransId="{6B76FF7A-F835-4956-AE48-1D2877080D3A}" sibTransId="{1C4A901E-3982-450C-BE80-1731DC6C3884}"/>
-    <dgm:cxn modelId="{780144CE-F026-44D2-A808-C7445C83F49B}" srcId="{49186BC5-4227-468B-9D1D-B902B56306B8}" destId="{C599B8D9-B3CC-40FF-AB3B-8B85BAA4B69F}" srcOrd="0" destOrd="0" parTransId="{48C84256-CDD3-4DBC-B953-BF9550A55549}" sibTransId="{6EACFD5A-48DC-435A-AA71-3D343431DB5A}"/>
-    <dgm:cxn modelId="{F9E730CF-AD29-4A20-A92A-66818493CAA9}" type="presOf" srcId="{10B939B6-DF89-4731-9AA4-7B42B440AEFA}" destId="{DDAD4675-F251-48D8-9E41-36ED68B87474}" srcOrd="0" destOrd="0" presId="urn:diagrams.loki3.com/BracketList"/>
-    <dgm:cxn modelId="{A68BDCDB-62BD-4802-A1EF-6D68E2703944}" srcId="{78753B49-BCA6-499C-BA1C-B44702003021}" destId="{73A778AB-C3C1-4DD5-8BCD-BC93B8E687FC}" srcOrd="0" destOrd="0" parTransId="{AA9FE19C-8694-4A20-845F-9A96F734FCD0}" sibTransId="{2D4C0AC2-58FC-4D85-A78C-BE94A36C3BB1}"/>
-    <dgm:cxn modelId="{086A2CDD-53E0-414F-B06A-91079D01D8E4}" type="presOf" srcId="{6CB1286D-8EFD-4D21-977A-01E75077F731}" destId="{2F35C529-5140-40CF-A395-3B8B5224B639}" srcOrd="0" destOrd="0" presId="urn:diagrams.loki3.com/BracketList"/>
-    <dgm:cxn modelId="{A69861E1-ADBE-4CD4-9BA1-FE2F4FC188EB}" type="presOf" srcId="{49186BC5-4227-468B-9D1D-B902B56306B8}" destId="{B811010D-0FCB-4C8E-B66C-1676D9A57006}" srcOrd="0" destOrd="0" presId="urn:diagrams.loki3.com/BracketList"/>
-    <dgm:cxn modelId="{086D74E7-7819-4678-B15E-72824C6DD544}" type="presOf" srcId="{BACB9168-6B5E-4E74-B112-D31506C4AAB5}" destId="{8FB7ADF7-F3BE-4087-BD08-23C6ACCEB22A}" srcOrd="0" destOrd="1" presId="urn:diagrams.loki3.com/BracketList"/>
-    <dgm:cxn modelId="{DFA695EF-8B2C-4603-B936-4414BF48AFAE}" type="presOf" srcId="{73A778AB-C3C1-4DD5-8BCD-BC93B8E687FC}" destId="{DB66BE1B-1574-4D7D-AD32-0E4755DCE5B6}" srcOrd="0" destOrd="0" presId="urn:diagrams.loki3.com/BracketList"/>
-    <dgm:cxn modelId="{3DA932F5-6C04-479B-B479-525ED1AF2125}" srcId="{1ECEB8BB-C873-4E23-BEC4-13559C423FB1}" destId="{BACB9168-6B5E-4E74-B112-D31506C4AAB5}" srcOrd="1" destOrd="0" parTransId="{20A2FD51-258E-4FA0-A257-84E09506953C}" sibTransId="{EEC94FE9-86D2-48B0-958D-ADEF12D1C04D}"/>
-    <dgm:cxn modelId="{A0B751F5-FBAB-4E91-9638-A688C9D67425}" srcId="{49186BC5-4227-468B-9D1D-B902B56306B8}" destId="{1ECEB8BB-C873-4E23-BEC4-13559C423FB1}" srcOrd="3" destOrd="0" parTransId="{6DD0AABB-8B05-485D-80B9-8A58394E3990}" sibTransId="{81001624-818C-47E1-833D-FB1D90AB5276}"/>
-    <dgm:cxn modelId="{030B44F6-0B83-44C8-BC6E-C9961B653012}" srcId="{C599B8D9-B3CC-40FF-AB3B-8B85BAA4B69F}" destId="{6CB1286D-8EFD-4D21-977A-01E75077F731}" srcOrd="0" destOrd="0" parTransId="{C8847812-873D-44C1-B0B9-EE96096BA82F}" sibTransId="{40ECB9AB-4FA7-4677-A753-75C29B2637A1}"/>
-    <dgm:cxn modelId="{2A05F8FB-EFD4-4A52-86B3-7EA11DFBBF83}" type="presOf" srcId="{1ECEB8BB-C873-4E23-BEC4-13559C423FB1}" destId="{B6AF5C79-9CCE-4B47-AAC5-A7F27331C73E}" srcOrd="0" destOrd="0" presId="urn:diagrams.loki3.com/BracketList"/>
-    <dgm:cxn modelId="{C97DB579-ACD3-4399-853B-2FD0B63F77A5}" type="presParOf" srcId="{B811010D-0FCB-4C8E-B66C-1676D9A57006}" destId="{489B62BC-0FD7-47A4-814A-D29578D4567F}" srcOrd="0" destOrd="0" presId="urn:diagrams.loki3.com/BracketList"/>
-    <dgm:cxn modelId="{FD4F1FDB-BFD8-4FB3-BA0E-D8F7EE487E53}" type="presParOf" srcId="{489B62BC-0FD7-47A4-814A-D29578D4567F}" destId="{76B56F55-8C04-4D08-81E8-63107D682113}" srcOrd="0" destOrd="0" presId="urn:diagrams.loki3.com/BracketList"/>
-    <dgm:cxn modelId="{9EC6CFE9-666A-4CA6-8D6F-F1F7A090570D}" type="presParOf" srcId="{489B62BC-0FD7-47A4-814A-D29578D4567F}" destId="{4F01B87F-93CD-42B8-9762-DEAEADEEE6F8}" srcOrd="1" destOrd="0" presId="urn:diagrams.loki3.com/BracketList"/>
-    <dgm:cxn modelId="{CBA4C276-74FA-4751-81A2-BA36C5510593}" type="presParOf" srcId="{489B62BC-0FD7-47A4-814A-D29578D4567F}" destId="{20187DF7-BB1A-4C6A-898C-9A0689ECEFB5}" srcOrd="2" destOrd="0" presId="urn:diagrams.loki3.com/BracketList"/>
-    <dgm:cxn modelId="{9A6800EF-4FFD-4ECD-9FA8-D9972BD66602}" type="presParOf" srcId="{489B62BC-0FD7-47A4-814A-D29578D4567F}" destId="{2F35C529-5140-40CF-A395-3B8B5224B639}" srcOrd="3" destOrd="0" presId="urn:diagrams.loki3.com/BracketList"/>
-    <dgm:cxn modelId="{A96BC59B-41D5-4472-A757-C260EFB3D7C1}" type="presParOf" srcId="{B811010D-0FCB-4C8E-B66C-1676D9A57006}" destId="{B1AC19A2-E074-4457-B630-F8FE8DCD7E47}" srcOrd="1" destOrd="0" presId="urn:diagrams.loki3.com/BracketList"/>
-    <dgm:cxn modelId="{FC1475AB-BF2D-4C15-B9C5-59E3C79C7322}" type="presParOf" srcId="{B811010D-0FCB-4C8E-B66C-1676D9A57006}" destId="{9B6D206D-5486-4E9D-A70A-C0844541B4B2}" srcOrd="2" destOrd="0" presId="urn:diagrams.loki3.com/BracketList"/>
-    <dgm:cxn modelId="{05F3C25E-AE76-47C5-B479-D632A342AB2B}" type="presParOf" srcId="{9B6D206D-5486-4E9D-A70A-C0844541B4B2}" destId="{AC5BD883-8F0D-4F29-A24C-03E20BC96F82}" srcOrd="0" destOrd="0" presId="urn:diagrams.loki3.com/BracketList"/>
-    <dgm:cxn modelId="{D5442ECB-0D34-4F05-8870-8150666DA923}" type="presParOf" srcId="{9B6D206D-5486-4E9D-A70A-C0844541B4B2}" destId="{DA10DC1B-48F1-4A8C-AE1E-EC3F3FB4C757}" srcOrd="1" destOrd="0" presId="urn:diagrams.loki3.com/BracketList"/>
-    <dgm:cxn modelId="{C18B112F-DB76-489E-B217-94EE9AB4DDA6}" type="presParOf" srcId="{9B6D206D-5486-4E9D-A70A-C0844541B4B2}" destId="{B2CC6EBF-184A-43E5-9A44-6510A9566A90}" srcOrd="2" destOrd="0" presId="urn:diagrams.loki3.com/BracketList"/>
-    <dgm:cxn modelId="{0A368DA4-9362-403D-87FD-61D73B7F2336}" type="presParOf" srcId="{9B6D206D-5486-4E9D-A70A-C0844541B4B2}" destId="{DDAD4675-F251-48D8-9E41-36ED68B87474}" srcOrd="3" destOrd="0" presId="urn:diagrams.loki3.com/BracketList"/>
-    <dgm:cxn modelId="{A412C7C9-32BC-4659-B0F0-3649FF3FFB21}" type="presParOf" srcId="{B811010D-0FCB-4C8E-B66C-1676D9A57006}" destId="{4EB2AAFF-E8A4-488F-866B-681B2C54AFF8}" srcOrd="3" destOrd="0" presId="urn:diagrams.loki3.com/BracketList"/>
-    <dgm:cxn modelId="{75272B6E-BDD7-48B6-8B7C-04463D1A02E6}" type="presParOf" srcId="{B811010D-0FCB-4C8E-B66C-1676D9A57006}" destId="{1887AAA6-D572-4E35-8A7C-C23FE23FFEC7}" srcOrd="4" destOrd="0" presId="urn:diagrams.loki3.com/BracketList"/>
-    <dgm:cxn modelId="{BAC93592-DDD0-46C4-BFE4-AD94635D8BE5}" type="presParOf" srcId="{1887AAA6-D572-4E35-8A7C-C23FE23FFEC7}" destId="{1E1D8AE8-8819-4142-81DF-423CF4A4B367}" srcOrd="0" destOrd="0" presId="urn:diagrams.loki3.com/BracketList"/>
-    <dgm:cxn modelId="{90DE28A9-39A4-4D04-AF75-71D537CC5BAA}" type="presParOf" srcId="{1887AAA6-D572-4E35-8A7C-C23FE23FFEC7}" destId="{B7CF5B90-6CB2-4FE5-9AC6-846FFE42C289}" srcOrd="1" destOrd="0" presId="urn:diagrams.loki3.com/BracketList"/>
-    <dgm:cxn modelId="{3F48876C-A0DA-448A-8F79-3A54AA6B3C69}" type="presParOf" srcId="{1887AAA6-D572-4E35-8A7C-C23FE23FFEC7}" destId="{83678AB2-FDA1-45C5-8B38-50624D50B50C}" srcOrd="2" destOrd="0" presId="urn:diagrams.loki3.com/BracketList"/>
-    <dgm:cxn modelId="{58E644E5-9897-425C-8455-6F9F29F12483}" type="presParOf" srcId="{1887AAA6-D572-4E35-8A7C-C23FE23FFEC7}" destId="{DB66BE1B-1574-4D7D-AD32-0E4755DCE5B6}" srcOrd="3" destOrd="0" presId="urn:diagrams.loki3.com/BracketList"/>
-    <dgm:cxn modelId="{FC189984-FC66-49E8-911F-E875F49223A0}" type="presParOf" srcId="{B811010D-0FCB-4C8E-B66C-1676D9A57006}" destId="{AD29C5FC-90E8-4F4A-9964-18305D22557B}" srcOrd="5" destOrd="0" presId="urn:diagrams.loki3.com/BracketList"/>
-    <dgm:cxn modelId="{253A6238-6BB4-43DB-919D-5E56A8914ED5}" type="presParOf" srcId="{B811010D-0FCB-4C8E-B66C-1676D9A57006}" destId="{D2C600F3-4AE5-4DC4-9415-0D6F5748C02C}" srcOrd="6" destOrd="0" presId="urn:diagrams.loki3.com/BracketList"/>
-    <dgm:cxn modelId="{3CEABA9F-1A79-4693-BD38-C1E36B32902F}" type="presParOf" srcId="{D2C600F3-4AE5-4DC4-9415-0D6F5748C02C}" destId="{B6AF5C79-9CCE-4B47-AAC5-A7F27331C73E}" srcOrd="0" destOrd="0" presId="urn:diagrams.loki3.com/BracketList"/>
-    <dgm:cxn modelId="{94CFF759-F018-4074-9376-104AC1456B4C}" type="presParOf" srcId="{D2C600F3-4AE5-4DC4-9415-0D6F5748C02C}" destId="{DA5B37A1-A724-422C-97C1-B411552ABA48}" srcOrd="1" destOrd="0" presId="urn:diagrams.loki3.com/BracketList"/>
-    <dgm:cxn modelId="{22812581-0B1B-427D-8EC4-C5EAF674C16E}" type="presParOf" srcId="{D2C600F3-4AE5-4DC4-9415-0D6F5748C02C}" destId="{CC80E23E-C1C2-4986-BE04-559641915C54}" srcOrd="2" destOrd="0" presId="urn:diagrams.loki3.com/BracketList"/>
-    <dgm:cxn modelId="{D83161CC-4922-453E-82BF-CE98E53FBEFB}" type="presParOf" srcId="{D2C600F3-4AE5-4DC4-9415-0D6F5748C02C}" destId="{8FB7ADF7-F3BE-4087-BD08-23C6ACCEB22A}" srcOrd="3" destOrd="0" presId="urn:diagrams.loki3.com/BracketList"/>
-  </dgm:cxnLst>
-  <dgm:bg/>
-  <dgm:whole/>
-  <dgm:extLst>
-    <a:ext uri="http://schemas.microsoft.com/office/drawing/2008/diagram">
-      <dsp:dataModelExt xmlns:dsp="http://schemas.microsoft.com/office/drawing/2008/diagram" relId="rId6" minVer="http://schemas.openxmlformats.org/drawingml/2006/diagram"/>
-    </a:ext>
-  </dgm:extLst>
-</dgm:dataModel>
-</file>
-
-<file path=ppt/diagrams/data2.xml><?xml version="1.0" encoding="utf-8"?>
 <dgm:dataModel xmlns:dgm="http://schemas.openxmlformats.org/drawingml/2006/diagram" xmlns:a="http://schemas.openxmlformats.org/drawingml/2006/main">
   <dgm:ptLst>
     <dgm:pt modelId="{37B09294-7DE2-4522-956B-527342513131}" type="doc">
@@ -6543,7 +4978,7 @@
 </dgm:dataModel>
 </file>
 
-<file path=ppt/diagrams/data3.xml><?xml version="1.0" encoding="utf-8"?>
+<file path=ppt/diagrams/data2.xml><?xml version="1.0" encoding="utf-8"?>
 <dgm:dataModel xmlns:dgm="http://schemas.openxmlformats.org/drawingml/2006/diagram" xmlns:a="http://schemas.openxmlformats.org/drawingml/2006/main">
   <dgm:ptLst>
     <dgm:pt modelId="{F08C70A1-E36E-4029-9124-120D277C4DA6}" type="doc">
@@ -6860,7 +5295,7 @@
 </dgm:dataModel>
 </file>
 
-<file path=ppt/diagrams/data4.xml><?xml version="1.0" encoding="utf-8"?>
+<file path=ppt/diagrams/data3.xml><?xml version="1.0" encoding="utf-8"?>
 <dgm:dataModel xmlns:dgm="http://schemas.openxmlformats.org/drawingml/2006/diagram" xmlns:a="http://schemas.openxmlformats.org/drawingml/2006/main">
   <dgm:ptLst>
     <dgm:pt modelId="{F08C70A1-E36E-4029-9124-120D277C4DA6}" type="doc">
@@ -7247,7 +5682,7 @@
 </dgm:dataModel>
 </file>
 
-<file path=ppt/diagrams/data5.xml><?xml version="1.0" encoding="utf-8"?>
+<file path=ppt/diagrams/data4.xml><?xml version="1.0" encoding="utf-8"?>
 <dgm:dataModel xmlns:dgm="http://schemas.openxmlformats.org/drawingml/2006/diagram" xmlns:a="http://schemas.openxmlformats.org/drawingml/2006/main">
   <dgm:ptLst>
     <dgm:pt modelId="{E7C28C18-684E-436E-A0B1-2CA965527EE0}" type="doc">
@@ -7656,7 +6091,7 @@
 </dgm:dataModel>
 </file>
 
-<file path=ppt/diagrams/data6.xml><?xml version="1.0" encoding="utf-8"?>
+<file path=ppt/diagrams/data5.xml><?xml version="1.0" encoding="utf-8"?>
 <dgm:dataModel xmlns:dgm="http://schemas.openxmlformats.org/drawingml/2006/diagram" xmlns:a="http://schemas.openxmlformats.org/drawingml/2006/main">
   <dgm:ptLst>
     <dgm:pt modelId="{F08C70A1-E36E-4029-9124-120D277C4DA6}" type="doc">
@@ -8044,857 +6479,6 @@
 </file>
 
 <file path=ppt/diagrams/drawing1.xml><?xml version="1.0" encoding="utf-8"?>
-<dsp:drawing xmlns:dgm="http://schemas.openxmlformats.org/drawingml/2006/diagram" xmlns:dsp="http://schemas.microsoft.com/office/drawing/2008/diagram" xmlns:a="http://schemas.openxmlformats.org/drawingml/2006/main">
-  <dsp:spTree>
-    <dsp:nvGrpSpPr>
-      <dsp:cNvPr id="0" name=""/>
-      <dsp:cNvGrpSpPr/>
-    </dsp:nvGrpSpPr>
-    <dsp:grpSpPr/>
-    <dsp:sp modelId="{76B56F55-8C04-4D08-81E8-63107D682113}">
-      <dsp:nvSpPr>
-        <dsp:cNvPr id="0" name=""/>
-        <dsp:cNvSpPr/>
-      </dsp:nvSpPr>
-      <dsp:spPr>
-        <a:xfrm>
-          <a:off x="0" y="546194"/>
-          <a:ext cx="3125510" cy="475200"/>
-        </a:xfrm>
-        <a:prstGeom prst="rect">
-          <a:avLst/>
-        </a:prstGeom>
-        <a:noFill/>
-        <a:ln>
-          <a:noFill/>
-        </a:ln>
-        <a:effectLst/>
-      </dsp:spPr>
-      <dsp:style>
-        <a:lnRef idx="0">
-          <a:scrgbClr r="0" g="0" b="0"/>
-        </a:lnRef>
-        <a:fillRef idx="0">
-          <a:scrgbClr r="0" g="0" b="0"/>
-        </a:fillRef>
-        <a:effectRef idx="0">
-          <a:scrgbClr r="0" g="0" b="0"/>
-        </a:effectRef>
-        <a:fontRef idx="minor"/>
-      </dsp:style>
-      <dsp:txBody>
-        <a:bodyPr spcFirstLastPara="0" vert="horz" wrap="square" lIns="170688" tIns="60960" rIns="170688" bIns="60960" numCol="1" spcCol="1270" anchor="ctr" anchorCtr="0">
-          <a:noAutofit/>
-        </a:bodyPr>
-        <a:lstStyle/>
-        <a:p>
-          <a:pPr marL="0" lvl="0" indent="0" algn="r" defTabSz="1066800">
-            <a:lnSpc>
-              <a:spcPct val="90000"/>
-            </a:lnSpc>
-            <a:spcBef>
-              <a:spcPct val="0"/>
-            </a:spcBef>
-            <a:spcAft>
-              <a:spcPct val="35000"/>
-            </a:spcAft>
-            <a:buNone/>
-          </a:pPr>
-          <a:r>
-            <a:rPr lang="en-US" sz="2400" kern="1200"/>
-            <a:t>Athletics</a:t>
-          </a:r>
-        </a:p>
-      </dsp:txBody>
-      <dsp:txXfrm>
-        <a:off x="0" y="546194"/>
-        <a:ext cx="3125510" cy="475200"/>
-      </dsp:txXfrm>
-    </dsp:sp>
-    <dsp:sp modelId="{4F01B87F-93CD-42B8-9762-DEAEADEEE6F8}">
-      <dsp:nvSpPr>
-        <dsp:cNvPr id="0" name=""/>
-        <dsp:cNvSpPr/>
-      </dsp:nvSpPr>
-      <dsp:spPr>
-        <a:xfrm>
-          <a:off x="3125510" y="26444"/>
-          <a:ext cx="625102" cy="1514700"/>
-        </a:xfrm>
-        <a:prstGeom prst="leftBrace">
-          <a:avLst>
-            <a:gd name="adj1" fmla="val 35000"/>
-            <a:gd name="adj2" fmla="val 50000"/>
-          </a:avLst>
-        </a:prstGeom>
-        <a:noFill/>
-        <a:ln w="19050" cap="rnd" cmpd="sng" algn="ctr">
-          <a:solidFill>
-            <a:schemeClr val="accent2">
-              <a:shade val="60000"/>
-              <a:hueOff val="0"/>
-              <a:satOff val="0"/>
-              <a:lumOff val="0"/>
-              <a:alphaOff val="0"/>
-            </a:schemeClr>
-          </a:solidFill>
-          <a:prstDash val="solid"/>
-        </a:ln>
-        <a:effectLst/>
-      </dsp:spPr>
-      <dsp:style>
-        <a:lnRef idx="2">
-          <a:scrgbClr r="0" g="0" b="0"/>
-        </a:lnRef>
-        <a:fillRef idx="0">
-          <a:scrgbClr r="0" g="0" b="0"/>
-        </a:fillRef>
-        <a:effectRef idx="0">
-          <a:scrgbClr r="0" g="0" b="0"/>
-        </a:effectRef>
-        <a:fontRef idx="minor"/>
-      </dsp:style>
-    </dsp:sp>
-    <dsp:sp modelId="{2F35C529-5140-40CF-A395-3B8B5224B639}">
-      <dsp:nvSpPr>
-        <dsp:cNvPr id="0" name=""/>
-        <dsp:cNvSpPr/>
-      </dsp:nvSpPr>
-      <dsp:spPr>
-        <a:xfrm>
-          <a:off x="4000653" y="26444"/>
-          <a:ext cx="8501388" cy="1514700"/>
-        </a:xfrm>
-        <a:prstGeom prst="rect">
-          <a:avLst/>
-        </a:prstGeom>
-        <a:solidFill>
-          <a:schemeClr val="accent2">
-            <a:hueOff val="0"/>
-            <a:satOff val="0"/>
-            <a:lumOff val="0"/>
-            <a:alpha val="75000"/>
-          </a:schemeClr>
-        </a:solidFill>
-        <a:ln w="25400" cap="rnd" cmpd="sng" algn="ctr">
-          <a:solidFill>
-            <a:schemeClr val="lt1">
-              <a:hueOff val="0"/>
-              <a:satOff val="0"/>
-              <a:lumOff val="0"/>
-              <a:alphaOff val="0"/>
-            </a:schemeClr>
-          </a:solidFill>
-          <a:prstDash val="solid"/>
-        </a:ln>
-        <a:effectLst/>
-      </dsp:spPr>
-      <dsp:style>
-        <a:lnRef idx="3">
-          <a:scrgbClr r="0" g="0" b="0"/>
-        </a:lnRef>
-        <a:fillRef idx="1">
-          <a:scrgbClr r="0" g="0" b="0"/>
-        </a:fillRef>
-        <a:effectRef idx="1">
-          <a:scrgbClr r="0" g="0" b="0"/>
-        </a:effectRef>
-        <a:fontRef idx="minor">
-          <a:schemeClr val="lt1"/>
-        </a:fontRef>
-      </dsp:style>
-      <dsp:txBody>
-        <a:bodyPr spcFirstLastPara="0" vert="horz" wrap="square" lIns="91440" tIns="91440" rIns="91440" bIns="91440" numCol="1" spcCol="1270" anchor="ctr" anchorCtr="0">
-          <a:noAutofit/>
-        </a:bodyPr>
-        <a:lstStyle/>
-        <a:p>
-          <a:pPr marL="228600" lvl="1" indent="-228600" algn="l" defTabSz="1066800">
-            <a:lnSpc>
-              <a:spcPct val="90000"/>
-            </a:lnSpc>
-            <a:spcBef>
-              <a:spcPct val="0"/>
-            </a:spcBef>
-            <a:spcAft>
-              <a:spcPct val="15000"/>
-            </a:spcAft>
-            <a:buChar char="•"/>
-          </a:pPr>
-          <a:r>
-            <a:rPr lang="en-US" sz="2400" kern="1200" dirty="0"/>
-            <a:t>Used to race motorcycles, but ran out of talent doing 80 with his knee down.</a:t>
-          </a:r>
-        </a:p>
-        <a:p>
-          <a:pPr marL="228600" lvl="1" indent="-228600" algn="l" defTabSz="1066800">
-            <a:lnSpc>
-              <a:spcPct val="90000"/>
-            </a:lnSpc>
-            <a:spcBef>
-              <a:spcPct val="0"/>
-            </a:spcBef>
-            <a:spcAft>
-              <a:spcPct val="15000"/>
-            </a:spcAft>
-            <a:buChar char="•"/>
-          </a:pPr>
-          <a:r>
-            <a:rPr lang="en-US" sz="2400" kern="1200" dirty="0"/>
-            <a:t>Can pilot bicycles down severe inclines with unflagging speed.</a:t>
-          </a:r>
-        </a:p>
-      </dsp:txBody>
-      <dsp:txXfrm>
-        <a:off x="4000653" y="26444"/>
-        <a:ext cx="8501388" cy="1514700"/>
-      </dsp:txXfrm>
-    </dsp:sp>
-    <dsp:sp modelId="{AC5BD883-8F0D-4F29-A24C-03E20BC96F82}">
-      <dsp:nvSpPr>
-        <dsp:cNvPr id="0" name=""/>
-        <dsp:cNvSpPr/>
-      </dsp:nvSpPr>
-      <dsp:spPr>
-        <a:xfrm>
-          <a:off x="0" y="1828019"/>
-          <a:ext cx="3128565" cy="475200"/>
-        </a:xfrm>
-        <a:prstGeom prst="rect">
-          <a:avLst/>
-        </a:prstGeom>
-        <a:noFill/>
-        <a:ln>
-          <a:noFill/>
-        </a:ln>
-        <a:effectLst/>
-      </dsp:spPr>
-      <dsp:style>
-        <a:lnRef idx="0">
-          <a:scrgbClr r="0" g="0" b="0"/>
-        </a:lnRef>
-        <a:fillRef idx="0">
-          <a:scrgbClr r="0" g="0" b="0"/>
-        </a:fillRef>
-        <a:effectRef idx="0">
-          <a:scrgbClr r="0" g="0" b="0"/>
-        </a:effectRef>
-        <a:fontRef idx="minor"/>
-      </dsp:style>
-      <dsp:txBody>
-        <a:bodyPr spcFirstLastPara="0" vert="horz" wrap="square" lIns="170688" tIns="60960" rIns="170688" bIns="60960" numCol="1" spcCol="1270" anchor="ctr" anchorCtr="0">
-          <a:noAutofit/>
-        </a:bodyPr>
-        <a:lstStyle/>
-        <a:p>
-          <a:pPr marL="0" lvl="0" indent="0" algn="r" defTabSz="1066800">
-            <a:lnSpc>
-              <a:spcPct val="90000"/>
-            </a:lnSpc>
-            <a:spcBef>
-              <a:spcPct val="0"/>
-            </a:spcBef>
-            <a:spcAft>
-              <a:spcPct val="35000"/>
-            </a:spcAft>
-            <a:buNone/>
-          </a:pPr>
-          <a:r>
-            <a:rPr lang="en-US" sz="2400" kern="1200"/>
-            <a:t>Humor</a:t>
-          </a:r>
-        </a:p>
-      </dsp:txBody>
-      <dsp:txXfrm>
-        <a:off x="0" y="1828019"/>
-        <a:ext cx="3128565" cy="475200"/>
-      </dsp:txXfrm>
-    </dsp:sp>
-    <dsp:sp modelId="{DA10DC1B-48F1-4A8C-AE1E-EC3F3FB4C757}">
-      <dsp:nvSpPr>
-        <dsp:cNvPr id="0" name=""/>
-        <dsp:cNvSpPr/>
-      </dsp:nvSpPr>
-      <dsp:spPr>
-        <a:xfrm>
-          <a:off x="3128565" y="1627544"/>
-          <a:ext cx="625713" cy="876150"/>
-        </a:xfrm>
-        <a:prstGeom prst="leftBrace">
-          <a:avLst>
-            <a:gd name="adj1" fmla="val 35000"/>
-            <a:gd name="adj2" fmla="val 50000"/>
-          </a:avLst>
-        </a:prstGeom>
-        <a:noFill/>
-        <a:ln w="19050" cap="rnd" cmpd="sng" algn="ctr">
-          <a:solidFill>
-            <a:schemeClr val="accent2">
-              <a:shade val="60000"/>
-              <a:hueOff val="0"/>
-              <a:satOff val="0"/>
-              <a:lumOff val="0"/>
-              <a:alphaOff val="0"/>
-            </a:schemeClr>
-          </a:solidFill>
-          <a:prstDash val="solid"/>
-        </a:ln>
-        <a:effectLst/>
-      </dsp:spPr>
-      <dsp:style>
-        <a:lnRef idx="2">
-          <a:scrgbClr r="0" g="0" b="0"/>
-        </a:lnRef>
-        <a:fillRef idx="0">
-          <a:scrgbClr r="0" g="0" b="0"/>
-        </a:fillRef>
-        <a:effectRef idx="0">
-          <a:scrgbClr r="0" g="0" b="0"/>
-        </a:effectRef>
-        <a:fontRef idx="minor"/>
-      </dsp:style>
-    </dsp:sp>
-    <dsp:sp modelId="{DDAD4675-F251-48D8-9E41-36ED68B87474}">
-      <dsp:nvSpPr>
-        <dsp:cNvPr id="0" name=""/>
-        <dsp:cNvSpPr/>
-      </dsp:nvSpPr>
-      <dsp:spPr>
-        <a:xfrm>
-          <a:off x="4004564" y="1627544"/>
-          <a:ext cx="8509698" cy="876150"/>
-        </a:xfrm>
-        <a:prstGeom prst="rect">
-          <a:avLst/>
-        </a:prstGeom>
-        <a:solidFill>
-          <a:schemeClr val="accent2">
-            <a:hueOff val="0"/>
-            <a:satOff val="0"/>
-            <a:lumOff val="0"/>
-            <a:alpha val="75000"/>
-          </a:schemeClr>
-        </a:solidFill>
-        <a:ln w="25400" cap="rnd" cmpd="sng" algn="ctr">
-          <a:solidFill>
-            <a:schemeClr val="lt1">
-              <a:hueOff val="0"/>
-              <a:satOff val="0"/>
-              <a:lumOff val="0"/>
-              <a:alphaOff val="0"/>
-            </a:schemeClr>
-          </a:solidFill>
-          <a:prstDash val="solid"/>
-        </a:ln>
-        <a:effectLst/>
-      </dsp:spPr>
-      <dsp:style>
-        <a:lnRef idx="3">
-          <a:scrgbClr r="0" g="0" b="0"/>
-        </a:lnRef>
-        <a:fillRef idx="1">
-          <a:scrgbClr r="0" g="0" b="0"/>
-        </a:fillRef>
-        <a:effectRef idx="1">
-          <a:scrgbClr r="0" g="0" b="0"/>
-        </a:effectRef>
-        <a:fontRef idx="minor">
-          <a:schemeClr val="lt1"/>
-        </a:fontRef>
-      </dsp:style>
-      <dsp:txBody>
-        <a:bodyPr spcFirstLastPara="0" vert="horz" wrap="square" lIns="91440" tIns="91440" rIns="91440" bIns="91440" numCol="1" spcCol="1270" anchor="ctr" anchorCtr="0">
-          <a:noAutofit/>
-        </a:bodyPr>
-        <a:lstStyle/>
-        <a:p>
-          <a:pPr marL="228600" lvl="1" indent="-228600" algn="l" defTabSz="1066800">
-            <a:lnSpc>
-              <a:spcPct val="90000"/>
-            </a:lnSpc>
-            <a:spcBef>
-              <a:spcPct val="0"/>
-            </a:spcBef>
-            <a:spcAft>
-              <a:spcPct val="15000"/>
-            </a:spcAft>
-            <a:buChar char="•"/>
-          </a:pPr>
-          <a:r>
-            <a:rPr lang="en-US" sz="2400" kern="1200"/>
-            <a:t>Tells bad (OK, Awful) jokes.</a:t>
-          </a:r>
-        </a:p>
-        <a:p>
-          <a:pPr marL="228600" lvl="1" indent="-228600" algn="l" defTabSz="1066800">
-            <a:lnSpc>
-              <a:spcPct val="90000"/>
-            </a:lnSpc>
-            <a:spcBef>
-              <a:spcPct val="0"/>
-            </a:spcBef>
-            <a:spcAft>
-              <a:spcPct val="15000"/>
-            </a:spcAft>
-            <a:buChar char="•"/>
-          </a:pPr>
-          <a:r>
-            <a:rPr lang="en-US" sz="2400" kern="1200"/>
-            <a:t>Cribs classic college entrance letters from the internet.</a:t>
-          </a:r>
-        </a:p>
-      </dsp:txBody>
-      <dsp:txXfrm>
-        <a:off x="4004564" y="1627544"/>
-        <a:ext cx="8509698" cy="876150"/>
-      </dsp:txXfrm>
-    </dsp:sp>
-    <dsp:sp modelId="{1E1D8AE8-8819-4142-81DF-423CF4A4B367}">
-      <dsp:nvSpPr>
-        <dsp:cNvPr id="0" name=""/>
-        <dsp:cNvSpPr/>
-      </dsp:nvSpPr>
-      <dsp:spPr>
-        <a:xfrm>
-          <a:off x="0" y="2976194"/>
-          <a:ext cx="3125510" cy="475200"/>
-        </a:xfrm>
-        <a:prstGeom prst="rect">
-          <a:avLst/>
-        </a:prstGeom>
-        <a:noFill/>
-        <a:ln>
-          <a:noFill/>
-        </a:ln>
-        <a:effectLst/>
-      </dsp:spPr>
-      <dsp:style>
-        <a:lnRef idx="0">
-          <a:scrgbClr r="0" g="0" b="0"/>
-        </a:lnRef>
-        <a:fillRef idx="0">
-          <a:scrgbClr r="0" g="0" b="0"/>
-        </a:fillRef>
-        <a:effectRef idx="0">
-          <a:scrgbClr r="0" g="0" b="0"/>
-        </a:effectRef>
-        <a:fontRef idx="minor"/>
-      </dsp:style>
-      <dsp:txBody>
-        <a:bodyPr spcFirstLastPara="0" vert="horz" wrap="square" lIns="170688" tIns="60960" rIns="170688" bIns="60960" numCol="1" spcCol="1270" anchor="ctr" anchorCtr="0">
-          <a:noAutofit/>
-        </a:bodyPr>
-        <a:lstStyle/>
-        <a:p>
-          <a:pPr marL="0" lvl="0" indent="0" algn="r" defTabSz="1066800">
-            <a:lnSpc>
-              <a:spcPct val="90000"/>
-            </a:lnSpc>
-            <a:spcBef>
-              <a:spcPct val="0"/>
-            </a:spcBef>
-            <a:spcAft>
-              <a:spcPct val="35000"/>
-            </a:spcAft>
-            <a:buNone/>
-          </a:pPr>
-          <a:r>
-            <a:rPr lang="en-US" sz="2400" kern="1200"/>
-            <a:t>Culinary</a:t>
-          </a:r>
-        </a:p>
-      </dsp:txBody>
-      <dsp:txXfrm>
-        <a:off x="0" y="2976194"/>
-        <a:ext cx="3125510" cy="475200"/>
-      </dsp:txXfrm>
-    </dsp:sp>
-    <dsp:sp modelId="{B7CF5B90-6CB2-4FE5-9AC6-846FFE42C289}">
-      <dsp:nvSpPr>
-        <dsp:cNvPr id="0" name=""/>
-        <dsp:cNvSpPr/>
-      </dsp:nvSpPr>
-      <dsp:spPr>
-        <a:xfrm>
-          <a:off x="3125510" y="2590094"/>
-          <a:ext cx="625102" cy="1247400"/>
-        </a:xfrm>
-        <a:prstGeom prst="leftBrace">
-          <a:avLst>
-            <a:gd name="adj1" fmla="val 35000"/>
-            <a:gd name="adj2" fmla="val 50000"/>
-          </a:avLst>
-        </a:prstGeom>
-        <a:noFill/>
-        <a:ln w="19050" cap="rnd" cmpd="sng" algn="ctr">
-          <a:solidFill>
-            <a:schemeClr val="accent2">
-              <a:shade val="60000"/>
-              <a:hueOff val="0"/>
-              <a:satOff val="0"/>
-              <a:lumOff val="0"/>
-              <a:alphaOff val="0"/>
-            </a:schemeClr>
-          </a:solidFill>
-          <a:prstDash val="solid"/>
-        </a:ln>
-        <a:effectLst/>
-      </dsp:spPr>
-      <dsp:style>
-        <a:lnRef idx="2">
-          <a:scrgbClr r="0" g="0" b="0"/>
-        </a:lnRef>
-        <a:fillRef idx="0">
-          <a:scrgbClr r="0" g="0" b="0"/>
-        </a:fillRef>
-        <a:effectRef idx="0">
-          <a:scrgbClr r="0" g="0" b="0"/>
-        </a:effectRef>
-        <a:fontRef idx="minor"/>
-      </dsp:style>
-    </dsp:sp>
-    <dsp:sp modelId="{DB66BE1B-1574-4D7D-AD32-0E4755DCE5B6}">
-      <dsp:nvSpPr>
-        <dsp:cNvPr id="0" name=""/>
-        <dsp:cNvSpPr/>
-      </dsp:nvSpPr>
-      <dsp:spPr>
-        <a:xfrm>
-          <a:off x="4000653" y="2590094"/>
-          <a:ext cx="8501388" cy="1247400"/>
-        </a:xfrm>
-        <a:prstGeom prst="rect">
-          <a:avLst/>
-        </a:prstGeom>
-        <a:solidFill>
-          <a:schemeClr val="accent2">
-            <a:hueOff val="0"/>
-            <a:satOff val="0"/>
-            <a:lumOff val="0"/>
-            <a:alpha val="75000"/>
-          </a:schemeClr>
-        </a:solidFill>
-        <a:ln w="25400" cap="rnd" cmpd="sng" algn="ctr">
-          <a:solidFill>
-            <a:schemeClr val="lt1">
-              <a:hueOff val="0"/>
-              <a:satOff val="0"/>
-              <a:lumOff val="0"/>
-              <a:alphaOff val="0"/>
-            </a:schemeClr>
-          </a:solidFill>
-          <a:prstDash val="solid"/>
-        </a:ln>
-        <a:effectLst/>
-      </dsp:spPr>
-      <dsp:style>
-        <a:lnRef idx="3">
-          <a:scrgbClr r="0" g="0" b="0"/>
-        </a:lnRef>
-        <a:fillRef idx="1">
-          <a:scrgbClr r="0" g="0" b="0"/>
-        </a:fillRef>
-        <a:effectRef idx="1">
-          <a:scrgbClr r="0" g="0" b="0"/>
-        </a:effectRef>
-        <a:fontRef idx="minor">
-          <a:schemeClr val="lt1"/>
-        </a:fontRef>
-      </dsp:style>
-      <dsp:txBody>
-        <a:bodyPr spcFirstLastPara="0" vert="horz" wrap="square" lIns="91440" tIns="91440" rIns="91440" bIns="91440" numCol="1" spcCol="1270" anchor="ctr" anchorCtr="0">
-          <a:noAutofit/>
-        </a:bodyPr>
-        <a:lstStyle/>
-        <a:p>
-          <a:pPr marL="228600" lvl="1" indent="-228600" algn="l" defTabSz="1066800">
-            <a:lnSpc>
-              <a:spcPct val="90000"/>
-            </a:lnSpc>
-            <a:spcBef>
-              <a:spcPct val="0"/>
-            </a:spcBef>
-            <a:spcAft>
-              <a:spcPct val="15000"/>
-            </a:spcAft>
-            <a:buChar char="•"/>
-          </a:pPr>
-          <a:r>
-            <a:rPr lang="en-US" sz="2400" kern="1200" dirty="0"/>
-            <a:t>Cooks a great steak.  Really.</a:t>
-          </a:r>
-        </a:p>
-        <a:p>
-          <a:pPr marL="228600" lvl="1" indent="-228600" algn="l" defTabSz="1066800">
-            <a:lnSpc>
-              <a:spcPct val="90000"/>
-            </a:lnSpc>
-            <a:spcBef>
-              <a:spcPct val="0"/>
-            </a:spcBef>
-            <a:spcAft>
-              <a:spcPct val="15000"/>
-            </a:spcAft>
-            <a:buChar char="•"/>
-          </a:pPr>
-          <a:r>
-            <a:rPr lang="en-US" sz="2400" kern="1200" dirty="0"/>
-            <a:t>Makes pretty decent BBQ too.</a:t>
-          </a:r>
-        </a:p>
-        <a:p>
-          <a:pPr marL="228600" lvl="1" indent="-228600" algn="l" defTabSz="1066800">
-            <a:lnSpc>
-              <a:spcPct val="90000"/>
-            </a:lnSpc>
-            <a:spcBef>
-              <a:spcPct val="0"/>
-            </a:spcBef>
-            <a:spcAft>
-              <a:spcPct val="15000"/>
-            </a:spcAft>
-            <a:buChar char="•"/>
-          </a:pPr>
-          <a:r>
-            <a:rPr lang="en-US" sz="2400" kern="1200" dirty="0"/>
-            <a:t>Ruins pretty much everything else.</a:t>
-          </a:r>
-        </a:p>
-      </dsp:txBody>
-      <dsp:txXfrm>
-        <a:off x="4000653" y="2590094"/>
-        <a:ext cx="8501388" cy="1247400"/>
-      </dsp:txXfrm>
-    </dsp:sp>
-    <dsp:sp modelId="{B6AF5C79-9CCE-4B47-AAC5-A7F27331C73E}">
-      <dsp:nvSpPr>
-        <dsp:cNvPr id="0" name=""/>
-        <dsp:cNvSpPr/>
-      </dsp:nvSpPr>
-      <dsp:spPr>
-        <a:xfrm>
-          <a:off x="0" y="4369394"/>
-          <a:ext cx="3128565" cy="475200"/>
-        </a:xfrm>
-        <a:prstGeom prst="rect">
-          <a:avLst/>
-        </a:prstGeom>
-        <a:noFill/>
-        <a:ln>
-          <a:noFill/>
-        </a:ln>
-        <a:effectLst/>
-      </dsp:spPr>
-      <dsp:style>
-        <a:lnRef idx="0">
-          <a:scrgbClr r="0" g="0" b="0"/>
-        </a:lnRef>
-        <a:fillRef idx="0">
-          <a:scrgbClr r="0" g="0" b="0"/>
-        </a:fillRef>
-        <a:effectRef idx="0">
-          <a:scrgbClr r="0" g="0" b="0"/>
-        </a:effectRef>
-        <a:fontRef idx="minor"/>
-      </dsp:style>
-      <dsp:txBody>
-        <a:bodyPr spcFirstLastPara="0" vert="horz" wrap="square" lIns="170688" tIns="60960" rIns="170688" bIns="60960" numCol="1" spcCol="1270" anchor="ctr" anchorCtr="0">
-          <a:noAutofit/>
-        </a:bodyPr>
-        <a:lstStyle/>
-        <a:p>
-          <a:pPr marL="0" lvl="0" indent="0" algn="r" defTabSz="1066800">
-            <a:lnSpc>
-              <a:spcPct val="90000"/>
-            </a:lnSpc>
-            <a:spcBef>
-              <a:spcPct val="0"/>
-            </a:spcBef>
-            <a:spcAft>
-              <a:spcPct val="35000"/>
-            </a:spcAft>
-            <a:buNone/>
-          </a:pPr>
-          <a:r>
-            <a:rPr lang="en-US" sz="2400" kern="1200"/>
-            <a:t>Technology</a:t>
-          </a:r>
-        </a:p>
-      </dsp:txBody>
-      <dsp:txXfrm>
-        <a:off x="0" y="4369394"/>
-        <a:ext cx="3128565" cy="475200"/>
-      </dsp:txXfrm>
-    </dsp:sp>
-    <dsp:sp modelId="{DA5B37A1-A724-422C-97C1-B411552ABA48}">
-      <dsp:nvSpPr>
-        <dsp:cNvPr id="0" name=""/>
-        <dsp:cNvSpPr/>
-      </dsp:nvSpPr>
-      <dsp:spPr>
-        <a:xfrm>
-          <a:off x="3128565" y="3923894"/>
-          <a:ext cx="625713" cy="1366199"/>
-        </a:xfrm>
-        <a:prstGeom prst="leftBrace">
-          <a:avLst>
-            <a:gd name="adj1" fmla="val 35000"/>
-            <a:gd name="adj2" fmla="val 50000"/>
-          </a:avLst>
-        </a:prstGeom>
-        <a:noFill/>
-        <a:ln w="19050" cap="rnd" cmpd="sng" algn="ctr">
-          <a:solidFill>
-            <a:schemeClr val="accent2">
-              <a:shade val="60000"/>
-              <a:hueOff val="0"/>
-              <a:satOff val="0"/>
-              <a:lumOff val="0"/>
-              <a:alphaOff val="0"/>
-            </a:schemeClr>
-          </a:solidFill>
-          <a:prstDash val="solid"/>
-        </a:ln>
-        <a:effectLst/>
-      </dsp:spPr>
-      <dsp:style>
-        <a:lnRef idx="2">
-          <a:scrgbClr r="0" g="0" b="0"/>
-        </a:lnRef>
-        <a:fillRef idx="0">
-          <a:scrgbClr r="0" g="0" b="0"/>
-        </a:fillRef>
-        <a:effectRef idx="0">
-          <a:scrgbClr r="0" g="0" b="0"/>
-        </a:effectRef>
-        <a:fontRef idx="minor"/>
-      </dsp:style>
-    </dsp:sp>
-    <dsp:sp modelId="{8FB7ADF7-F3BE-4087-BD08-23C6ACCEB22A}">
-      <dsp:nvSpPr>
-        <dsp:cNvPr id="0" name=""/>
-        <dsp:cNvSpPr/>
-      </dsp:nvSpPr>
-      <dsp:spPr>
-        <a:xfrm>
-          <a:off x="4004564" y="3923894"/>
-          <a:ext cx="8509698" cy="1366199"/>
-        </a:xfrm>
-        <a:prstGeom prst="rect">
-          <a:avLst/>
-        </a:prstGeom>
-        <a:solidFill>
-          <a:schemeClr val="accent2">
-            <a:hueOff val="0"/>
-            <a:satOff val="0"/>
-            <a:lumOff val="0"/>
-            <a:alpha val="75000"/>
-          </a:schemeClr>
-        </a:solidFill>
-        <a:ln w="25400" cap="rnd" cmpd="sng" algn="ctr">
-          <a:solidFill>
-            <a:schemeClr val="lt1">
-              <a:hueOff val="0"/>
-              <a:satOff val="0"/>
-              <a:lumOff val="0"/>
-              <a:alphaOff val="0"/>
-            </a:schemeClr>
-          </a:solidFill>
-          <a:prstDash val="solid"/>
-        </a:ln>
-        <a:effectLst/>
-      </dsp:spPr>
-      <dsp:style>
-        <a:lnRef idx="3">
-          <a:scrgbClr r="0" g="0" b="0"/>
-        </a:lnRef>
-        <a:fillRef idx="1">
-          <a:scrgbClr r="0" g="0" b="0"/>
-        </a:fillRef>
-        <a:effectRef idx="1">
-          <a:scrgbClr r="0" g="0" b="0"/>
-        </a:effectRef>
-        <a:fontRef idx="minor">
-          <a:schemeClr val="lt1"/>
-        </a:fontRef>
-      </dsp:style>
-      <dsp:txBody>
-        <a:bodyPr spcFirstLastPara="0" vert="horz" wrap="square" lIns="83820" tIns="83820" rIns="83820" bIns="83820" numCol="1" spcCol="1270" anchor="ctr" anchorCtr="0">
-          <a:noAutofit/>
-        </a:bodyPr>
-        <a:lstStyle/>
-        <a:p>
-          <a:pPr marL="228600" lvl="1" indent="-228600" algn="l" defTabSz="977900">
-            <a:lnSpc>
-              <a:spcPct val="90000"/>
-            </a:lnSpc>
-            <a:spcBef>
-              <a:spcPct val="0"/>
-            </a:spcBef>
-            <a:spcAft>
-              <a:spcPct val="15000"/>
-            </a:spcAft>
-            <a:buChar char="•"/>
-          </a:pPr>
-          <a:r>
-            <a:rPr lang="en-US" sz="2200" kern="1200" dirty="0"/>
-            <a:t>Coding for a living 24 years.</a:t>
-          </a:r>
-        </a:p>
-        <a:p>
-          <a:pPr marL="228600" lvl="1" indent="-228600" algn="l" defTabSz="977900">
-            <a:lnSpc>
-              <a:spcPct val="90000"/>
-            </a:lnSpc>
-            <a:spcBef>
-              <a:spcPct val="0"/>
-            </a:spcBef>
-            <a:spcAft>
-              <a:spcPct val="15000"/>
-            </a:spcAft>
-            <a:buChar char="•"/>
-          </a:pPr>
-          <a:r>
-            <a:rPr lang="en-US" sz="2200" kern="1200" dirty="0"/>
-            <a:t>Full stack developer.</a:t>
-          </a:r>
-          <a:br>
-            <a:rPr lang="en-US" sz="2200" kern="1200" dirty="0"/>
-          </a:br>
-          <a:r>
-            <a:rPr lang="en-US" sz="1600" kern="1200" dirty="0"/>
-            <a:t>(Unless when you said “front-end developer” you meant “designer.”)</a:t>
-          </a:r>
-        </a:p>
-        <a:p>
-          <a:pPr marL="228600" lvl="1" indent="-228600" algn="l" defTabSz="977900">
-            <a:lnSpc>
-              <a:spcPct val="90000"/>
-            </a:lnSpc>
-            <a:spcBef>
-              <a:spcPct val="0"/>
-            </a:spcBef>
-            <a:spcAft>
-              <a:spcPct val="15000"/>
-            </a:spcAft>
-            <a:buChar char="•"/>
-          </a:pPr>
-          <a:r>
-            <a:rPr lang="en-US" sz="2200" kern="1200" dirty="0"/>
-            <a:t>2pɹ4ʍʞɔ48 pu4 uʍ0p 3pı5pdn 7331 37ıɹʍ u4ʞ</a:t>
-          </a:r>
-        </a:p>
-      </dsp:txBody>
-      <dsp:txXfrm>
-        <a:off x="4004564" y="3923894"/>
-        <a:ext cx="8509698" cy="1366199"/>
-      </dsp:txXfrm>
-    </dsp:sp>
-  </dsp:spTree>
-</dsp:drawing>
-</file>
-
-<file path=ppt/diagrams/drawing2.xml><?xml version="1.0" encoding="utf-8"?>
 <dsp:drawing xmlns:dgm="http://schemas.openxmlformats.org/drawingml/2006/diagram" xmlns:dsp="http://schemas.microsoft.com/office/drawing/2008/diagram" xmlns:a="http://schemas.openxmlformats.org/drawingml/2006/main">
   <dsp:spTree>
     <dsp:nvGrpSpPr>
@@ -10191,7 +7775,7 @@
 </dsp:drawing>
 </file>
 
-<file path=ppt/diagrams/drawing3.xml><?xml version="1.0" encoding="utf-8"?>
+<file path=ppt/diagrams/drawing2.xml><?xml version="1.0" encoding="utf-8"?>
 <dsp:drawing xmlns:dgm="http://schemas.openxmlformats.org/drawingml/2006/diagram" xmlns:dsp="http://schemas.microsoft.com/office/drawing/2008/diagram" xmlns:a="http://schemas.openxmlformats.org/drawingml/2006/main">
   <dsp:spTree>
     <dsp:nvGrpSpPr>
@@ -10641,7 +8225,7 @@
 </dsp:drawing>
 </file>
 
-<file path=ppt/diagrams/drawing4.xml><?xml version="1.0" encoding="utf-8"?>
+<file path=ppt/diagrams/drawing3.xml><?xml version="1.0" encoding="utf-8"?>
 <dsp:drawing xmlns:dgm="http://schemas.openxmlformats.org/drawingml/2006/diagram" xmlns:dsp="http://schemas.microsoft.com/office/drawing/2008/diagram" xmlns:a="http://schemas.openxmlformats.org/drawingml/2006/main">
   <dsp:spTree>
     <dsp:nvGrpSpPr>
@@ -11210,7 +8794,7 @@
 </dsp:drawing>
 </file>
 
-<file path=ppt/diagrams/drawing5.xml><?xml version="1.0" encoding="utf-8"?>
+<file path=ppt/diagrams/drawing4.xml><?xml version="1.0" encoding="utf-8"?>
 <dsp:drawing xmlns:dgm="http://schemas.openxmlformats.org/drawingml/2006/diagram" xmlns:dsp="http://schemas.microsoft.com/office/drawing/2008/diagram" xmlns:a="http://schemas.openxmlformats.org/drawingml/2006/main">
   <dsp:spTree>
     <dsp:nvGrpSpPr>
@@ -11856,7 +9440,7 @@
 </dsp:drawing>
 </file>
 
-<file path=ppt/diagrams/drawing6.xml><?xml version="1.0" encoding="utf-8"?>
+<file path=ppt/diagrams/drawing5.xml><?xml version="1.0" encoding="utf-8"?>
 <dsp:drawing xmlns:dgm="http://schemas.openxmlformats.org/drawingml/2006/diagram" xmlns:dsp="http://schemas.microsoft.com/office/drawing/2008/diagram" xmlns:a="http://schemas.openxmlformats.org/drawingml/2006/main">
   <dsp:spTree>
     <dsp:nvGrpSpPr>
@@ -12426,211 +10010,6 @@
 </file>
 
 <file path=ppt/diagrams/layout1.xml><?xml version="1.0" encoding="utf-8"?>
-<dgm:layoutDef xmlns:dgm="http://schemas.openxmlformats.org/drawingml/2006/diagram" xmlns:a="http://schemas.openxmlformats.org/drawingml/2006/main" uniqueId="urn:diagrams.loki3.com/BracketList">
-  <dgm:title val="Vertical Bracket List"/>
-  <dgm:desc val="Use to show grouped blocks of information.  Works well with large amounts of Level 2 text."/>
-  <dgm:catLst>
-    <dgm:cat type="list" pri="4110"/>
-    <dgm:cat type="officeonline" pri="3000"/>
-  </dgm:catLst>
-  <dgm:sampData>
-    <dgm:dataModel>
-      <dgm:ptLst>
-        <dgm:pt modelId="0" type="doc"/>
-        <dgm:pt modelId="1">
-          <dgm:prSet phldr="1"/>
-        </dgm:pt>
-        <dgm:pt modelId="11">
-          <dgm:prSet phldr="1"/>
-        </dgm:pt>
-        <dgm:pt modelId="2">
-          <dgm:prSet phldr="1"/>
-        </dgm:pt>
-        <dgm:pt modelId="21">
-          <dgm:prSet phldr="1"/>
-        </dgm:pt>
-      </dgm:ptLst>
-      <dgm:cxnLst>
-        <dgm:cxn modelId="3" srcId="0" destId="1" srcOrd="0" destOrd="0"/>
-        <dgm:cxn modelId="4" srcId="1" destId="11" srcOrd="0" destOrd="0"/>
-        <dgm:cxn modelId="5" srcId="0" destId="2" srcOrd="0" destOrd="0"/>
-        <dgm:cxn modelId="6" srcId="2" destId="21" srcOrd="0" destOrd="0"/>
-      </dgm:cxnLst>
-      <dgm:bg/>
-      <dgm:whole/>
-    </dgm:dataModel>
-  </dgm:sampData>
-  <dgm:styleData useDef="1">
-    <dgm:dataModel>
-      <dgm:ptLst/>
-      <dgm:bg/>
-      <dgm:whole/>
-    </dgm:dataModel>
-  </dgm:styleData>
-  <dgm:clrData useDef="1">
-    <dgm:dataModel>
-      <dgm:ptLst/>
-      <dgm:bg/>
-      <dgm:whole/>
-    </dgm:dataModel>
-  </dgm:clrData>
-  <dgm:layoutNode name="Name0">
-    <dgm:varLst>
-      <dgm:dir/>
-      <dgm:animLvl val="lvl"/>
-      <dgm:resizeHandles val="exact"/>
-    </dgm:varLst>
-    <dgm:choose name="Name1">
-      <dgm:if name="Name2" func="var" arg="dir" op="equ" val="norm">
-        <dgm:alg type="lin">
-          <dgm:param type="linDir" val="fromT"/>
-          <dgm:param type="nodeHorzAlign" val="l"/>
-        </dgm:alg>
-      </dgm:if>
-      <dgm:else name="Name3">
-        <dgm:alg type="lin">
-          <dgm:param type="linDir" val="fromT"/>
-          <dgm:param type="nodeHorzAlign" val="r"/>
-        </dgm:alg>
-      </dgm:else>
-    </dgm:choose>
-    <dgm:shape xmlns:r="http://schemas.openxmlformats.org/officeDocument/2006/relationships" r:blip="">
-      <dgm:adjLst/>
-    </dgm:shape>
-    <dgm:presOf/>
-    <dgm:constrLst>
-      <dgm:constr type="h" for="ch" forName="linNode" refType="h"/>
-      <dgm:constr type="w" for="ch" forName="linNode" refType="w"/>
-      <dgm:constr type="h" for="ch" forName="spV" refType="primFontSz" refFor="des" refForName="parTx" fact="0.1"/>
-      <dgm:constr type="primFontSz" for="des" forName="parTx" val="65"/>
-      <dgm:constr type="primFontSz" for="des" forName="desTx" refType="primFontSz" refFor="des" refForName="parTx"/>
-      <dgm:constr type="h" for="des" forName="parTx" refType="primFontSz" refFor="des" refForName="parTx" fact="0.55"/>
-      <dgm:constr type="h" for="des" forName="bracket" refType="primFontSz" refFor="des" refForName="parTx" fact="0.55"/>
-      <dgm:constr type="h" for="des" forName="desTx" refType="primFontSz" refFor="des" refForName="parTx" fact="0.55"/>
-    </dgm:constrLst>
-    <dgm:ruleLst>
-      <dgm:rule type="primFontSz" for="des" forName="parTx" val="5" fact="NaN" max="NaN"/>
-    </dgm:ruleLst>
-    <dgm:forEach name="Name4" axis="ch" ptType="node">
-      <dgm:layoutNode name="linNode">
-        <dgm:choose name="Name5">
-          <dgm:if name="Name6" func="var" arg="dir" op="equ" val="norm">
-            <dgm:alg type="lin">
-              <dgm:param type="linDir" val="fromL"/>
-            </dgm:alg>
-          </dgm:if>
-          <dgm:else name="Name7">
-            <dgm:alg type="lin">
-              <dgm:param type="linDir" val="fromR"/>
-            </dgm:alg>
-          </dgm:else>
-        </dgm:choose>
-        <dgm:shape xmlns:r="http://schemas.openxmlformats.org/officeDocument/2006/relationships" r:blip="">
-          <dgm:adjLst/>
-        </dgm:shape>
-        <dgm:presOf/>
-        <dgm:constrLst>
-          <dgm:constr type="w" for="ch" forName="parTx" refType="w" fact="0.25"/>
-          <dgm:constr type="w" for="ch" forName="bracket" refType="w" fact="0.05"/>
-          <dgm:constr type="w" for="ch" forName="spH" refType="w" fact="0.02"/>
-          <dgm:constr type="w" for="ch" forName="desTx" refType="w" fact="0.68"/>
-          <dgm:constr type="h" for="ch" forName="bracket" refType="h" refFor="ch" refForName="desTx" op="gte"/>
-          <dgm:constr type="h" for="ch" forName="bracket" refType="h" refFor="ch" refForName="parTx" op="gte"/>
-          <dgm:constr type="h" for="ch" forName="desTx" refType="h" refFor="ch" refForName="parTx" op="gte"/>
-        </dgm:constrLst>
-        <dgm:ruleLst/>
-        <dgm:layoutNode name="parTx" styleLbl="revTx">
-          <dgm:varLst>
-            <dgm:chMax val="1"/>
-            <dgm:bulletEnabled val="1"/>
-          </dgm:varLst>
-          <dgm:choose name="Name8">
-            <dgm:if name="Name9" func="var" arg="dir" op="equ" val="norm">
-              <dgm:alg type="tx">
-                <dgm:param type="parTxLTRAlign" val="r"/>
-              </dgm:alg>
-            </dgm:if>
-            <dgm:else name="Name10">
-              <dgm:alg type="tx">
-                <dgm:param type="parTxLTRAlign" val="l"/>
-              </dgm:alg>
-            </dgm:else>
-          </dgm:choose>
-          <dgm:shape xmlns:r="http://schemas.openxmlformats.org/officeDocument/2006/relationships" type="rect" r:blip="">
-            <dgm:adjLst/>
-          </dgm:shape>
-          <dgm:presOf axis="self" ptType="node"/>
-          <dgm:constrLst>
-            <dgm:constr type="tMarg" refType="primFontSz" fact="0.2"/>
-            <dgm:constr type="bMarg" refType="primFontSz" fact="0.2"/>
-          </dgm:constrLst>
-          <dgm:ruleLst>
-            <dgm:rule type="h" val="INF" fact="NaN" max="NaN"/>
-          </dgm:ruleLst>
-        </dgm:layoutNode>
-        <dgm:layoutNode name="bracket" styleLbl="parChTrans1D1">
-          <dgm:alg type="sp"/>
-          <dgm:choose name="Name11">
-            <dgm:if name="Name12" func="var" arg="dir" op="equ" val="norm">
-              <dgm:shape xmlns:r="http://schemas.openxmlformats.org/officeDocument/2006/relationships" type="leftBrace" r:blip="">
-                <dgm:adjLst>
-                  <dgm:adj idx="1" val="0.35"/>
-                </dgm:adjLst>
-              </dgm:shape>
-            </dgm:if>
-            <dgm:else name="Name13">
-              <dgm:shape xmlns:r="http://schemas.openxmlformats.org/officeDocument/2006/relationships" rot="180" type="leftBrace" r:blip="">
-                <dgm:adjLst>
-                  <dgm:adj idx="1" val="0.35"/>
-                </dgm:adjLst>
-              </dgm:shape>
-            </dgm:else>
-          </dgm:choose>
-          <dgm:presOf/>
-        </dgm:layoutNode>
-        <dgm:layoutNode name="spH">
-          <dgm:alg type="sp"/>
-        </dgm:layoutNode>
-        <dgm:choose name="Name14">
-          <dgm:if name="Name15" axis="ch" ptType="node" func="cnt" op="gte" val="1">
-            <dgm:layoutNode name="desTx" styleLbl="node1">
-              <dgm:varLst>
-                <dgm:bulletEnabled val="1"/>
-              </dgm:varLst>
-              <dgm:alg type="tx">
-                <dgm:param type="stBulletLvl" val="1"/>
-                <dgm:param type="txAnchorVertCh" val="mid"/>
-              </dgm:alg>
-              <dgm:shape xmlns:r="http://schemas.openxmlformats.org/officeDocument/2006/relationships" type="rect" r:blip="">
-                <dgm:adjLst/>
-              </dgm:shape>
-              <dgm:presOf axis="des" ptType="node"/>
-              <dgm:constrLst>
-                <dgm:constr type="secFontSz" refType="primFontSz"/>
-                <dgm:constr type="tMarg" refType="primFontSz" fact="0.3"/>
-                <dgm:constr type="bMarg" refType="primFontSz" fact="0.3"/>
-                <dgm:constr type="lMarg" refType="primFontSz" fact="0.3"/>
-                <dgm:constr type="rMarg" refType="primFontSz" fact="0.3"/>
-              </dgm:constrLst>
-              <dgm:ruleLst>
-                <dgm:rule type="h" val="INF" fact="NaN" max="NaN"/>
-              </dgm:ruleLst>
-            </dgm:layoutNode>
-          </dgm:if>
-          <dgm:else name="Name16"/>
-        </dgm:choose>
-      </dgm:layoutNode>
-      <dgm:forEach name="Name17" axis="followSib" ptType="sibTrans" cnt="1">
-        <dgm:layoutNode name="spV">
-          <dgm:alg type="sp"/>
-        </dgm:layoutNode>
-      </dgm:forEach>
-    </dgm:forEach>
-  </dgm:layoutNode>
-</dgm:layoutDef>
-</file>
-
-<file path=ppt/diagrams/layout2.xml><?xml version="1.0" encoding="utf-8"?>
 <dgm:layoutDef xmlns:dgm="http://schemas.openxmlformats.org/drawingml/2006/diagram" xmlns:a="http://schemas.openxmlformats.org/drawingml/2006/main" uniqueId="urn:microsoft.com/office/officeart/2008/layout/IncreasingCircleProcess">
   <dgm:title val=""/>
   <dgm:desc val=""/>
@@ -13157,6 +10536,413 @@
             <dgm:adjLst/>
           </dgm:shape>
         </dgm:layoutNode>
+      </dgm:forEach>
+    </dgm:forEach>
+  </dgm:layoutNode>
+</dgm:layoutDef>
+</file>
+
+<file path=ppt/diagrams/layout2.xml><?xml version="1.0" encoding="utf-8"?>
+<dgm:layoutDef xmlns:dgm="http://schemas.openxmlformats.org/drawingml/2006/diagram" xmlns:a="http://schemas.openxmlformats.org/drawingml/2006/main" uniqueId="urn:microsoft.com/office/officeart/2005/8/layout/radial6">
+  <dgm:title val=""/>
+  <dgm:desc val=""/>
+  <dgm:catLst>
+    <dgm:cat type="cycle" pri="9000"/>
+    <dgm:cat type="relationship" pri="21000"/>
+  </dgm:catLst>
+  <dgm:sampData>
+    <dgm:dataModel>
+      <dgm:ptLst>
+        <dgm:pt modelId="0" type="doc"/>
+        <dgm:pt modelId="1">
+          <dgm:prSet phldr="1"/>
+        </dgm:pt>
+        <dgm:pt modelId="11">
+          <dgm:prSet phldr="1"/>
+        </dgm:pt>
+        <dgm:pt modelId="12">
+          <dgm:prSet phldr="1"/>
+        </dgm:pt>
+        <dgm:pt modelId="13">
+          <dgm:prSet phldr="1"/>
+        </dgm:pt>
+        <dgm:pt modelId="14">
+          <dgm:prSet phldr="1"/>
+        </dgm:pt>
+      </dgm:ptLst>
+      <dgm:cxnLst>
+        <dgm:cxn modelId="2" srcId="0" destId="1" srcOrd="0" destOrd="0"/>
+        <dgm:cxn modelId="3" srcId="1" destId="11" srcOrd="0" destOrd="0"/>
+        <dgm:cxn modelId="4" srcId="1" destId="12" srcOrd="1" destOrd="0"/>
+        <dgm:cxn modelId="5" srcId="1" destId="13" srcOrd="2" destOrd="0"/>
+        <dgm:cxn modelId="6" srcId="1" destId="14" srcOrd="3" destOrd="0"/>
+      </dgm:cxnLst>
+      <dgm:bg/>
+      <dgm:whole/>
+    </dgm:dataModel>
+  </dgm:sampData>
+  <dgm:styleData>
+    <dgm:dataModel>
+      <dgm:ptLst>
+        <dgm:pt modelId="0" type="doc"/>
+        <dgm:pt modelId="1"/>
+        <dgm:pt modelId="11"/>
+        <dgm:pt modelId="12"/>
+        <dgm:pt modelId="13"/>
+      </dgm:ptLst>
+      <dgm:cxnLst>
+        <dgm:cxn modelId="2" srcId="0" destId="1" srcOrd="0" destOrd="0"/>
+        <dgm:cxn modelId="15" srcId="1" destId="11" srcOrd="0" destOrd="0"/>
+        <dgm:cxn modelId="16" srcId="1" destId="12" srcOrd="1" destOrd="0"/>
+        <dgm:cxn modelId="17" srcId="1" destId="13" srcOrd="2" destOrd="0"/>
+      </dgm:cxnLst>
+      <dgm:bg/>
+      <dgm:whole/>
+    </dgm:dataModel>
+  </dgm:styleData>
+  <dgm:clrData>
+    <dgm:dataModel>
+      <dgm:ptLst>
+        <dgm:pt modelId="0" type="doc"/>
+        <dgm:pt modelId="1"/>
+        <dgm:pt modelId="11"/>
+        <dgm:pt modelId="12"/>
+        <dgm:pt modelId="13"/>
+        <dgm:pt modelId="14"/>
+        <dgm:pt modelId="15"/>
+        <dgm:pt modelId="16"/>
+      </dgm:ptLst>
+      <dgm:cxnLst>
+        <dgm:cxn modelId="2" srcId="0" destId="1" srcOrd="0" destOrd="0"/>
+        <dgm:cxn modelId="16" srcId="1" destId="11" srcOrd="0" destOrd="0"/>
+        <dgm:cxn modelId="17" srcId="1" destId="12" srcOrd="1" destOrd="0"/>
+        <dgm:cxn modelId="18" srcId="1" destId="13" srcOrd="2" destOrd="0"/>
+        <dgm:cxn modelId="19" srcId="1" destId="14" srcOrd="3" destOrd="0"/>
+        <dgm:cxn modelId="20" srcId="1" destId="15" srcOrd="4" destOrd="0"/>
+        <dgm:cxn modelId="21" srcId="1" destId="16" srcOrd="5" destOrd="0"/>
+      </dgm:cxnLst>
+      <dgm:bg/>
+      <dgm:whole/>
+    </dgm:dataModel>
+  </dgm:clrData>
+  <dgm:layoutNode name="Name0">
+    <dgm:varLst>
+      <dgm:chMax val="1"/>
+      <dgm:dir/>
+      <dgm:animLvl val="ctr"/>
+      <dgm:resizeHandles val="exact"/>
+    </dgm:varLst>
+    <dgm:choose name="Name1">
+      <dgm:if name="Name2" func="var" arg="dir" op="equ" val="norm">
+        <dgm:choose name="Name3">
+          <dgm:if name="Name4" axis="ch ch" ptType="node node" st="1 1" cnt="1 0" func="cnt" op="lte" val="1">
+            <dgm:alg type="cycle">
+              <dgm:param type="stAng" val="90"/>
+              <dgm:param type="spanAng" val="360"/>
+              <dgm:param type="ctrShpMap" val="fNode"/>
+            </dgm:alg>
+          </dgm:if>
+          <dgm:else name="Name5">
+            <dgm:alg type="cycle">
+              <dgm:param type="stAng" val="0"/>
+              <dgm:param type="spanAng" val="360"/>
+              <dgm:param type="ctrShpMap" val="fNode"/>
+            </dgm:alg>
+          </dgm:else>
+        </dgm:choose>
+      </dgm:if>
+      <dgm:else name="Name6">
+        <dgm:choose name="Name7">
+          <dgm:if name="Name8" axis="ch ch" ptType="node node" st="1 1" cnt="1 0" func="cnt" op="lte" val="1">
+            <dgm:alg type="cycle">
+              <dgm:param type="stAng" val="-90"/>
+              <dgm:param type="spanAng" val="360"/>
+              <dgm:param type="ctrShpMap" val="fNode"/>
+            </dgm:alg>
+          </dgm:if>
+          <dgm:else name="Name9">
+            <dgm:alg type="cycle">
+              <dgm:param type="stAng" val="0"/>
+              <dgm:param type="spanAng" val="-360"/>
+              <dgm:param type="ctrShpMap" val="fNode"/>
+            </dgm:alg>
+          </dgm:else>
+        </dgm:choose>
+      </dgm:else>
+    </dgm:choose>
+    <dgm:shape xmlns:r="http://schemas.openxmlformats.org/officeDocument/2006/relationships" r:blip="">
+      <dgm:adjLst/>
+    </dgm:shape>
+    <dgm:presOf/>
+    <dgm:choose name="Name10">
+      <dgm:if name="Name11" func="var" arg="dir" op="equ" val="norm">
+        <dgm:choose name="Name12">
+          <dgm:if name="Name13" axis="ch ch" ptType="node node" st="1 1" cnt="1 0" func="cnt" op="equ" val="1">
+            <dgm:constrLst>
+              <dgm:constr type="diam" val="170"/>
+              <dgm:constr type="w" for="ch" forName="centerShape" refType="w"/>
+              <dgm:constr type="w" for="ch" forName="oneComp" refType="w" refFor="ch" refForName="centerShape" op="equ" fact="0.7"/>
+              <dgm:constr type="sp" refType="w" refFor="ch" refForName="oneComp" fact="0.3"/>
+              <dgm:constr type="sibSp" refType="w" refFor="ch" refForName="oneComp" fact="0.3"/>
+              <dgm:constr type="primFontSz" for="ch" forName="centerShape" val="65"/>
+              <dgm:constr type="primFontSz" for="des" forName="oneNode" refType="primFontSz" refFor="ch" refForName="centerShape" fact="0.95"/>
+              <dgm:constr type="primFontSz" for="des" forName="oneNode" refType="primFontSz" refFor="ch" refForName="centerShape" op="lte" fact="0.95"/>
+              <dgm:constr type="diam" for="ch" forName="singleconn" refType="diam" op="equ" fact="-1"/>
+              <dgm:constr type="h" for="ch" forName="singleconn" refType="w" refFor="ch" refForName="oneComp" fact="0.24"/>
+              <dgm:constr type="w" for="ch" forName="dummya" refType="w" refFor="ch" refForName="oneComp" op="equ"/>
+              <dgm:constr type="w" for="ch" forName="dummyb" refType="w" refFor="ch" refForName="oneComp" op="equ"/>
+              <dgm:constr type="w" for="ch" forName="dummyc" refType="w" refFor="ch" refForName="oneComp" op="equ"/>
+            </dgm:constrLst>
+          </dgm:if>
+          <dgm:else name="Name14">
+            <dgm:constrLst>
+              <dgm:constr type="diam" val="170"/>
+              <dgm:constr type="w" for="ch" forName="centerShape" refType="w"/>
+              <dgm:constr type="w" for="ch" forName="node" refType="w" refFor="ch" refForName="centerShape" op="equ" fact="0.7"/>
+              <dgm:constr type="sp" refType="w" refFor="ch" refForName="node" fact="0.3"/>
+              <dgm:constr type="sibSp" refType="w" refFor="ch" refForName="node" fact="0.3"/>
+              <dgm:constr type="primFontSz" for="ch" forName="centerShape" val="65"/>
+              <dgm:constr type="primFontSz" for="des" forName="node" refType="primFontSz" refFor="ch" refForName="centerShape" fact="0.78"/>
+              <dgm:constr type="primFontSz" for="ch" forName="node" refType="primFontSz" refFor="ch" refForName="centerShape" op="lte" fact="0.95"/>
+              <dgm:constr type="diam" for="ch" forName="sibTrans" refType="diam" op="equ"/>
+              <dgm:constr type="h" for="ch" forName="sibTrans" refType="w" refFor="ch" refForName="node" fact="0.24"/>
+              <dgm:constr type="w" for="ch" forName="dummy" val="1"/>
+            </dgm:constrLst>
+          </dgm:else>
+        </dgm:choose>
+      </dgm:if>
+      <dgm:else name="Name15">
+        <dgm:choose name="Name16">
+          <dgm:if name="Name17" axis="ch ch" ptType="node node" st="1 1" cnt="1 0" func="cnt" op="equ" val="1">
+            <dgm:constrLst>
+              <dgm:constr type="diam" val="170"/>
+              <dgm:constr type="w" for="ch" forName="centerShape" refType="w"/>
+              <dgm:constr type="w" for="ch" forName="oneComp" refType="w" refFor="ch" refForName="centerShape" op="equ" fact="0.7"/>
+              <dgm:constr type="sp" refType="w" refFor="ch" refForName="oneComp" fact="0.3"/>
+              <dgm:constr type="sibSp" refType="w" refFor="ch" refForName="oneComp" fact="0.3"/>
+              <dgm:constr type="primFontSz" for="ch" forName="centerShape" val="65"/>
+              <dgm:constr type="primFontSz" for="des" forName="oneNode" refType="primFontSz" refFor="ch" refForName="centerShape" fact="0.95"/>
+              <dgm:constr type="primFontSz" for="ch" forName="oneNode" refType="primFontSz" refFor="ch" refForName="centerShape" op="lte" fact="0.95"/>
+              <dgm:constr type="diam" for="ch" forName="singleconn" refType="diam"/>
+              <dgm:constr type="h" for="ch" forName="singleconn" refType="w" refFor="ch" refForName="oneComp" fact="0.24"/>
+              <dgm:constr type="diam" for="ch" refType="diam" op="equ"/>
+              <dgm:constr type="w" for="ch" forName="dummya" refType="w" refFor="ch" refForName="oneComp" op="equ"/>
+              <dgm:constr type="w" for="ch" forName="dummyb" refType="w" refFor="ch" refForName="oneComp" op="equ"/>
+              <dgm:constr type="w" for="ch" forName="dummyc" refType="w" refFor="ch" refForName="oneComp" op="equ"/>
+            </dgm:constrLst>
+          </dgm:if>
+          <dgm:else name="Name18">
+            <dgm:constrLst>
+              <dgm:constr type="diam" val="170"/>
+              <dgm:constr type="w" for="ch" forName="centerShape" refType="w"/>
+              <dgm:constr type="w" for="ch" forName="node" refType="w" refFor="ch" refForName="centerShape" op="equ" fact="0.7"/>
+              <dgm:constr type="sp" refType="w" refFor="ch" refForName="node" fact="0.3"/>
+              <dgm:constr type="sibSp" refType="w" refFor="ch" refForName="node" fact="0.3"/>
+              <dgm:constr type="primFontSz" for="ch" forName="centerShape" val="65"/>
+              <dgm:constr type="primFontSz" for="des" forName="node" refType="primFontSz" refFor="ch" refForName="centerShape" fact="0.78"/>
+              <dgm:constr type="primFontSz" for="ch" forName="node" refType="primFontSz" refFor="ch" refForName="centerShape" op="lte" fact="0.95"/>
+              <dgm:constr type="diam" for="ch" ptType="sibTrans" refType="diam" fact="-1"/>
+              <dgm:constr type="h" for="ch" forName="sibTrans" refType="w" refFor="ch" refForName="node" fact="0.24"/>
+              <dgm:constr type="diam" for="ch" refType="diam" op="equ" fact="-1"/>
+              <dgm:constr type="w" for="ch" forName="dummy" val="1"/>
+            </dgm:constrLst>
+          </dgm:else>
+        </dgm:choose>
+      </dgm:else>
+    </dgm:choose>
+    <dgm:ruleLst>
+      <dgm:rule type="diam" val="INF" fact="NaN" max="NaN"/>
+    </dgm:ruleLst>
+    <dgm:forEach name="Name19" axis="ch" ptType="node" cnt="1">
+      <dgm:layoutNode name="centerShape" styleLbl="node0">
+        <dgm:alg type="tx"/>
+        <dgm:shape xmlns:r="http://schemas.openxmlformats.org/officeDocument/2006/relationships" type="ellipse" r:blip="">
+          <dgm:adjLst/>
+        </dgm:shape>
+        <dgm:presOf axis="self"/>
+        <dgm:constrLst>
+          <dgm:constr type="h" refType="w"/>
+          <dgm:constr type="tMarg" refType="primFontSz" fact="0.1"/>
+          <dgm:constr type="bMarg" refType="primFontSz" fact="0.1"/>
+          <dgm:constr type="lMarg" refType="primFontSz" fact="0.1"/>
+          <dgm:constr type="rMarg" refType="primFontSz" fact="0.1"/>
+        </dgm:constrLst>
+        <dgm:ruleLst>
+          <dgm:rule type="primFontSz" val="5" fact="NaN" max="NaN"/>
+        </dgm:ruleLst>
+      </dgm:layoutNode>
+      <dgm:forEach name="Name20" axis="ch">
+        <dgm:forEach name="Name21" axis="self" ptType="node">
+          <dgm:choose name="Name22">
+            <dgm:if name="Name23" axis="par ch" ptType="node node" func="cnt" op="gt" val="1">
+              <dgm:layoutNode name="node" styleLbl="node1">
+                <dgm:varLst>
+                  <dgm:bulletEnabled val="1"/>
+                </dgm:varLst>
+                <dgm:alg type="tx">
+                  <dgm:param type="txAnchorVertCh" val="mid"/>
+                </dgm:alg>
+                <dgm:shape xmlns:r="http://schemas.openxmlformats.org/officeDocument/2006/relationships" type="ellipse" r:blip="">
+                  <dgm:adjLst/>
+                </dgm:shape>
+                <dgm:presOf axis="desOrSelf" ptType="node"/>
+                <dgm:constrLst>
+                  <dgm:constr type="h" refType="w"/>
+                  <dgm:constr type="tMarg" refType="primFontSz" fact="0.1"/>
+                  <dgm:constr type="bMarg" refType="primFontSz" fact="0.1"/>
+                  <dgm:constr type="lMarg" refType="primFontSz" fact="0.1"/>
+                  <dgm:constr type="rMarg" refType="primFontSz" fact="0.1"/>
+                </dgm:constrLst>
+                <dgm:ruleLst>
+                  <dgm:rule type="primFontSz" val="5" fact="NaN" max="NaN"/>
+                </dgm:ruleLst>
+              </dgm:layoutNode>
+              <dgm:layoutNode name="dummy">
+                <dgm:alg type="sp"/>
+                <dgm:shape xmlns:r="http://schemas.openxmlformats.org/officeDocument/2006/relationships" r:blip="">
+                  <dgm:adjLst/>
+                </dgm:shape>
+                <dgm:presOf/>
+                <dgm:constrLst>
+                  <dgm:constr type="h" refType="w"/>
+                </dgm:constrLst>
+                <dgm:ruleLst/>
+              </dgm:layoutNode>
+              <dgm:forEach name="sibTransForEach" axis="followSib" ptType="sibTrans" hideLastTrans="0" cnt="1">
+                <dgm:layoutNode name="sibTrans" styleLbl="sibTrans2D1">
+                  <dgm:alg type="conn">
+                    <dgm:param type="connRout" val="curve"/>
+                    <dgm:param type="begPts" val="ctr"/>
+                    <dgm:param type="endPts" val="ctr"/>
+                    <dgm:param type="begSty" val="noArr"/>
+                    <dgm:param type="endSty" val="noArr"/>
+                    <dgm:param type="dstNode" val="node"/>
+                  </dgm:alg>
+                  <dgm:shape xmlns:r="http://schemas.openxmlformats.org/officeDocument/2006/relationships" type="conn" r:blip="" zOrderOff="-999">
+                    <dgm:adjLst/>
+                  </dgm:shape>
+                  <dgm:presOf axis="self"/>
+                  <dgm:constrLst>
+                    <dgm:constr type="begPad"/>
+                    <dgm:constr type="endPad"/>
+                  </dgm:constrLst>
+                  <dgm:ruleLst/>
+                </dgm:layoutNode>
+              </dgm:forEach>
+            </dgm:if>
+            <dgm:if name="Name24" axis="par ch" ptType="node node" func="cnt" op="equ" val="1">
+              <dgm:layoutNode name="oneComp">
+                <dgm:alg type="composite">
+                  <dgm:param type="ar" val="1"/>
+                </dgm:alg>
+                <dgm:shape xmlns:r="http://schemas.openxmlformats.org/officeDocument/2006/relationships" r:blip="">
+                  <dgm:adjLst/>
+                </dgm:shape>
+                <dgm:presOf/>
+                <dgm:constrLst>
+                  <dgm:constr type="h" refType="w"/>
+                  <dgm:constr type="l" for="ch" forName="dummyConnPt" refType="w" fact="0.5"/>
+                  <dgm:constr type="t" for="ch" forName="dummyConnPt" refType="w" fact="0.5"/>
+                  <dgm:constr type="l" for="ch" forName="oneNode"/>
+                  <dgm:constr type="t" for="ch" forName="oneNode"/>
+                  <dgm:constr type="h" for="ch" forName="oneNode" refType="h"/>
+                  <dgm:constr type="w" for="ch" forName="oneNode" refType="w"/>
+                </dgm:constrLst>
+                <dgm:ruleLst/>
+                <dgm:layoutNode name="dummyConnPt" styleLbl="node1">
+                  <dgm:alg type="sp"/>
+                  <dgm:shape xmlns:r="http://schemas.openxmlformats.org/officeDocument/2006/relationships" r:blip="">
+                    <dgm:adjLst/>
+                  </dgm:shape>
+                  <dgm:presOf/>
+                  <dgm:constrLst>
+                    <dgm:constr type="w" val="1"/>
+                    <dgm:constr type="h" val="1"/>
+                  </dgm:constrLst>
+                  <dgm:ruleLst/>
+                </dgm:layoutNode>
+                <dgm:layoutNode name="oneNode" styleLbl="node1">
+                  <dgm:varLst>
+                    <dgm:bulletEnabled val="1"/>
+                  </dgm:varLst>
+                  <dgm:alg type="tx">
+                    <dgm:param type="txAnchorVertCh" val="mid"/>
+                  </dgm:alg>
+                  <dgm:shape xmlns:r="http://schemas.openxmlformats.org/officeDocument/2006/relationships" type="ellipse" r:blip="">
+                    <dgm:adjLst/>
+                  </dgm:shape>
+                  <dgm:presOf axis="desOrSelf" ptType="node"/>
+                  <dgm:constrLst>
+                    <dgm:constr type="h" refType="w"/>
+                    <dgm:constr type="tMarg" refType="primFontSz" fact="0.1"/>
+                    <dgm:constr type="bMarg" refType="primFontSz" fact="0.1"/>
+                    <dgm:constr type="lMarg" refType="primFontSz" fact="0.1"/>
+                    <dgm:constr type="rMarg" refType="primFontSz" fact="0.1"/>
+                  </dgm:constrLst>
+                  <dgm:ruleLst>
+                    <dgm:rule type="primFontSz" val="5" fact="NaN" max="NaN"/>
+                  </dgm:ruleLst>
+                </dgm:layoutNode>
+              </dgm:layoutNode>
+              <dgm:layoutNode name="dummya">
+                <dgm:alg type="sp"/>
+                <dgm:shape xmlns:r="http://schemas.openxmlformats.org/officeDocument/2006/relationships" r:blip="">
+                  <dgm:adjLst/>
+                </dgm:shape>
+                <dgm:presOf/>
+                <dgm:constrLst>
+                  <dgm:constr type="h" refType="w"/>
+                </dgm:constrLst>
+                <dgm:ruleLst/>
+              </dgm:layoutNode>
+              <dgm:layoutNode name="dummyb">
+                <dgm:alg type="sp"/>
+                <dgm:shape xmlns:r="http://schemas.openxmlformats.org/officeDocument/2006/relationships" r:blip="">
+                  <dgm:adjLst/>
+                </dgm:shape>
+                <dgm:presOf/>
+                <dgm:constrLst>
+                  <dgm:constr type="h" refType="w"/>
+                </dgm:constrLst>
+                <dgm:ruleLst/>
+              </dgm:layoutNode>
+              <dgm:layoutNode name="dummyc">
+                <dgm:alg type="sp"/>
+                <dgm:shape xmlns:r="http://schemas.openxmlformats.org/officeDocument/2006/relationships" r:blip="">
+                  <dgm:adjLst/>
+                </dgm:shape>
+                <dgm:presOf/>
+                <dgm:constrLst>
+                  <dgm:constr type="h" refType="w"/>
+                </dgm:constrLst>
+                <dgm:ruleLst/>
+              </dgm:layoutNode>
+              <dgm:forEach name="sibTransForEach1" axis="followSib" ptType="sibTrans" hideLastTrans="0" cnt="1">
+                <dgm:layoutNode name="singleconn" styleLbl="sibTrans2D1">
+                  <dgm:alg type="conn">
+                    <dgm:param type="connRout" val="longCurve"/>
+                    <dgm:param type="begPts" val="bCtr"/>
+                    <dgm:param type="endPts" val="tCtr"/>
+                    <dgm:param type="begSty" val="noArr"/>
+                    <dgm:param type="endSty" val="noArr"/>
+                    <dgm:param type="srcNode" val="dummyConnPt"/>
+                    <dgm:param type="dstNode" val="dummyConnPt"/>
+                  </dgm:alg>
+                  <dgm:shape xmlns:r="http://schemas.openxmlformats.org/officeDocument/2006/relationships" type="conn" r:blip="" zOrderOff="-999">
+                    <dgm:adjLst/>
+                  </dgm:shape>
+                  <dgm:presOf axis="self"/>
+                  <dgm:constrLst>
+                    <dgm:constr type="begPad"/>
+                    <dgm:constr type="endPad"/>
+                  </dgm:constrLst>
+                  <dgm:ruleLst/>
+                </dgm:layoutNode>
+              </dgm:forEach>
+            </dgm:if>
+            <dgm:else name="Name25"/>
+          </dgm:choose>
+        </dgm:forEach>
       </dgm:forEach>
     </dgm:forEach>
   </dgm:layoutNode>
@@ -14384,413 +12170,6 @@
 </dgm:layoutDef>
 </file>
 
-<file path=ppt/diagrams/layout6.xml><?xml version="1.0" encoding="utf-8"?>
-<dgm:layoutDef xmlns:dgm="http://schemas.openxmlformats.org/drawingml/2006/diagram" xmlns:a="http://schemas.openxmlformats.org/drawingml/2006/main" uniqueId="urn:microsoft.com/office/officeart/2005/8/layout/radial6">
-  <dgm:title val=""/>
-  <dgm:desc val=""/>
-  <dgm:catLst>
-    <dgm:cat type="cycle" pri="9000"/>
-    <dgm:cat type="relationship" pri="21000"/>
-  </dgm:catLst>
-  <dgm:sampData>
-    <dgm:dataModel>
-      <dgm:ptLst>
-        <dgm:pt modelId="0" type="doc"/>
-        <dgm:pt modelId="1">
-          <dgm:prSet phldr="1"/>
-        </dgm:pt>
-        <dgm:pt modelId="11">
-          <dgm:prSet phldr="1"/>
-        </dgm:pt>
-        <dgm:pt modelId="12">
-          <dgm:prSet phldr="1"/>
-        </dgm:pt>
-        <dgm:pt modelId="13">
-          <dgm:prSet phldr="1"/>
-        </dgm:pt>
-        <dgm:pt modelId="14">
-          <dgm:prSet phldr="1"/>
-        </dgm:pt>
-      </dgm:ptLst>
-      <dgm:cxnLst>
-        <dgm:cxn modelId="2" srcId="0" destId="1" srcOrd="0" destOrd="0"/>
-        <dgm:cxn modelId="3" srcId="1" destId="11" srcOrd="0" destOrd="0"/>
-        <dgm:cxn modelId="4" srcId="1" destId="12" srcOrd="1" destOrd="0"/>
-        <dgm:cxn modelId="5" srcId="1" destId="13" srcOrd="2" destOrd="0"/>
-        <dgm:cxn modelId="6" srcId="1" destId="14" srcOrd="3" destOrd="0"/>
-      </dgm:cxnLst>
-      <dgm:bg/>
-      <dgm:whole/>
-    </dgm:dataModel>
-  </dgm:sampData>
-  <dgm:styleData>
-    <dgm:dataModel>
-      <dgm:ptLst>
-        <dgm:pt modelId="0" type="doc"/>
-        <dgm:pt modelId="1"/>
-        <dgm:pt modelId="11"/>
-        <dgm:pt modelId="12"/>
-        <dgm:pt modelId="13"/>
-      </dgm:ptLst>
-      <dgm:cxnLst>
-        <dgm:cxn modelId="2" srcId="0" destId="1" srcOrd="0" destOrd="0"/>
-        <dgm:cxn modelId="15" srcId="1" destId="11" srcOrd="0" destOrd="0"/>
-        <dgm:cxn modelId="16" srcId="1" destId="12" srcOrd="1" destOrd="0"/>
-        <dgm:cxn modelId="17" srcId="1" destId="13" srcOrd="2" destOrd="0"/>
-      </dgm:cxnLst>
-      <dgm:bg/>
-      <dgm:whole/>
-    </dgm:dataModel>
-  </dgm:styleData>
-  <dgm:clrData>
-    <dgm:dataModel>
-      <dgm:ptLst>
-        <dgm:pt modelId="0" type="doc"/>
-        <dgm:pt modelId="1"/>
-        <dgm:pt modelId="11"/>
-        <dgm:pt modelId="12"/>
-        <dgm:pt modelId="13"/>
-        <dgm:pt modelId="14"/>
-        <dgm:pt modelId="15"/>
-        <dgm:pt modelId="16"/>
-      </dgm:ptLst>
-      <dgm:cxnLst>
-        <dgm:cxn modelId="2" srcId="0" destId="1" srcOrd="0" destOrd="0"/>
-        <dgm:cxn modelId="16" srcId="1" destId="11" srcOrd="0" destOrd="0"/>
-        <dgm:cxn modelId="17" srcId="1" destId="12" srcOrd="1" destOrd="0"/>
-        <dgm:cxn modelId="18" srcId="1" destId="13" srcOrd="2" destOrd="0"/>
-        <dgm:cxn modelId="19" srcId="1" destId="14" srcOrd="3" destOrd="0"/>
-        <dgm:cxn modelId="20" srcId="1" destId="15" srcOrd="4" destOrd="0"/>
-        <dgm:cxn modelId="21" srcId="1" destId="16" srcOrd="5" destOrd="0"/>
-      </dgm:cxnLst>
-      <dgm:bg/>
-      <dgm:whole/>
-    </dgm:dataModel>
-  </dgm:clrData>
-  <dgm:layoutNode name="Name0">
-    <dgm:varLst>
-      <dgm:chMax val="1"/>
-      <dgm:dir/>
-      <dgm:animLvl val="ctr"/>
-      <dgm:resizeHandles val="exact"/>
-    </dgm:varLst>
-    <dgm:choose name="Name1">
-      <dgm:if name="Name2" func="var" arg="dir" op="equ" val="norm">
-        <dgm:choose name="Name3">
-          <dgm:if name="Name4" axis="ch ch" ptType="node node" st="1 1" cnt="1 0" func="cnt" op="lte" val="1">
-            <dgm:alg type="cycle">
-              <dgm:param type="stAng" val="90"/>
-              <dgm:param type="spanAng" val="360"/>
-              <dgm:param type="ctrShpMap" val="fNode"/>
-            </dgm:alg>
-          </dgm:if>
-          <dgm:else name="Name5">
-            <dgm:alg type="cycle">
-              <dgm:param type="stAng" val="0"/>
-              <dgm:param type="spanAng" val="360"/>
-              <dgm:param type="ctrShpMap" val="fNode"/>
-            </dgm:alg>
-          </dgm:else>
-        </dgm:choose>
-      </dgm:if>
-      <dgm:else name="Name6">
-        <dgm:choose name="Name7">
-          <dgm:if name="Name8" axis="ch ch" ptType="node node" st="1 1" cnt="1 0" func="cnt" op="lte" val="1">
-            <dgm:alg type="cycle">
-              <dgm:param type="stAng" val="-90"/>
-              <dgm:param type="spanAng" val="360"/>
-              <dgm:param type="ctrShpMap" val="fNode"/>
-            </dgm:alg>
-          </dgm:if>
-          <dgm:else name="Name9">
-            <dgm:alg type="cycle">
-              <dgm:param type="stAng" val="0"/>
-              <dgm:param type="spanAng" val="-360"/>
-              <dgm:param type="ctrShpMap" val="fNode"/>
-            </dgm:alg>
-          </dgm:else>
-        </dgm:choose>
-      </dgm:else>
-    </dgm:choose>
-    <dgm:shape xmlns:r="http://schemas.openxmlformats.org/officeDocument/2006/relationships" r:blip="">
-      <dgm:adjLst/>
-    </dgm:shape>
-    <dgm:presOf/>
-    <dgm:choose name="Name10">
-      <dgm:if name="Name11" func="var" arg="dir" op="equ" val="norm">
-        <dgm:choose name="Name12">
-          <dgm:if name="Name13" axis="ch ch" ptType="node node" st="1 1" cnt="1 0" func="cnt" op="equ" val="1">
-            <dgm:constrLst>
-              <dgm:constr type="diam" val="170"/>
-              <dgm:constr type="w" for="ch" forName="centerShape" refType="w"/>
-              <dgm:constr type="w" for="ch" forName="oneComp" refType="w" refFor="ch" refForName="centerShape" op="equ" fact="0.7"/>
-              <dgm:constr type="sp" refType="w" refFor="ch" refForName="oneComp" fact="0.3"/>
-              <dgm:constr type="sibSp" refType="w" refFor="ch" refForName="oneComp" fact="0.3"/>
-              <dgm:constr type="primFontSz" for="ch" forName="centerShape" val="65"/>
-              <dgm:constr type="primFontSz" for="des" forName="oneNode" refType="primFontSz" refFor="ch" refForName="centerShape" fact="0.95"/>
-              <dgm:constr type="primFontSz" for="des" forName="oneNode" refType="primFontSz" refFor="ch" refForName="centerShape" op="lte" fact="0.95"/>
-              <dgm:constr type="diam" for="ch" forName="singleconn" refType="diam" op="equ" fact="-1"/>
-              <dgm:constr type="h" for="ch" forName="singleconn" refType="w" refFor="ch" refForName="oneComp" fact="0.24"/>
-              <dgm:constr type="w" for="ch" forName="dummya" refType="w" refFor="ch" refForName="oneComp" op="equ"/>
-              <dgm:constr type="w" for="ch" forName="dummyb" refType="w" refFor="ch" refForName="oneComp" op="equ"/>
-              <dgm:constr type="w" for="ch" forName="dummyc" refType="w" refFor="ch" refForName="oneComp" op="equ"/>
-            </dgm:constrLst>
-          </dgm:if>
-          <dgm:else name="Name14">
-            <dgm:constrLst>
-              <dgm:constr type="diam" val="170"/>
-              <dgm:constr type="w" for="ch" forName="centerShape" refType="w"/>
-              <dgm:constr type="w" for="ch" forName="node" refType="w" refFor="ch" refForName="centerShape" op="equ" fact="0.7"/>
-              <dgm:constr type="sp" refType="w" refFor="ch" refForName="node" fact="0.3"/>
-              <dgm:constr type="sibSp" refType="w" refFor="ch" refForName="node" fact="0.3"/>
-              <dgm:constr type="primFontSz" for="ch" forName="centerShape" val="65"/>
-              <dgm:constr type="primFontSz" for="des" forName="node" refType="primFontSz" refFor="ch" refForName="centerShape" fact="0.78"/>
-              <dgm:constr type="primFontSz" for="ch" forName="node" refType="primFontSz" refFor="ch" refForName="centerShape" op="lte" fact="0.95"/>
-              <dgm:constr type="diam" for="ch" forName="sibTrans" refType="diam" op="equ"/>
-              <dgm:constr type="h" for="ch" forName="sibTrans" refType="w" refFor="ch" refForName="node" fact="0.24"/>
-              <dgm:constr type="w" for="ch" forName="dummy" val="1"/>
-            </dgm:constrLst>
-          </dgm:else>
-        </dgm:choose>
-      </dgm:if>
-      <dgm:else name="Name15">
-        <dgm:choose name="Name16">
-          <dgm:if name="Name17" axis="ch ch" ptType="node node" st="1 1" cnt="1 0" func="cnt" op="equ" val="1">
-            <dgm:constrLst>
-              <dgm:constr type="diam" val="170"/>
-              <dgm:constr type="w" for="ch" forName="centerShape" refType="w"/>
-              <dgm:constr type="w" for="ch" forName="oneComp" refType="w" refFor="ch" refForName="centerShape" op="equ" fact="0.7"/>
-              <dgm:constr type="sp" refType="w" refFor="ch" refForName="oneComp" fact="0.3"/>
-              <dgm:constr type="sibSp" refType="w" refFor="ch" refForName="oneComp" fact="0.3"/>
-              <dgm:constr type="primFontSz" for="ch" forName="centerShape" val="65"/>
-              <dgm:constr type="primFontSz" for="des" forName="oneNode" refType="primFontSz" refFor="ch" refForName="centerShape" fact="0.95"/>
-              <dgm:constr type="primFontSz" for="ch" forName="oneNode" refType="primFontSz" refFor="ch" refForName="centerShape" op="lte" fact="0.95"/>
-              <dgm:constr type="diam" for="ch" forName="singleconn" refType="diam"/>
-              <dgm:constr type="h" for="ch" forName="singleconn" refType="w" refFor="ch" refForName="oneComp" fact="0.24"/>
-              <dgm:constr type="diam" for="ch" refType="diam" op="equ"/>
-              <dgm:constr type="w" for="ch" forName="dummya" refType="w" refFor="ch" refForName="oneComp" op="equ"/>
-              <dgm:constr type="w" for="ch" forName="dummyb" refType="w" refFor="ch" refForName="oneComp" op="equ"/>
-              <dgm:constr type="w" for="ch" forName="dummyc" refType="w" refFor="ch" refForName="oneComp" op="equ"/>
-            </dgm:constrLst>
-          </dgm:if>
-          <dgm:else name="Name18">
-            <dgm:constrLst>
-              <dgm:constr type="diam" val="170"/>
-              <dgm:constr type="w" for="ch" forName="centerShape" refType="w"/>
-              <dgm:constr type="w" for="ch" forName="node" refType="w" refFor="ch" refForName="centerShape" op="equ" fact="0.7"/>
-              <dgm:constr type="sp" refType="w" refFor="ch" refForName="node" fact="0.3"/>
-              <dgm:constr type="sibSp" refType="w" refFor="ch" refForName="node" fact="0.3"/>
-              <dgm:constr type="primFontSz" for="ch" forName="centerShape" val="65"/>
-              <dgm:constr type="primFontSz" for="des" forName="node" refType="primFontSz" refFor="ch" refForName="centerShape" fact="0.78"/>
-              <dgm:constr type="primFontSz" for="ch" forName="node" refType="primFontSz" refFor="ch" refForName="centerShape" op="lte" fact="0.95"/>
-              <dgm:constr type="diam" for="ch" ptType="sibTrans" refType="diam" fact="-1"/>
-              <dgm:constr type="h" for="ch" forName="sibTrans" refType="w" refFor="ch" refForName="node" fact="0.24"/>
-              <dgm:constr type="diam" for="ch" refType="diam" op="equ" fact="-1"/>
-              <dgm:constr type="w" for="ch" forName="dummy" val="1"/>
-            </dgm:constrLst>
-          </dgm:else>
-        </dgm:choose>
-      </dgm:else>
-    </dgm:choose>
-    <dgm:ruleLst>
-      <dgm:rule type="diam" val="INF" fact="NaN" max="NaN"/>
-    </dgm:ruleLst>
-    <dgm:forEach name="Name19" axis="ch" ptType="node" cnt="1">
-      <dgm:layoutNode name="centerShape" styleLbl="node0">
-        <dgm:alg type="tx"/>
-        <dgm:shape xmlns:r="http://schemas.openxmlformats.org/officeDocument/2006/relationships" type="ellipse" r:blip="">
-          <dgm:adjLst/>
-        </dgm:shape>
-        <dgm:presOf axis="self"/>
-        <dgm:constrLst>
-          <dgm:constr type="h" refType="w"/>
-          <dgm:constr type="tMarg" refType="primFontSz" fact="0.1"/>
-          <dgm:constr type="bMarg" refType="primFontSz" fact="0.1"/>
-          <dgm:constr type="lMarg" refType="primFontSz" fact="0.1"/>
-          <dgm:constr type="rMarg" refType="primFontSz" fact="0.1"/>
-        </dgm:constrLst>
-        <dgm:ruleLst>
-          <dgm:rule type="primFontSz" val="5" fact="NaN" max="NaN"/>
-        </dgm:ruleLst>
-      </dgm:layoutNode>
-      <dgm:forEach name="Name20" axis="ch">
-        <dgm:forEach name="Name21" axis="self" ptType="node">
-          <dgm:choose name="Name22">
-            <dgm:if name="Name23" axis="par ch" ptType="node node" func="cnt" op="gt" val="1">
-              <dgm:layoutNode name="node" styleLbl="node1">
-                <dgm:varLst>
-                  <dgm:bulletEnabled val="1"/>
-                </dgm:varLst>
-                <dgm:alg type="tx">
-                  <dgm:param type="txAnchorVertCh" val="mid"/>
-                </dgm:alg>
-                <dgm:shape xmlns:r="http://schemas.openxmlformats.org/officeDocument/2006/relationships" type="ellipse" r:blip="">
-                  <dgm:adjLst/>
-                </dgm:shape>
-                <dgm:presOf axis="desOrSelf" ptType="node"/>
-                <dgm:constrLst>
-                  <dgm:constr type="h" refType="w"/>
-                  <dgm:constr type="tMarg" refType="primFontSz" fact="0.1"/>
-                  <dgm:constr type="bMarg" refType="primFontSz" fact="0.1"/>
-                  <dgm:constr type="lMarg" refType="primFontSz" fact="0.1"/>
-                  <dgm:constr type="rMarg" refType="primFontSz" fact="0.1"/>
-                </dgm:constrLst>
-                <dgm:ruleLst>
-                  <dgm:rule type="primFontSz" val="5" fact="NaN" max="NaN"/>
-                </dgm:ruleLst>
-              </dgm:layoutNode>
-              <dgm:layoutNode name="dummy">
-                <dgm:alg type="sp"/>
-                <dgm:shape xmlns:r="http://schemas.openxmlformats.org/officeDocument/2006/relationships" r:blip="">
-                  <dgm:adjLst/>
-                </dgm:shape>
-                <dgm:presOf/>
-                <dgm:constrLst>
-                  <dgm:constr type="h" refType="w"/>
-                </dgm:constrLst>
-                <dgm:ruleLst/>
-              </dgm:layoutNode>
-              <dgm:forEach name="sibTransForEach" axis="followSib" ptType="sibTrans" hideLastTrans="0" cnt="1">
-                <dgm:layoutNode name="sibTrans" styleLbl="sibTrans2D1">
-                  <dgm:alg type="conn">
-                    <dgm:param type="connRout" val="curve"/>
-                    <dgm:param type="begPts" val="ctr"/>
-                    <dgm:param type="endPts" val="ctr"/>
-                    <dgm:param type="begSty" val="noArr"/>
-                    <dgm:param type="endSty" val="noArr"/>
-                    <dgm:param type="dstNode" val="node"/>
-                  </dgm:alg>
-                  <dgm:shape xmlns:r="http://schemas.openxmlformats.org/officeDocument/2006/relationships" type="conn" r:blip="" zOrderOff="-999">
-                    <dgm:adjLst/>
-                  </dgm:shape>
-                  <dgm:presOf axis="self"/>
-                  <dgm:constrLst>
-                    <dgm:constr type="begPad"/>
-                    <dgm:constr type="endPad"/>
-                  </dgm:constrLst>
-                  <dgm:ruleLst/>
-                </dgm:layoutNode>
-              </dgm:forEach>
-            </dgm:if>
-            <dgm:if name="Name24" axis="par ch" ptType="node node" func="cnt" op="equ" val="1">
-              <dgm:layoutNode name="oneComp">
-                <dgm:alg type="composite">
-                  <dgm:param type="ar" val="1"/>
-                </dgm:alg>
-                <dgm:shape xmlns:r="http://schemas.openxmlformats.org/officeDocument/2006/relationships" r:blip="">
-                  <dgm:adjLst/>
-                </dgm:shape>
-                <dgm:presOf/>
-                <dgm:constrLst>
-                  <dgm:constr type="h" refType="w"/>
-                  <dgm:constr type="l" for="ch" forName="dummyConnPt" refType="w" fact="0.5"/>
-                  <dgm:constr type="t" for="ch" forName="dummyConnPt" refType="w" fact="0.5"/>
-                  <dgm:constr type="l" for="ch" forName="oneNode"/>
-                  <dgm:constr type="t" for="ch" forName="oneNode"/>
-                  <dgm:constr type="h" for="ch" forName="oneNode" refType="h"/>
-                  <dgm:constr type="w" for="ch" forName="oneNode" refType="w"/>
-                </dgm:constrLst>
-                <dgm:ruleLst/>
-                <dgm:layoutNode name="dummyConnPt" styleLbl="node1">
-                  <dgm:alg type="sp"/>
-                  <dgm:shape xmlns:r="http://schemas.openxmlformats.org/officeDocument/2006/relationships" r:blip="">
-                    <dgm:adjLst/>
-                  </dgm:shape>
-                  <dgm:presOf/>
-                  <dgm:constrLst>
-                    <dgm:constr type="w" val="1"/>
-                    <dgm:constr type="h" val="1"/>
-                  </dgm:constrLst>
-                  <dgm:ruleLst/>
-                </dgm:layoutNode>
-                <dgm:layoutNode name="oneNode" styleLbl="node1">
-                  <dgm:varLst>
-                    <dgm:bulletEnabled val="1"/>
-                  </dgm:varLst>
-                  <dgm:alg type="tx">
-                    <dgm:param type="txAnchorVertCh" val="mid"/>
-                  </dgm:alg>
-                  <dgm:shape xmlns:r="http://schemas.openxmlformats.org/officeDocument/2006/relationships" type="ellipse" r:blip="">
-                    <dgm:adjLst/>
-                  </dgm:shape>
-                  <dgm:presOf axis="desOrSelf" ptType="node"/>
-                  <dgm:constrLst>
-                    <dgm:constr type="h" refType="w"/>
-                    <dgm:constr type="tMarg" refType="primFontSz" fact="0.1"/>
-                    <dgm:constr type="bMarg" refType="primFontSz" fact="0.1"/>
-                    <dgm:constr type="lMarg" refType="primFontSz" fact="0.1"/>
-                    <dgm:constr type="rMarg" refType="primFontSz" fact="0.1"/>
-                  </dgm:constrLst>
-                  <dgm:ruleLst>
-                    <dgm:rule type="primFontSz" val="5" fact="NaN" max="NaN"/>
-                  </dgm:ruleLst>
-                </dgm:layoutNode>
-              </dgm:layoutNode>
-              <dgm:layoutNode name="dummya">
-                <dgm:alg type="sp"/>
-                <dgm:shape xmlns:r="http://schemas.openxmlformats.org/officeDocument/2006/relationships" r:blip="">
-                  <dgm:adjLst/>
-                </dgm:shape>
-                <dgm:presOf/>
-                <dgm:constrLst>
-                  <dgm:constr type="h" refType="w"/>
-                </dgm:constrLst>
-                <dgm:ruleLst/>
-              </dgm:layoutNode>
-              <dgm:layoutNode name="dummyb">
-                <dgm:alg type="sp"/>
-                <dgm:shape xmlns:r="http://schemas.openxmlformats.org/officeDocument/2006/relationships" r:blip="">
-                  <dgm:adjLst/>
-                </dgm:shape>
-                <dgm:presOf/>
-                <dgm:constrLst>
-                  <dgm:constr type="h" refType="w"/>
-                </dgm:constrLst>
-                <dgm:ruleLst/>
-              </dgm:layoutNode>
-              <dgm:layoutNode name="dummyc">
-                <dgm:alg type="sp"/>
-                <dgm:shape xmlns:r="http://schemas.openxmlformats.org/officeDocument/2006/relationships" r:blip="">
-                  <dgm:adjLst/>
-                </dgm:shape>
-                <dgm:presOf/>
-                <dgm:constrLst>
-                  <dgm:constr type="h" refType="w"/>
-                </dgm:constrLst>
-                <dgm:ruleLst/>
-              </dgm:layoutNode>
-              <dgm:forEach name="sibTransForEach1" axis="followSib" ptType="sibTrans" hideLastTrans="0" cnt="1">
-                <dgm:layoutNode name="singleconn" styleLbl="sibTrans2D1">
-                  <dgm:alg type="conn">
-                    <dgm:param type="connRout" val="longCurve"/>
-                    <dgm:param type="begPts" val="bCtr"/>
-                    <dgm:param type="endPts" val="tCtr"/>
-                    <dgm:param type="begSty" val="noArr"/>
-                    <dgm:param type="endSty" val="noArr"/>
-                    <dgm:param type="srcNode" val="dummyConnPt"/>
-                    <dgm:param type="dstNode" val="dummyConnPt"/>
-                  </dgm:alg>
-                  <dgm:shape xmlns:r="http://schemas.openxmlformats.org/officeDocument/2006/relationships" type="conn" r:blip="" zOrderOff="-999">
-                    <dgm:adjLst/>
-                  </dgm:shape>
-                  <dgm:presOf axis="self"/>
-                  <dgm:constrLst>
-                    <dgm:constr type="begPad"/>
-                    <dgm:constr type="endPad"/>
-                  </dgm:constrLst>
-                  <dgm:ruleLst/>
-                </dgm:layoutNode>
-              </dgm:forEach>
-            </dgm:if>
-            <dgm:else name="Name25"/>
-          </dgm:choose>
-        </dgm:forEach>
-      </dgm:forEach>
-    </dgm:forEach>
-  </dgm:layoutNode>
-</dgm:layoutDef>
-</file>
-
 <file path=ppt/diagrams/quickStyle1.xml><?xml version="1.0" encoding="utf-8"?>
 <dgm:styleDef xmlns:dgm="http://schemas.openxmlformats.org/drawingml/2006/diagram" xmlns:a="http://schemas.openxmlformats.org/drawingml/2006/main" uniqueId="urn:microsoft.com/office/officeart/2005/8/quickstyle/simple2">
   <dgm:title val=""/>
@@ -17894,1040 +15273,6 @@
 </file>
 
 <file path=ppt/diagrams/quickStyle4.xml><?xml version="1.0" encoding="utf-8"?>
-<dgm:styleDef xmlns:dgm="http://schemas.openxmlformats.org/drawingml/2006/diagram" xmlns:a="http://schemas.openxmlformats.org/drawingml/2006/main" uniqueId="urn:microsoft.com/office/officeart/2005/8/quickstyle/simple2">
-  <dgm:title val=""/>
-  <dgm:desc val=""/>
-  <dgm:catLst>
-    <dgm:cat type="simple" pri="10200"/>
-  </dgm:catLst>
-  <dgm:scene3d>
-    <a:camera prst="orthographicFront"/>
-    <a:lightRig rig="threePt" dir="t"/>
-  </dgm:scene3d>
-  <dgm:styleLbl name="node0">
-    <dgm:scene3d>
-      <a:camera prst="orthographicFront"/>
-      <a:lightRig rig="threePt" dir="t"/>
-    </dgm:scene3d>
-    <dgm:sp3d/>
-    <dgm:txPr/>
-    <dgm:style>
-      <a:lnRef idx="3">
-        <a:scrgbClr r="0" g="0" b="0"/>
-      </a:lnRef>
-      <a:fillRef idx="1">
-        <a:scrgbClr r="0" g="0" b="0"/>
-      </a:fillRef>
-      <a:effectRef idx="1">
-        <a:scrgbClr r="0" g="0" b="0"/>
-      </a:effectRef>
-      <a:fontRef idx="minor">
-        <a:schemeClr val="lt1"/>
-      </a:fontRef>
-    </dgm:style>
-  </dgm:styleLbl>
-  <dgm:styleLbl name="lnNode1">
-    <dgm:scene3d>
-      <a:camera prst="orthographicFront"/>
-      <a:lightRig rig="threePt" dir="t"/>
-    </dgm:scene3d>
-    <dgm:sp3d/>
-    <dgm:txPr/>
-    <dgm:style>
-      <a:lnRef idx="3">
-        <a:scrgbClr r="0" g="0" b="0"/>
-      </a:lnRef>
-      <a:fillRef idx="1">
-        <a:scrgbClr r="0" g="0" b="0"/>
-      </a:fillRef>
-      <a:effectRef idx="1">
-        <a:scrgbClr r="0" g="0" b="0"/>
-      </a:effectRef>
-      <a:fontRef idx="minor">
-        <a:schemeClr val="lt1"/>
-      </a:fontRef>
-    </dgm:style>
-  </dgm:styleLbl>
-  <dgm:styleLbl name="vennNode1">
-    <dgm:scene3d>
-      <a:camera prst="orthographicFront"/>
-      <a:lightRig rig="threePt" dir="t"/>
-    </dgm:scene3d>
-    <dgm:sp3d/>
-    <dgm:txPr/>
-    <dgm:style>
-      <a:lnRef idx="3">
-        <a:scrgbClr r="0" g="0" b="0"/>
-      </a:lnRef>
-      <a:fillRef idx="1">
-        <a:scrgbClr r="0" g="0" b="0"/>
-      </a:fillRef>
-      <a:effectRef idx="0">
-        <a:scrgbClr r="0" g="0" b="0"/>
-      </a:effectRef>
-      <a:fontRef idx="minor">
-        <a:schemeClr val="tx1"/>
-      </a:fontRef>
-    </dgm:style>
-  </dgm:styleLbl>
-  <dgm:styleLbl name="alignNode1">
-    <dgm:scene3d>
-      <a:camera prst="orthographicFront"/>
-      <a:lightRig rig="threePt" dir="t"/>
-    </dgm:scene3d>
-    <dgm:sp3d/>
-    <dgm:txPr/>
-    <dgm:style>
-      <a:lnRef idx="2">
-        <a:scrgbClr r="0" g="0" b="0"/>
-      </a:lnRef>
-      <a:fillRef idx="1">
-        <a:scrgbClr r="0" g="0" b="0"/>
-      </a:fillRef>
-      <a:effectRef idx="1">
-        <a:scrgbClr r="0" g="0" b="0"/>
-      </a:effectRef>
-      <a:fontRef idx="minor">
-        <a:schemeClr val="lt1"/>
-      </a:fontRef>
-    </dgm:style>
-  </dgm:styleLbl>
-  <dgm:styleLbl name="node1">
-    <dgm:scene3d>
-      <a:camera prst="orthographicFront"/>
-      <a:lightRig rig="threePt" dir="t"/>
-    </dgm:scene3d>
-    <dgm:sp3d/>
-    <dgm:txPr/>
-    <dgm:style>
-      <a:lnRef idx="3">
-        <a:scrgbClr r="0" g="0" b="0"/>
-      </a:lnRef>
-      <a:fillRef idx="1">
-        <a:scrgbClr r="0" g="0" b="0"/>
-      </a:fillRef>
-      <a:effectRef idx="1">
-        <a:scrgbClr r="0" g="0" b="0"/>
-      </a:effectRef>
-      <a:fontRef idx="minor">
-        <a:schemeClr val="lt1"/>
-      </a:fontRef>
-    </dgm:style>
-  </dgm:styleLbl>
-  <dgm:styleLbl name="node2">
-    <dgm:scene3d>
-      <a:camera prst="orthographicFront"/>
-      <a:lightRig rig="threePt" dir="t"/>
-    </dgm:scene3d>
-    <dgm:sp3d/>
-    <dgm:txPr/>
-    <dgm:style>
-      <a:lnRef idx="3">
-        <a:scrgbClr r="0" g="0" b="0"/>
-      </a:lnRef>
-      <a:fillRef idx="1">
-        <a:scrgbClr r="0" g="0" b="0"/>
-      </a:fillRef>
-      <a:effectRef idx="1">
-        <a:scrgbClr r="0" g="0" b="0"/>
-      </a:effectRef>
-      <a:fontRef idx="minor">
-        <a:schemeClr val="lt1"/>
-      </a:fontRef>
-    </dgm:style>
-  </dgm:styleLbl>
-  <dgm:styleLbl name="node3">
-    <dgm:scene3d>
-      <a:camera prst="orthographicFront"/>
-      <a:lightRig rig="threePt" dir="t"/>
-    </dgm:scene3d>
-    <dgm:sp3d/>
-    <dgm:txPr/>
-    <dgm:style>
-      <a:lnRef idx="3">
-        <a:scrgbClr r="0" g="0" b="0"/>
-      </a:lnRef>
-      <a:fillRef idx="1">
-        <a:scrgbClr r="0" g="0" b="0"/>
-      </a:fillRef>
-      <a:effectRef idx="1">
-        <a:scrgbClr r="0" g="0" b="0"/>
-      </a:effectRef>
-      <a:fontRef idx="minor">
-        <a:schemeClr val="lt1"/>
-      </a:fontRef>
-    </dgm:style>
-  </dgm:styleLbl>
-  <dgm:styleLbl name="node4">
-    <dgm:scene3d>
-      <a:camera prst="orthographicFront"/>
-      <a:lightRig rig="threePt" dir="t"/>
-    </dgm:scene3d>
-    <dgm:sp3d/>
-    <dgm:txPr/>
-    <dgm:style>
-      <a:lnRef idx="3">
-        <a:scrgbClr r="0" g="0" b="0"/>
-      </a:lnRef>
-      <a:fillRef idx="1">
-        <a:scrgbClr r="0" g="0" b="0"/>
-      </a:fillRef>
-      <a:effectRef idx="1">
-        <a:scrgbClr r="0" g="0" b="0"/>
-      </a:effectRef>
-      <a:fontRef idx="minor">
-        <a:schemeClr val="lt1"/>
-      </a:fontRef>
-    </dgm:style>
-  </dgm:styleLbl>
-  <dgm:styleLbl name="fgImgPlace1">
-    <dgm:scene3d>
-      <a:camera prst="orthographicFront"/>
-      <a:lightRig rig="threePt" dir="t"/>
-    </dgm:scene3d>
-    <dgm:sp3d/>
-    <dgm:txPr/>
-    <dgm:style>
-      <a:lnRef idx="3">
-        <a:scrgbClr r="0" g="0" b="0"/>
-      </a:lnRef>
-      <a:fillRef idx="1">
-        <a:scrgbClr r="0" g="0" b="0"/>
-      </a:fillRef>
-      <a:effectRef idx="1">
-        <a:scrgbClr r="0" g="0" b="0"/>
-      </a:effectRef>
-      <a:fontRef idx="minor"/>
-    </dgm:style>
-  </dgm:styleLbl>
-  <dgm:styleLbl name="alignImgPlace1">
-    <dgm:scene3d>
-      <a:camera prst="orthographicFront"/>
-      <a:lightRig rig="threePt" dir="t"/>
-    </dgm:scene3d>
-    <dgm:sp3d/>
-    <dgm:txPr/>
-    <dgm:style>
-      <a:lnRef idx="3">
-        <a:scrgbClr r="0" g="0" b="0"/>
-      </a:lnRef>
-      <a:fillRef idx="1">
-        <a:scrgbClr r="0" g="0" b="0"/>
-      </a:fillRef>
-      <a:effectRef idx="1">
-        <a:scrgbClr r="0" g="0" b="0"/>
-      </a:effectRef>
-      <a:fontRef idx="minor"/>
-    </dgm:style>
-  </dgm:styleLbl>
-  <dgm:styleLbl name="bgImgPlace1">
-    <dgm:scene3d>
-      <a:camera prst="orthographicFront"/>
-      <a:lightRig rig="threePt" dir="t"/>
-    </dgm:scene3d>
-    <dgm:sp3d/>
-    <dgm:txPr/>
-    <dgm:style>
-      <a:lnRef idx="3">
-        <a:scrgbClr r="0" g="0" b="0"/>
-      </a:lnRef>
-      <a:fillRef idx="1">
-        <a:scrgbClr r="0" g="0" b="0"/>
-      </a:fillRef>
-      <a:effectRef idx="1">
-        <a:scrgbClr r="0" g="0" b="0"/>
-      </a:effectRef>
-      <a:fontRef idx="minor"/>
-    </dgm:style>
-  </dgm:styleLbl>
-  <dgm:styleLbl name="sibTrans2D1">
-    <dgm:scene3d>
-      <a:camera prst="orthographicFront"/>
-      <a:lightRig rig="threePt" dir="t"/>
-    </dgm:scene3d>
-    <dgm:sp3d/>
-    <dgm:txPr/>
-    <dgm:style>
-      <a:lnRef idx="0">
-        <a:scrgbClr r="0" g="0" b="0"/>
-      </a:lnRef>
-      <a:fillRef idx="1">
-        <a:scrgbClr r="0" g="0" b="0"/>
-      </a:fillRef>
-      <a:effectRef idx="1">
-        <a:scrgbClr r="0" g="0" b="0"/>
-      </a:effectRef>
-      <a:fontRef idx="minor">
-        <a:schemeClr val="lt1"/>
-      </a:fontRef>
-    </dgm:style>
-  </dgm:styleLbl>
-  <dgm:styleLbl name="fgSibTrans2D1">
-    <dgm:scene3d>
-      <a:camera prst="orthographicFront"/>
-      <a:lightRig rig="threePt" dir="t"/>
-    </dgm:scene3d>
-    <dgm:sp3d/>
-    <dgm:txPr/>
-    <dgm:style>
-      <a:lnRef idx="0">
-        <a:scrgbClr r="0" g="0" b="0"/>
-      </a:lnRef>
-      <a:fillRef idx="1">
-        <a:scrgbClr r="0" g="0" b="0"/>
-      </a:fillRef>
-      <a:effectRef idx="1">
-        <a:scrgbClr r="0" g="0" b="0"/>
-      </a:effectRef>
-      <a:fontRef idx="minor">
-        <a:schemeClr val="lt1"/>
-      </a:fontRef>
-    </dgm:style>
-  </dgm:styleLbl>
-  <dgm:styleLbl name="bgSibTrans2D1">
-    <dgm:scene3d>
-      <a:camera prst="orthographicFront"/>
-      <a:lightRig rig="threePt" dir="t"/>
-    </dgm:scene3d>
-    <dgm:sp3d/>
-    <dgm:txPr/>
-    <dgm:style>
-      <a:lnRef idx="0">
-        <a:scrgbClr r="0" g="0" b="0"/>
-      </a:lnRef>
-      <a:fillRef idx="1">
-        <a:scrgbClr r="0" g="0" b="0"/>
-      </a:fillRef>
-      <a:effectRef idx="1">
-        <a:scrgbClr r="0" g="0" b="0"/>
-      </a:effectRef>
-      <a:fontRef idx="minor">
-        <a:schemeClr val="lt1"/>
-      </a:fontRef>
-    </dgm:style>
-  </dgm:styleLbl>
-  <dgm:styleLbl name="sibTrans1D1">
-    <dgm:scene3d>
-      <a:camera prst="orthographicFront"/>
-      <a:lightRig rig="threePt" dir="t"/>
-    </dgm:scene3d>
-    <dgm:sp3d/>
-    <dgm:txPr/>
-    <dgm:style>
-      <a:lnRef idx="1">
-        <a:scrgbClr r="0" g="0" b="0"/>
-      </a:lnRef>
-      <a:fillRef idx="0">
-        <a:scrgbClr r="0" g="0" b="0"/>
-      </a:fillRef>
-      <a:effectRef idx="0">
-        <a:scrgbClr r="0" g="0" b="0"/>
-      </a:effectRef>
-      <a:fontRef idx="minor"/>
-    </dgm:style>
-  </dgm:styleLbl>
-  <dgm:styleLbl name="callout">
-    <dgm:scene3d>
-      <a:camera prst="orthographicFront"/>
-      <a:lightRig rig="threePt" dir="t"/>
-    </dgm:scene3d>
-    <dgm:sp3d/>
-    <dgm:txPr/>
-    <dgm:style>
-      <a:lnRef idx="2">
-        <a:scrgbClr r="0" g="0" b="0"/>
-      </a:lnRef>
-      <a:fillRef idx="1">
-        <a:scrgbClr r="0" g="0" b="0"/>
-      </a:fillRef>
-      <a:effectRef idx="1">
-        <a:scrgbClr r="0" g="0" b="0"/>
-      </a:effectRef>
-      <a:fontRef idx="minor"/>
-    </dgm:style>
-  </dgm:styleLbl>
-  <dgm:styleLbl name="asst0">
-    <dgm:scene3d>
-      <a:camera prst="orthographicFront"/>
-      <a:lightRig rig="threePt" dir="t"/>
-    </dgm:scene3d>
-    <dgm:sp3d/>
-    <dgm:txPr/>
-    <dgm:style>
-      <a:lnRef idx="3">
-        <a:scrgbClr r="0" g="0" b="0"/>
-      </a:lnRef>
-      <a:fillRef idx="1">
-        <a:scrgbClr r="0" g="0" b="0"/>
-      </a:fillRef>
-      <a:effectRef idx="1">
-        <a:scrgbClr r="0" g="0" b="0"/>
-      </a:effectRef>
-      <a:fontRef idx="minor">
-        <a:schemeClr val="lt1"/>
-      </a:fontRef>
-    </dgm:style>
-  </dgm:styleLbl>
-  <dgm:styleLbl name="asst1">
-    <dgm:scene3d>
-      <a:camera prst="orthographicFront"/>
-      <a:lightRig rig="threePt" dir="t"/>
-    </dgm:scene3d>
-    <dgm:sp3d/>
-    <dgm:txPr/>
-    <dgm:style>
-      <a:lnRef idx="3">
-        <a:scrgbClr r="0" g="0" b="0"/>
-      </a:lnRef>
-      <a:fillRef idx="1">
-        <a:scrgbClr r="0" g="0" b="0"/>
-      </a:fillRef>
-      <a:effectRef idx="1">
-        <a:scrgbClr r="0" g="0" b="0"/>
-      </a:effectRef>
-      <a:fontRef idx="minor">
-        <a:schemeClr val="lt1"/>
-      </a:fontRef>
-    </dgm:style>
-  </dgm:styleLbl>
-  <dgm:styleLbl name="asst2">
-    <dgm:scene3d>
-      <a:camera prst="orthographicFront"/>
-      <a:lightRig rig="threePt" dir="t"/>
-    </dgm:scene3d>
-    <dgm:sp3d/>
-    <dgm:txPr/>
-    <dgm:style>
-      <a:lnRef idx="3">
-        <a:scrgbClr r="0" g="0" b="0"/>
-      </a:lnRef>
-      <a:fillRef idx="1">
-        <a:scrgbClr r="0" g="0" b="0"/>
-      </a:fillRef>
-      <a:effectRef idx="1">
-        <a:scrgbClr r="0" g="0" b="0"/>
-      </a:effectRef>
-      <a:fontRef idx="minor">
-        <a:schemeClr val="lt1"/>
-      </a:fontRef>
-    </dgm:style>
-  </dgm:styleLbl>
-  <dgm:styleLbl name="asst3">
-    <dgm:scene3d>
-      <a:camera prst="orthographicFront"/>
-      <a:lightRig rig="threePt" dir="t"/>
-    </dgm:scene3d>
-    <dgm:sp3d/>
-    <dgm:txPr/>
-    <dgm:style>
-      <a:lnRef idx="3">
-        <a:scrgbClr r="0" g="0" b="0"/>
-      </a:lnRef>
-      <a:fillRef idx="1">
-        <a:scrgbClr r="0" g="0" b="0"/>
-      </a:fillRef>
-      <a:effectRef idx="1">
-        <a:scrgbClr r="0" g="0" b="0"/>
-      </a:effectRef>
-      <a:fontRef idx="minor">
-        <a:schemeClr val="lt1"/>
-      </a:fontRef>
-    </dgm:style>
-  </dgm:styleLbl>
-  <dgm:styleLbl name="asst4">
-    <dgm:scene3d>
-      <a:camera prst="orthographicFront"/>
-      <a:lightRig rig="threePt" dir="t"/>
-    </dgm:scene3d>
-    <dgm:sp3d/>
-    <dgm:txPr/>
-    <dgm:style>
-      <a:lnRef idx="3">
-        <a:scrgbClr r="0" g="0" b="0"/>
-      </a:lnRef>
-      <a:fillRef idx="1">
-        <a:scrgbClr r="0" g="0" b="0"/>
-      </a:fillRef>
-      <a:effectRef idx="1">
-        <a:scrgbClr r="0" g="0" b="0"/>
-      </a:effectRef>
-      <a:fontRef idx="minor">
-        <a:schemeClr val="lt1"/>
-      </a:fontRef>
-    </dgm:style>
-  </dgm:styleLbl>
-  <dgm:styleLbl name="parChTrans2D1">
-    <dgm:scene3d>
-      <a:camera prst="orthographicFront"/>
-      <a:lightRig rig="threePt" dir="t"/>
-    </dgm:scene3d>
-    <dgm:sp3d/>
-    <dgm:txPr/>
-    <dgm:style>
-      <a:lnRef idx="3">
-        <a:scrgbClr r="0" g="0" b="0"/>
-      </a:lnRef>
-      <a:fillRef idx="1">
-        <a:scrgbClr r="0" g="0" b="0"/>
-      </a:fillRef>
-      <a:effectRef idx="1">
-        <a:scrgbClr r="0" g="0" b="0"/>
-      </a:effectRef>
-      <a:fontRef idx="minor">
-        <a:schemeClr val="lt1"/>
-      </a:fontRef>
-    </dgm:style>
-  </dgm:styleLbl>
-  <dgm:styleLbl name="parChTrans2D2">
-    <dgm:scene3d>
-      <a:camera prst="orthographicFront"/>
-      <a:lightRig rig="threePt" dir="t"/>
-    </dgm:scene3d>
-    <dgm:sp3d/>
-    <dgm:txPr/>
-    <dgm:style>
-      <a:lnRef idx="3">
-        <a:scrgbClr r="0" g="0" b="0"/>
-      </a:lnRef>
-      <a:fillRef idx="1">
-        <a:scrgbClr r="0" g="0" b="0"/>
-      </a:fillRef>
-      <a:effectRef idx="1">
-        <a:scrgbClr r="0" g="0" b="0"/>
-      </a:effectRef>
-      <a:fontRef idx="minor">
-        <a:schemeClr val="lt1"/>
-      </a:fontRef>
-    </dgm:style>
-  </dgm:styleLbl>
-  <dgm:styleLbl name="parChTrans2D3">
-    <dgm:scene3d>
-      <a:camera prst="orthographicFront"/>
-      <a:lightRig rig="threePt" dir="t"/>
-    </dgm:scene3d>
-    <dgm:sp3d/>
-    <dgm:txPr/>
-    <dgm:style>
-      <a:lnRef idx="3">
-        <a:scrgbClr r="0" g="0" b="0"/>
-      </a:lnRef>
-      <a:fillRef idx="1">
-        <a:scrgbClr r="0" g="0" b="0"/>
-      </a:fillRef>
-      <a:effectRef idx="1">
-        <a:scrgbClr r="0" g="0" b="0"/>
-      </a:effectRef>
-      <a:fontRef idx="minor">
-        <a:schemeClr val="lt1"/>
-      </a:fontRef>
-    </dgm:style>
-  </dgm:styleLbl>
-  <dgm:styleLbl name="parChTrans2D4">
-    <dgm:scene3d>
-      <a:camera prst="orthographicFront"/>
-      <a:lightRig rig="threePt" dir="t"/>
-    </dgm:scene3d>
-    <dgm:sp3d/>
-    <dgm:txPr/>
-    <dgm:style>
-      <a:lnRef idx="3">
-        <a:scrgbClr r="0" g="0" b="0"/>
-      </a:lnRef>
-      <a:fillRef idx="1">
-        <a:scrgbClr r="0" g="0" b="0"/>
-      </a:fillRef>
-      <a:effectRef idx="1">
-        <a:scrgbClr r="0" g="0" b="0"/>
-      </a:effectRef>
-      <a:fontRef idx="minor">
-        <a:schemeClr val="lt1"/>
-      </a:fontRef>
-    </dgm:style>
-  </dgm:styleLbl>
-  <dgm:styleLbl name="parChTrans1D1">
-    <dgm:scene3d>
-      <a:camera prst="orthographicFront"/>
-      <a:lightRig rig="threePt" dir="t"/>
-    </dgm:scene3d>
-    <dgm:sp3d/>
-    <dgm:txPr/>
-    <dgm:style>
-      <a:lnRef idx="2">
-        <a:scrgbClr r="0" g="0" b="0"/>
-      </a:lnRef>
-      <a:fillRef idx="0">
-        <a:scrgbClr r="0" g="0" b="0"/>
-      </a:fillRef>
-      <a:effectRef idx="0">
-        <a:scrgbClr r="0" g="0" b="0"/>
-      </a:effectRef>
-      <a:fontRef idx="minor"/>
-    </dgm:style>
-  </dgm:styleLbl>
-  <dgm:styleLbl name="parChTrans1D2">
-    <dgm:scene3d>
-      <a:camera prst="orthographicFront"/>
-      <a:lightRig rig="threePt" dir="t"/>
-    </dgm:scene3d>
-    <dgm:sp3d/>
-    <dgm:txPr/>
-    <dgm:style>
-      <a:lnRef idx="2">
-        <a:scrgbClr r="0" g="0" b="0"/>
-      </a:lnRef>
-      <a:fillRef idx="0">
-        <a:scrgbClr r="0" g="0" b="0"/>
-      </a:fillRef>
-      <a:effectRef idx="0">
-        <a:scrgbClr r="0" g="0" b="0"/>
-      </a:effectRef>
-      <a:fontRef idx="minor"/>
-    </dgm:style>
-  </dgm:styleLbl>
-  <dgm:styleLbl name="parChTrans1D3">
-    <dgm:scene3d>
-      <a:camera prst="orthographicFront"/>
-      <a:lightRig rig="threePt" dir="t"/>
-    </dgm:scene3d>
-    <dgm:sp3d/>
-    <dgm:txPr/>
-    <dgm:style>
-      <a:lnRef idx="2">
-        <a:scrgbClr r="0" g="0" b="0"/>
-      </a:lnRef>
-      <a:fillRef idx="0">
-        <a:scrgbClr r="0" g="0" b="0"/>
-      </a:fillRef>
-      <a:effectRef idx="0">
-        <a:scrgbClr r="0" g="0" b="0"/>
-      </a:effectRef>
-      <a:fontRef idx="minor"/>
-    </dgm:style>
-  </dgm:styleLbl>
-  <dgm:styleLbl name="parChTrans1D4">
-    <dgm:scene3d>
-      <a:camera prst="orthographicFront"/>
-      <a:lightRig rig="threePt" dir="t"/>
-    </dgm:scene3d>
-    <dgm:sp3d/>
-    <dgm:txPr/>
-    <dgm:style>
-      <a:lnRef idx="2">
-        <a:scrgbClr r="0" g="0" b="0"/>
-      </a:lnRef>
-      <a:fillRef idx="0">
-        <a:scrgbClr r="0" g="0" b="0"/>
-      </a:fillRef>
-      <a:effectRef idx="0">
-        <a:scrgbClr r="0" g="0" b="0"/>
-      </a:effectRef>
-      <a:fontRef idx="minor"/>
-    </dgm:style>
-  </dgm:styleLbl>
-  <dgm:styleLbl name="fgAcc1">
-    <dgm:scene3d>
-      <a:camera prst="orthographicFront"/>
-      <a:lightRig rig="threePt" dir="t"/>
-    </dgm:scene3d>
-    <dgm:sp3d/>
-    <dgm:txPr/>
-    <dgm:style>
-      <a:lnRef idx="2">
-        <a:scrgbClr r="0" g="0" b="0"/>
-      </a:lnRef>
-      <a:fillRef idx="1">
-        <a:scrgbClr r="0" g="0" b="0"/>
-      </a:fillRef>
-      <a:effectRef idx="0">
-        <a:scrgbClr r="0" g="0" b="0"/>
-      </a:effectRef>
-      <a:fontRef idx="minor"/>
-    </dgm:style>
-  </dgm:styleLbl>
-  <dgm:styleLbl name="conFgAcc1">
-    <dgm:scene3d>
-      <a:camera prst="orthographicFront"/>
-      <a:lightRig rig="threePt" dir="t"/>
-    </dgm:scene3d>
-    <dgm:sp3d/>
-    <dgm:txPr/>
-    <dgm:style>
-      <a:lnRef idx="2">
-        <a:scrgbClr r="0" g="0" b="0"/>
-      </a:lnRef>
-      <a:fillRef idx="1">
-        <a:scrgbClr r="0" g="0" b="0"/>
-      </a:fillRef>
-      <a:effectRef idx="0">
-        <a:scrgbClr r="0" g="0" b="0"/>
-      </a:effectRef>
-      <a:fontRef idx="minor"/>
-    </dgm:style>
-  </dgm:styleLbl>
-  <dgm:styleLbl name="alignAcc1">
-    <dgm:scene3d>
-      <a:camera prst="orthographicFront"/>
-      <a:lightRig rig="threePt" dir="t"/>
-    </dgm:scene3d>
-    <dgm:sp3d/>
-    <dgm:txPr/>
-    <dgm:style>
-      <a:lnRef idx="2">
-        <a:scrgbClr r="0" g="0" b="0"/>
-      </a:lnRef>
-      <a:fillRef idx="1">
-        <a:scrgbClr r="0" g="0" b="0"/>
-      </a:fillRef>
-      <a:effectRef idx="0">
-        <a:scrgbClr r="0" g="0" b="0"/>
-      </a:effectRef>
-      <a:fontRef idx="minor"/>
-    </dgm:style>
-  </dgm:styleLbl>
-  <dgm:styleLbl name="trAlignAcc1">
-    <dgm:scene3d>
-      <a:camera prst="orthographicFront"/>
-      <a:lightRig rig="threePt" dir="t"/>
-    </dgm:scene3d>
-    <dgm:sp3d/>
-    <dgm:txPr/>
-    <dgm:style>
-      <a:lnRef idx="1">
-        <a:scrgbClr r="0" g="0" b="0"/>
-      </a:lnRef>
-      <a:fillRef idx="1">
-        <a:scrgbClr r="0" g="0" b="0"/>
-      </a:fillRef>
-      <a:effectRef idx="0">
-        <a:scrgbClr r="0" g="0" b="0"/>
-      </a:effectRef>
-      <a:fontRef idx="minor"/>
-    </dgm:style>
-  </dgm:styleLbl>
-  <dgm:styleLbl name="bgAcc1">
-    <dgm:scene3d>
-      <a:camera prst="orthographicFront"/>
-      <a:lightRig rig="threePt" dir="t"/>
-    </dgm:scene3d>
-    <dgm:sp3d/>
-    <dgm:txPr/>
-    <dgm:style>
-      <a:lnRef idx="2">
-        <a:scrgbClr r="0" g="0" b="0"/>
-      </a:lnRef>
-      <a:fillRef idx="1">
-        <a:scrgbClr r="0" g="0" b="0"/>
-      </a:fillRef>
-      <a:effectRef idx="0">
-        <a:scrgbClr r="0" g="0" b="0"/>
-      </a:effectRef>
-      <a:fontRef idx="minor"/>
-    </dgm:style>
-  </dgm:styleLbl>
-  <dgm:styleLbl name="solidFgAcc1">
-    <dgm:scene3d>
-      <a:camera prst="orthographicFront"/>
-      <a:lightRig rig="threePt" dir="t"/>
-    </dgm:scene3d>
-    <dgm:sp3d/>
-    <dgm:txPr/>
-    <dgm:style>
-      <a:lnRef idx="2">
-        <a:scrgbClr r="0" g="0" b="0"/>
-      </a:lnRef>
-      <a:fillRef idx="1">
-        <a:scrgbClr r="0" g="0" b="0"/>
-      </a:fillRef>
-      <a:effectRef idx="0">
-        <a:scrgbClr r="0" g="0" b="0"/>
-      </a:effectRef>
-      <a:fontRef idx="minor"/>
-    </dgm:style>
-  </dgm:styleLbl>
-  <dgm:styleLbl name="solidAlignAcc1">
-    <dgm:scene3d>
-      <a:camera prst="orthographicFront"/>
-      <a:lightRig rig="threePt" dir="t"/>
-    </dgm:scene3d>
-    <dgm:sp3d/>
-    <dgm:txPr/>
-    <dgm:style>
-      <a:lnRef idx="2">
-        <a:scrgbClr r="0" g="0" b="0"/>
-      </a:lnRef>
-      <a:fillRef idx="1">
-        <a:scrgbClr r="0" g="0" b="0"/>
-      </a:fillRef>
-      <a:effectRef idx="0">
-        <a:scrgbClr r="0" g="0" b="0"/>
-      </a:effectRef>
-      <a:fontRef idx="minor"/>
-    </dgm:style>
-  </dgm:styleLbl>
-  <dgm:styleLbl name="solidBgAcc1">
-    <dgm:scene3d>
-      <a:camera prst="orthographicFront"/>
-      <a:lightRig rig="threePt" dir="t"/>
-    </dgm:scene3d>
-    <dgm:sp3d/>
-    <dgm:txPr/>
-    <dgm:style>
-      <a:lnRef idx="2">
-        <a:scrgbClr r="0" g="0" b="0"/>
-      </a:lnRef>
-      <a:fillRef idx="1">
-        <a:scrgbClr r="0" g="0" b="0"/>
-      </a:fillRef>
-      <a:effectRef idx="0">
-        <a:scrgbClr r="0" g="0" b="0"/>
-      </a:effectRef>
-      <a:fontRef idx="minor"/>
-    </dgm:style>
-  </dgm:styleLbl>
-  <dgm:styleLbl name="fgAccFollowNode1">
-    <dgm:scene3d>
-      <a:camera prst="orthographicFront"/>
-      <a:lightRig rig="threePt" dir="t"/>
-    </dgm:scene3d>
-    <dgm:sp3d/>
-    <dgm:txPr/>
-    <dgm:style>
-      <a:lnRef idx="2">
-        <a:scrgbClr r="0" g="0" b="0"/>
-      </a:lnRef>
-      <a:fillRef idx="1">
-        <a:scrgbClr r="0" g="0" b="0"/>
-      </a:fillRef>
-      <a:effectRef idx="0">
-        <a:scrgbClr r="0" g="0" b="0"/>
-      </a:effectRef>
-      <a:fontRef idx="minor"/>
-    </dgm:style>
-  </dgm:styleLbl>
-  <dgm:styleLbl name="alignAccFollowNode1">
-    <dgm:scene3d>
-      <a:camera prst="orthographicFront"/>
-      <a:lightRig rig="threePt" dir="t"/>
-    </dgm:scene3d>
-    <dgm:sp3d/>
-    <dgm:txPr/>
-    <dgm:style>
-      <a:lnRef idx="2">
-        <a:scrgbClr r="0" g="0" b="0"/>
-      </a:lnRef>
-      <a:fillRef idx="1">
-        <a:scrgbClr r="0" g="0" b="0"/>
-      </a:fillRef>
-      <a:effectRef idx="0">
-        <a:scrgbClr r="0" g="0" b="0"/>
-      </a:effectRef>
-      <a:fontRef idx="minor"/>
-    </dgm:style>
-  </dgm:styleLbl>
-  <dgm:styleLbl name="bgAccFollowNode1">
-    <dgm:scene3d>
-      <a:camera prst="orthographicFront"/>
-      <a:lightRig rig="threePt" dir="t"/>
-    </dgm:scene3d>
-    <dgm:sp3d/>
-    <dgm:txPr/>
-    <dgm:style>
-      <a:lnRef idx="2">
-        <a:scrgbClr r="0" g="0" b="0"/>
-      </a:lnRef>
-      <a:fillRef idx="1">
-        <a:scrgbClr r="0" g="0" b="0"/>
-      </a:fillRef>
-      <a:effectRef idx="0">
-        <a:scrgbClr r="0" g="0" b="0"/>
-      </a:effectRef>
-      <a:fontRef idx="minor"/>
-    </dgm:style>
-  </dgm:styleLbl>
-  <dgm:styleLbl name="fgAcc0">
-    <dgm:scene3d>
-      <a:camera prst="orthographicFront"/>
-      <a:lightRig rig="threePt" dir="t"/>
-    </dgm:scene3d>
-    <dgm:sp3d/>
-    <dgm:txPr/>
-    <dgm:style>
-      <a:lnRef idx="2">
-        <a:scrgbClr r="0" g="0" b="0"/>
-      </a:lnRef>
-      <a:fillRef idx="1">
-        <a:scrgbClr r="0" g="0" b="0"/>
-      </a:fillRef>
-      <a:effectRef idx="0">
-        <a:scrgbClr r="0" g="0" b="0"/>
-      </a:effectRef>
-      <a:fontRef idx="minor"/>
-    </dgm:style>
-  </dgm:styleLbl>
-  <dgm:styleLbl name="fgAcc2">
-    <dgm:scene3d>
-      <a:camera prst="orthographicFront"/>
-      <a:lightRig rig="threePt" dir="t"/>
-    </dgm:scene3d>
-    <dgm:sp3d/>
-    <dgm:txPr/>
-    <dgm:style>
-      <a:lnRef idx="2">
-        <a:scrgbClr r="0" g="0" b="0"/>
-      </a:lnRef>
-      <a:fillRef idx="1">
-        <a:scrgbClr r="0" g="0" b="0"/>
-      </a:fillRef>
-      <a:effectRef idx="0">
-        <a:scrgbClr r="0" g="0" b="0"/>
-      </a:effectRef>
-      <a:fontRef idx="minor"/>
-    </dgm:style>
-  </dgm:styleLbl>
-  <dgm:styleLbl name="fgAcc3">
-    <dgm:scene3d>
-      <a:camera prst="orthographicFront"/>
-      <a:lightRig rig="threePt" dir="t"/>
-    </dgm:scene3d>
-    <dgm:sp3d/>
-    <dgm:txPr/>
-    <dgm:style>
-      <a:lnRef idx="2">
-        <a:scrgbClr r="0" g="0" b="0"/>
-      </a:lnRef>
-      <a:fillRef idx="1">
-        <a:scrgbClr r="0" g="0" b="0"/>
-      </a:fillRef>
-      <a:effectRef idx="0">
-        <a:scrgbClr r="0" g="0" b="0"/>
-      </a:effectRef>
-      <a:fontRef idx="minor"/>
-    </dgm:style>
-  </dgm:styleLbl>
-  <dgm:styleLbl name="fgAcc4">
-    <dgm:scene3d>
-      <a:camera prst="orthographicFront"/>
-      <a:lightRig rig="threePt" dir="t"/>
-    </dgm:scene3d>
-    <dgm:sp3d/>
-    <dgm:txPr/>
-    <dgm:style>
-      <a:lnRef idx="2">
-        <a:scrgbClr r="0" g="0" b="0"/>
-      </a:lnRef>
-      <a:fillRef idx="1">
-        <a:scrgbClr r="0" g="0" b="0"/>
-      </a:fillRef>
-      <a:effectRef idx="0">
-        <a:scrgbClr r="0" g="0" b="0"/>
-      </a:effectRef>
-      <a:fontRef idx="minor"/>
-    </dgm:style>
-  </dgm:styleLbl>
-  <dgm:styleLbl name="bgShp">
-    <dgm:scene3d>
-      <a:camera prst="orthographicFront"/>
-      <a:lightRig rig="threePt" dir="t"/>
-    </dgm:scene3d>
-    <dgm:sp3d/>
-    <dgm:txPr/>
-    <dgm:style>
-      <a:lnRef idx="0">
-        <a:scrgbClr r="0" g="0" b="0"/>
-      </a:lnRef>
-      <a:fillRef idx="1">
-        <a:scrgbClr r="0" g="0" b="0"/>
-      </a:fillRef>
-      <a:effectRef idx="0">
-        <a:scrgbClr r="0" g="0" b="0"/>
-      </a:effectRef>
-      <a:fontRef idx="minor"/>
-    </dgm:style>
-  </dgm:styleLbl>
-  <dgm:styleLbl name="dkBgShp">
-    <dgm:scene3d>
-      <a:camera prst="orthographicFront"/>
-      <a:lightRig rig="threePt" dir="t"/>
-    </dgm:scene3d>
-    <dgm:sp3d/>
-    <dgm:txPr/>
-    <dgm:style>
-      <a:lnRef idx="0">
-        <a:scrgbClr r="0" g="0" b="0"/>
-      </a:lnRef>
-      <a:fillRef idx="1">
-        <a:scrgbClr r="0" g="0" b="0"/>
-      </a:fillRef>
-      <a:effectRef idx="0">
-        <a:scrgbClr r="0" g="0" b="0"/>
-      </a:effectRef>
-      <a:fontRef idx="minor"/>
-    </dgm:style>
-  </dgm:styleLbl>
-  <dgm:styleLbl name="trBgShp">
-    <dgm:scene3d>
-      <a:camera prst="orthographicFront"/>
-      <a:lightRig rig="threePt" dir="t"/>
-    </dgm:scene3d>
-    <dgm:sp3d/>
-    <dgm:txPr/>
-    <dgm:style>
-      <a:lnRef idx="0">
-        <a:scrgbClr r="0" g="0" b="0"/>
-      </a:lnRef>
-      <a:fillRef idx="1">
-        <a:scrgbClr r="0" g="0" b="0"/>
-      </a:fillRef>
-      <a:effectRef idx="0">
-        <a:scrgbClr r="0" g="0" b="0"/>
-      </a:effectRef>
-      <a:fontRef idx="minor"/>
-    </dgm:style>
-  </dgm:styleLbl>
-  <dgm:styleLbl name="fgShp">
-    <dgm:scene3d>
-      <a:camera prst="orthographicFront"/>
-      <a:lightRig rig="threePt" dir="t"/>
-    </dgm:scene3d>
-    <dgm:sp3d/>
-    <dgm:txPr/>
-    <dgm:style>
-      <a:lnRef idx="3">
-        <a:scrgbClr r="0" g="0" b="0"/>
-      </a:lnRef>
-      <a:fillRef idx="1">
-        <a:scrgbClr r="0" g="0" b="0"/>
-      </a:fillRef>
-      <a:effectRef idx="1">
-        <a:scrgbClr r="0" g="0" b="0"/>
-      </a:effectRef>
-      <a:fontRef idx="minor"/>
-    </dgm:style>
-  </dgm:styleLbl>
-  <dgm:styleLbl name="revTx">
-    <dgm:scene3d>
-      <a:camera prst="orthographicFront"/>
-      <a:lightRig rig="threePt" dir="t"/>
-    </dgm:scene3d>
-    <dgm:sp3d/>
-    <dgm:txPr/>
-    <dgm:style>
-      <a:lnRef idx="0">
-        <a:scrgbClr r="0" g="0" b="0"/>
-      </a:lnRef>
-      <a:fillRef idx="0">
-        <a:scrgbClr r="0" g="0" b="0"/>
-      </a:fillRef>
-      <a:effectRef idx="0">
-        <a:scrgbClr r="0" g="0" b="0"/>
-      </a:effectRef>
-      <a:fontRef idx="minor"/>
-    </dgm:style>
-  </dgm:styleLbl>
-</dgm:styleDef>
-</file>
-
-<file path=ppt/diagrams/quickStyle5.xml><?xml version="1.0" encoding="utf-8"?>
 <dgm:styleDef xmlns:dgm="http://schemas.openxmlformats.org/drawingml/2006/diagram" xmlns:a="http://schemas.openxmlformats.org/drawingml/2006/main" uniqueId="urn:microsoft.com/office/officeart/2005/8/quickstyle/simple1">
   <dgm:title val=""/>
   <dgm:desc val=""/>
@@ -19961,7 +16306,7 @@
 </dgm:styleDef>
 </file>
 
-<file path=ppt/diagrams/quickStyle6.xml><?xml version="1.0" encoding="utf-8"?>
+<file path=ppt/diagrams/quickStyle5.xml><?xml version="1.0" encoding="utf-8"?>
 <dgm:styleDef xmlns:dgm="http://schemas.openxmlformats.org/drawingml/2006/diagram" xmlns:a="http://schemas.openxmlformats.org/drawingml/2006/main" uniqueId="urn:microsoft.com/office/officeart/2005/8/quickstyle/simple2">
   <dgm:title val=""/>
   <dgm:desc val=""/>
@@ -21077,7 +17422,7 @@
           <a:p>
             <a:fld id="{C2DA8A0D-E21F-47DA-82BC-DB77204893D0}" type="datetimeFigureOut">
               <a:rPr lang="en-US" smtClean="0"/>
-              <a:t>10/31/2019</a:t>
+              <a:t>11/1/2019</a:t>
             </a:fld>
             <a:endParaRPr lang="en-US"/>
           </a:p>
@@ -22089,7 +18434,7 @@
           <a:p>
             <a:fld id="{48A87A34-81AB-432B-8DAE-1953F412C126}" type="datetimeFigureOut">
               <a:rPr lang="en-US" smtClean="0"/>
-              <a:t>10/31/2019</a:t>
+              <a:t>11/1/2019</a:t>
             </a:fld>
             <a:endParaRPr lang="en-US" dirty="0"/>
           </a:p>
@@ -22341,7 +18686,7 @@
             <a:fld id="{48A87A34-81AB-432B-8DAE-1953F412C126}" type="datetimeFigureOut">
               <a:rPr lang="en-US" smtClean="0"/>
               <a:pPr/>
-              <a:t>10/31/2019</a:t>
+              <a:t>11/1/2019</a:t>
             </a:fld>
             <a:endParaRPr lang="en-US" dirty="0"/>
           </a:p>
@@ -22657,7 +19002,7 @@
             <a:fld id="{48A87A34-81AB-432B-8DAE-1953F412C126}" type="datetimeFigureOut">
               <a:rPr lang="en-US" smtClean="0"/>
               <a:pPr/>
-              <a:t>10/31/2019</a:t>
+              <a:t>11/1/2019</a:t>
             </a:fld>
             <a:endParaRPr lang="en-US" dirty="0"/>
           </a:p>
@@ -22992,7 +19337,7 @@
             <a:fld id="{48A87A34-81AB-432B-8DAE-1953F412C126}" type="datetimeFigureOut">
               <a:rPr lang="en-US" smtClean="0"/>
               <a:pPr/>
-              <a:t>10/31/2019</a:t>
+              <a:t>11/1/2019</a:t>
             </a:fld>
             <a:endParaRPr lang="en-US" dirty="0"/>
           </a:p>
@@ -23314,7 +19659,7 @@
                 </a:solidFill>
               </a:rPr>
               <a:pPr/>
-              <a:t>10/31/2019</a:t>
+              <a:t>11/1/2019</a:t>
             </a:fld>
             <a:endParaRPr lang="en-US">
               <a:solidFill>
@@ -23739,7 +20084,7 @@
                 </a:solidFill>
               </a:rPr>
               <a:pPr/>
-              <a:t>10/31/2019</a:t>
+              <a:t>11/1/2019</a:t>
             </a:fld>
             <a:endParaRPr lang="en-US">
               <a:solidFill>
@@ -23934,7 +20279,7 @@
           <a:p>
             <a:fld id="{48A87A34-81AB-432B-8DAE-1953F412C126}" type="datetimeFigureOut">
               <a:rPr lang="en-US" smtClean="0"/>
-              <a:t>10/31/2019</a:t>
+              <a:t>11/1/2019</a:t>
             </a:fld>
             <a:endParaRPr lang="en-US" dirty="0"/>
           </a:p>
@@ -24115,7 +20460,7 @@
             <a:fld id="{48A87A34-81AB-432B-8DAE-1953F412C126}" type="datetimeFigureOut">
               <a:rPr lang="en-US" smtClean="0"/>
               <a:pPr/>
-              <a:t>10/31/2019</a:t>
+              <a:t>11/1/2019</a:t>
             </a:fld>
             <a:endParaRPr lang="en-US" dirty="0"/>
           </a:p>
@@ -24285,7 +20630,7 @@
           <a:p>
             <a:fld id="{48A87A34-81AB-432B-8DAE-1953F412C126}" type="datetimeFigureOut">
               <a:rPr lang="en-US" smtClean="0"/>
-              <a:t>10/31/2019</a:t>
+              <a:t>11/1/2019</a:t>
             </a:fld>
             <a:endParaRPr lang="en-US" dirty="0"/>
           </a:p>
@@ -24533,7 +20878,7 @@
             <a:fld id="{48A87A34-81AB-432B-8DAE-1953F412C126}" type="datetimeFigureOut">
               <a:rPr lang="en-US" smtClean="0"/>
               <a:pPr/>
-              <a:t>10/31/2019</a:t>
+              <a:t>11/1/2019</a:t>
             </a:fld>
             <a:endParaRPr lang="en-US" dirty="0"/>
           </a:p>
@@ -24765,7 +21110,7 @@
           <a:p>
             <a:fld id="{48A87A34-81AB-432B-8DAE-1953F412C126}" type="datetimeFigureOut">
               <a:rPr lang="en-US" smtClean="0"/>
-              <a:t>10/31/2019</a:t>
+              <a:t>11/1/2019</a:t>
             </a:fld>
             <a:endParaRPr lang="en-US" dirty="0"/>
           </a:p>
@@ -25139,7 +21484,7 @@
           <a:p>
             <a:fld id="{48A87A34-81AB-432B-8DAE-1953F412C126}" type="datetimeFigureOut">
               <a:rPr lang="en-US" smtClean="0"/>
-              <a:t>10/31/2019</a:t>
+              <a:t>11/1/2019</a:t>
             </a:fld>
             <a:endParaRPr lang="en-US" dirty="0"/>
           </a:p>
@@ -25262,7 +21607,7 @@
           <a:p>
             <a:fld id="{48A87A34-81AB-432B-8DAE-1953F412C126}" type="datetimeFigureOut">
               <a:rPr lang="en-US" smtClean="0"/>
-              <a:t>10/31/2019</a:t>
+              <a:t>11/1/2019</a:t>
             </a:fld>
             <a:endParaRPr lang="en-US" dirty="0"/>
           </a:p>
@@ -25357,7 +21702,7 @@
           <a:p>
             <a:fld id="{48A87A34-81AB-432B-8DAE-1953F412C126}" type="datetimeFigureOut">
               <a:rPr lang="en-US" smtClean="0"/>
-              <a:t>10/31/2019</a:t>
+              <a:t>11/1/2019</a:t>
             </a:fld>
             <a:endParaRPr lang="en-US" dirty="0"/>
           </a:p>
@@ -25612,7 +21957,7 @@
           <a:p>
             <a:fld id="{48A87A34-81AB-432B-8DAE-1953F412C126}" type="datetimeFigureOut">
               <a:rPr lang="en-US" smtClean="0"/>
-              <a:t>10/31/2019</a:t>
+              <a:t>11/1/2019</a:t>
             </a:fld>
             <a:endParaRPr lang="en-US" dirty="0"/>
           </a:p>
@@ -25917,7 +22262,7 @@
           <a:p>
             <a:fld id="{48A87A34-81AB-432B-8DAE-1953F412C126}" type="datetimeFigureOut">
               <a:rPr lang="en-US" smtClean="0"/>
-              <a:t>10/31/2019</a:t>
+              <a:t>11/1/2019</a:t>
             </a:fld>
             <a:endParaRPr lang="en-US" dirty="0"/>
           </a:p>
@@ -26626,7 +22971,7 @@
                 </a:solidFill>
               </a:rPr>
               <a:pPr/>
-              <a:t>10/31/2019</a:t>
+              <a:t>11/1/2019</a:t>
             </a:fld>
             <a:endParaRPr lang="en-US">
               <a:solidFill>
@@ -27279,36 +23624,45 @@
           <a:p>
             <a:r>
               <a:rPr lang="en-US" dirty="0"/>
+              <a:t>Introductions</a:t>
+            </a:r>
+          </a:p>
+        </p:txBody>
+      </p:sp>
+      <p:sp>
+        <p:nvSpPr>
+          <p:cNvPr id="4" name="Content Placeholder 3">
+            <a:extLst>
+              <a:ext uri="{FF2B5EF4-FFF2-40B4-BE49-F238E27FC236}">
+                <a16:creationId xmlns:a16="http://schemas.microsoft.com/office/drawing/2014/main" id="{A39A3659-1C7B-497C-9568-3CABEC379D8C}"/>
+              </a:ext>
+            </a:extLst>
+          </p:cNvPr>
+          <p:cNvSpPr>
+            <a:spLocks noGrp="1"/>
+          </p:cNvSpPr>
+          <p:nvPr>
+            <p:ph idx="1"/>
+          </p:nvPr>
+        </p:nvSpPr>
+        <p:spPr/>
+        <p:txBody>
+          <a:bodyPr/>
+          <a:lstStyle/>
+          <a:p>
+            <a:r>
+              <a:rPr lang="en-US" dirty="0"/>
+              <a:t>Robert Booth</a:t>
+            </a:r>
+          </a:p>
+          <a:p>
+            <a:r>
+              <a:rPr lang="en-US" dirty="0"/>
               <a:t>Eric Burcham</a:t>
             </a:r>
           </a:p>
         </p:txBody>
       </p:sp>
-      <p:graphicFrame>
-        <p:nvGraphicFramePr>
-          <p:cNvPr id="7" name="Content Placeholder 6"/>
-          <p:cNvGraphicFramePr>
-            <a:graphicFrameLocks noGrp="1"/>
-          </p:cNvGraphicFramePr>
-          <p:nvPr>
-            <p:ph idx="1"/>
-            <p:extLst>
-              <p:ext uri="{D42A27DB-BD31-4B8C-83A1-F6EECF244321}">
-                <p14:modId xmlns:p14="http://schemas.microsoft.com/office/powerpoint/2010/main" val="3456715701"/>
-              </p:ext>
-            </p:extLst>
-          </p:nvPr>
-        </p:nvGraphicFramePr>
-        <p:xfrm>
-          <a:off x="-960438" y="1295400"/>
-          <a:ext cx="12514263" cy="5316538"/>
-        </p:xfrm>
-        <a:graphic>
-          <a:graphicData uri="http://schemas.openxmlformats.org/drawingml/2006/diagram">
-            <dgm:relIds xmlns:dgm="http://schemas.openxmlformats.org/drawingml/2006/diagram" xmlns:r="http://schemas.openxmlformats.org/officeDocument/2006/relationships" r:dm="rId2" r:lo="rId3" r:qs="rId4" r:cs="rId5"/>
-          </a:graphicData>
-        </a:graphic>
-      </p:graphicFrame>
     </p:spTree>
     <p:extLst>
       <p:ext uri="{BB962C8B-B14F-4D97-AF65-F5344CB8AC3E}">
@@ -27319,6 +23673,161 @@
   <p:clrMapOvr>
     <a:masterClrMapping/>
   </p:clrMapOvr>
+  <p:timing>
+    <p:tnLst>
+      <p:par>
+        <p:cTn id="1" dur="indefinite" restart="never" nodeType="tmRoot">
+          <p:childTnLst>
+            <p:seq concurrent="1" nextAc="seek">
+              <p:cTn id="2" dur="indefinite" nodeType="mainSeq">
+                <p:childTnLst>
+                  <p:par>
+                    <p:cTn id="3" fill="hold">
+                      <p:stCondLst>
+                        <p:cond delay="indefinite"/>
+                      </p:stCondLst>
+                      <p:childTnLst>
+                        <p:par>
+                          <p:cTn id="4" fill="hold">
+                            <p:stCondLst>
+                              <p:cond delay="0"/>
+                            </p:stCondLst>
+                            <p:childTnLst>
+                              <p:par>
+                                <p:cTn id="5" presetID="10" presetClass="entr" presetSubtype="0" fill="hold" grpId="0" nodeType="clickEffect">
+                                  <p:stCondLst>
+                                    <p:cond delay="0"/>
+                                  </p:stCondLst>
+                                  <p:childTnLst>
+                                    <p:set>
+                                      <p:cBhvr>
+                                        <p:cTn id="6" dur="1" fill="hold">
+                                          <p:stCondLst>
+                                            <p:cond delay="0"/>
+                                          </p:stCondLst>
+                                        </p:cTn>
+                                        <p:tgtEl>
+                                          <p:spTgt spid="4">
+                                            <p:txEl>
+                                              <p:pRg st="0" end="0"/>
+                                            </p:txEl>
+                                          </p:spTgt>
+                                        </p:tgtEl>
+                                        <p:attrNameLst>
+                                          <p:attrName>style.visibility</p:attrName>
+                                        </p:attrNameLst>
+                                      </p:cBhvr>
+                                      <p:to>
+                                        <p:strVal val="visible"/>
+                                      </p:to>
+                                    </p:set>
+                                    <p:animEffect transition="in" filter="fade">
+                                      <p:cBhvr>
+                                        <p:cTn id="7" dur="500"/>
+                                        <p:tgtEl>
+                                          <p:spTgt spid="4">
+                                            <p:txEl>
+                                              <p:pRg st="0" end="0"/>
+                                            </p:txEl>
+                                          </p:spTgt>
+                                        </p:tgtEl>
+                                      </p:cBhvr>
+                                    </p:animEffect>
+                                  </p:childTnLst>
+                                </p:cTn>
+                              </p:par>
+                            </p:childTnLst>
+                          </p:cTn>
+                        </p:par>
+                      </p:childTnLst>
+                    </p:cTn>
+                  </p:par>
+                  <p:par>
+                    <p:cTn id="8" fill="hold">
+                      <p:stCondLst>
+                        <p:cond delay="indefinite"/>
+                      </p:stCondLst>
+                      <p:childTnLst>
+                        <p:par>
+                          <p:cTn id="9" fill="hold">
+                            <p:stCondLst>
+                              <p:cond delay="0"/>
+                            </p:stCondLst>
+                            <p:childTnLst>
+                              <p:par>
+                                <p:cTn id="10" presetID="10" presetClass="entr" presetSubtype="0" fill="hold" grpId="0" nodeType="clickEffect">
+                                  <p:stCondLst>
+                                    <p:cond delay="0"/>
+                                  </p:stCondLst>
+                                  <p:childTnLst>
+                                    <p:set>
+                                      <p:cBhvr>
+                                        <p:cTn id="11" dur="1" fill="hold">
+                                          <p:stCondLst>
+                                            <p:cond delay="0"/>
+                                          </p:stCondLst>
+                                        </p:cTn>
+                                        <p:tgtEl>
+                                          <p:spTgt spid="4">
+                                            <p:txEl>
+                                              <p:pRg st="1" end="1"/>
+                                            </p:txEl>
+                                          </p:spTgt>
+                                        </p:tgtEl>
+                                        <p:attrNameLst>
+                                          <p:attrName>style.visibility</p:attrName>
+                                        </p:attrNameLst>
+                                      </p:cBhvr>
+                                      <p:to>
+                                        <p:strVal val="visible"/>
+                                      </p:to>
+                                    </p:set>
+                                    <p:animEffect transition="in" filter="fade">
+                                      <p:cBhvr>
+                                        <p:cTn id="12" dur="500"/>
+                                        <p:tgtEl>
+                                          <p:spTgt spid="4">
+                                            <p:txEl>
+                                              <p:pRg st="1" end="1"/>
+                                            </p:txEl>
+                                          </p:spTgt>
+                                        </p:tgtEl>
+                                      </p:cBhvr>
+                                    </p:animEffect>
+                                  </p:childTnLst>
+                                </p:cTn>
+                              </p:par>
+                            </p:childTnLst>
+                          </p:cTn>
+                        </p:par>
+                      </p:childTnLst>
+                    </p:cTn>
+                  </p:par>
+                </p:childTnLst>
+              </p:cTn>
+              <p:prevCondLst>
+                <p:cond evt="onPrev" delay="0">
+                  <p:tgtEl>
+                    <p:sldTgt/>
+                  </p:tgtEl>
+                </p:cond>
+              </p:prevCondLst>
+              <p:nextCondLst>
+                <p:cond evt="onNext" delay="0">
+                  <p:tgtEl>
+                    <p:sldTgt/>
+                  </p:tgtEl>
+                </p:cond>
+              </p:nextCondLst>
+            </p:seq>
+          </p:childTnLst>
+        </p:cTn>
+      </p:par>
+    </p:tnLst>
+    <p:bldLst>
+      <p:bldP spid="4" grpId="0" build="p"/>
+    </p:bldLst>
+  </p:timing>
 </p:sld>
 </file>
 
@@ -27550,13 +24059,13 @@
   <p:clrMapOvr>
     <a:masterClrMapping/>
   </p:clrMapOvr>
-  <mc:AlternateContent xmlns:mc="http://schemas.openxmlformats.org/markup-compatibility/2006">
-    <mc:Choice xmlns:p159="http://schemas.microsoft.com/office/powerpoint/2015/09/main" Requires="p159">
+  <mc:AlternateContent xmlns:mc="http://schemas.openxmlformats.org/markup-compatibility/2006" xmlns:p159="http://schemas.microsoft.com/office/powerpoint/2015/09/main">
+    <mc:Choice Requires="p159">
       <p:transition xmlns:p14="http://schemas.microsoft.com/office/powerpoint/2010/main" spd="slow" p14:dur="2000">
         <p159:morph option="byObject"/>
       </p:transition>
     </mc:Choice>
-    <mc:Fallback>
+    <mc:Fallback xmlns="">
       <p:transition spd="slow">
         <p:fade/>
       </p:transition>
@@ -27663,13 +24172,13 @@
   <p:clrMapOvr>
     <a:masterClrMapping/>
   </p:clrMapOvr>
-  <mc:AlternateContent xmlns:mc="http://schemas.openxmlformats.org/markup-compatibility/2006">
-    <mc:Choice xmlns:p159="http://schemas.microsoft.com/office/powerpoint/2015/09/main" Requires="p159">
+  <mc:AlternateContent xmlns:mc="http://schemas.openxmlformats.org/markup-compatibility/2006" xmlns:p159="http://schemas.microsoft.com/office/powerpoint/2015/09/main">
+    <mc:Choice Requires="p159">
       <p:transition xmlns:p14="http://schemas.microsoft.com/office/powerpoint/2010/main" spd="slow" p14:dur="2000">
         <p159:morph option="byObject"/>
       </p:transition>
     </mc:Choice>
-    <mc:Fallback>
+    <mc:Fallback xmlns="">
       <p:transition spd="slow">
         <p:fade/>
       </p:transition>
